--- a/Programming 4/08.2 NPC Collision/08.2 NPC Collision.pptx
+++ b/Programming 4/08.2 NPC Collision/08.2 NPC Collision.pptx
@@ -4,8 +4,15 @@
   <p:sldMasterIdLst>
     <p:sldMasterId id="2147483648" r:id="rId1"/>
   </p:sldMasterIdLst>
+  <p:notesMasterIdLst>
+    <p:notesMasterId r:id="rId7"/>
+  </p:notesMasterIdLst>
   <p:sldIdLst>
-    <p:sldId id="256" r:id="rId2"/>
+    <p:sldId id="257" r:id="rId2"/>
+    <p:sldId id="258" r:id="rId3"/>
+    <p:sldId id="259" r:id="rId4"/>
+    <p:sldId id="260" r:id="rId5"/>
+    <p:sldId id="261" r:id="rId6"/>
   </p:sldIdLst>
   <p:sldSz cx="9144000" cy="6858000" type="screen4x3"/>
   <p:notesSz cx="6858000" cy="9144000"/>
@@ -106,10 +113,941 @@
   </p:defaultTextStyle>
   <p:extLst>
     <p:ext uri="{EFAFB233-063F-42B5-8137-9DF3F51BA10A}">
-      <p15:sldGuideLst xmlns:p15="http://schemas.microsoft.com/office/powerpoint/2012/main"/>
+      <p15:sldGuideLst xmlns:p15="http://schemas.microsoft.com/office/powerpoint/2012/main">
+        <p15:guide id="1" orient="horz" pos="2160">
+          <p15:clr>
+            <a:srgbClr val="A4A3A4"/>
+          </p15:clr>
+        </p15:guide>
+        <p15:guide id="2" pos="2880">
+          <p15:clr>
+            <a:srgbClr val="A4A3A4"/>
+          </p15:clr>
+        </p15:guide>
+      </p15:sldGuideLst>
     </p:ext>
   </p:extLst>
 </p:presentation>
+</file>
+
+<file path=ppt/notesMasters/notesMaster1.xml><?xml version="1.0" encoding="utf-8"?>
+<p:notesMaster xmlns:a="http://schemas.openxmlformats.org/drawingml/2006/main" xmlns:r="http://schemas.openxmlformats.org/officeDocument/2006/relationships" xmlns:p="http://schemas.openxmlformats.org/presentationml/2006/main">
+  <p:cSld>
+    <p:bg>
+      <p:bgRef idx="1001">
+        <a:schemeClr val="bg1"/>
+      </p:bgRef>
+    </p:bg>
+    <p:spTree>
+      <p:nvGrpSpPr>
+        <p:cNvPr id="1" name=""/>
+        <p:cNvGrpSpPr/>
+        <p:nvPr/>
+      </p:nvGrpSpPr>
+      <p:grpSpPr>
+        <a:xfrm>
+          <a:off x="0" y="0"/>
+          <a:ext cx="0" cy="0"/>
+          <a:chOff x="0" y="0"/>
+          <a:chExt cx="0" cy="0"/>
+        </a:xfrm>
+      </p:grpSpPr>
+      <p:sp>
+        <p:nvSpPr>
+          <p:cNvPr id="2" name="Header Placeholder 1"/>
+          <p:cNvSpPr>
+            <a:spLocks noGrp="1"/>
+          </p:cNvSpPr>
+          <p:nvPr>
+            <p:ph type="hdr" sz="quarter"/>
+          </p:nvPr>
+        </p:nvSpPr>
+        <p:spPr>
+          <a:xfrm>
+            <a:off x="0" y="0"/>
+            <a:ext cx="2971800" cy="458788"/>
+          </a:xfrm>
+          <a:prstGeom prst="rect">
+            <a:avLst/>
+          </a:prstGeom>
+        </p:spPr>
+        <p:txBody>
+          <a:bodyPr vert="horz" lIns="91440" tIns="45720" rIns="91440" bIns="45720" rtlCol="0"/>
+          <a:lstStyle>
+            <a:lvl1pPr algn="l">
+              <a:defRPr sz="1200"/>
+            </a:lvl1pPr>
+          </a:lstStyle>
+          <a:p>
+            <a:endParaRPr lang="en-US"/>
+          </a:p>
+        </p:txBody>
+      </p:sp>
+      <p:sp>
+        <p:nvSpPr>
+          <p:cNvPr id="3" name="Date Placeholder 2"/>
+          <p:cNvSpPr>
+            <a:spLocks noGrp="1"/>
+          </p:cNvSpPr>
+          <p:nvPr>
+            <p:ph type="dt" idx="1"/>
+          </p:nvPr>
+        </p:nvSpPr>
+        <p:spPr>
+          <a:xfrm>
+            <a:off x="3884613" y="0"/>
+            <a:ext cx="2971800" cy="458788"/>
+          </a:xfrm>
+          <a:prstGeom prst="rect">
+            <a:avLst/>
+          </a:prstGeom>
+        </p:spPr>
+        <p:txBody>
+          <a:bodyPr vert="horz" lIns="91440" tIns="45720" rIns="91440" bIns="45720" rtlCol="0"/>
+          <a:lstStyle>
+            <a:lvl1pPr algn="r">
+              <a:defRPr sz="1200"/>
+            </a:lvl1pPr>
+          </a:lstStyle>
+          <a:p>
+            <a:fld id="{2B565E5C-099F-DB4B-B3D4-39EF91E5F10D}" type="datetimeFigureOut">
+              <a:rPr lang="en-US" smtClean="0"/>
+              <a:t>9/15/19</a:t>
+            </a:fld>
+            <a:endParaRPr lang="en-US"/>
+          </a:p>
+        </p:txBody>
+      </p:sp>
+      <p:sp>
+        <p:nvSpPr>
+          <p:cNvPr id="4" name="Slide Image Placeholder 3"/>
+          <p:cNvSpPr>
+            <a:spLocks noGrp="1" noRot="1" noChangeAspect="1"/>
+          </p:cNvSpPr>
+          <p:nvPr>
+            <p:ph type="sldImg" idx="2"/>
+          </p:nvPr>
+        </p:nvSpPr>
+        <p:spPr>
+          <a:xfrm>
+            <a:off x="1371600" y="1143000"/>
+            <a:ext cx="4114800" cy="3086100"/>
+          </a:xfrm>
+          <a:prstGeom prst="rect">
+            <a:avLst/>
+          </a:prstGeom>
+          <a:noFill/>
+          <a:ln w="12700">
+            <a:solidFill>
+              <a:prstClr val="black"/>
+            </a:solidFill>
+          </a:ln>
+        </p:spPr>
+        <p:txBody>
+          <a:bodyPr vert="horz" lIns="91440" tIns="45720" rIns="91440" bIns="45720" rtlCol="0" anchor="ctr"/>
+          <a:lstStyle/>
+          <a:p>
+            <a:endParaRPr lang="en-US"/>
+          </a:p>
+        </p:txBody>
+      </p:sp>
+      <p:sp>
+        <p:nvSpPr>
+          <p:cNvPr id="5" name="Notes Placeholder 4"/>
+          <p:cNvSpPr>
+            <a:spLocks noGrp="1"/>
+          </p:cNvSpPr>
+          <p:nvPr>
+            <p:ph type="body" sz="quarter" idx="3"/>
+          </p:nvPr>
+        </p:nvSpPr>
+        <p:spPr>
+          <a:xfrm>
+            <a:off x="685800" y="4400550"/>
+            <a:ext cx="5486400" cy="3600450"/>
+          </a:xfrm>
+          <a:prstGeom prst="rect">
+            <a:avLst/>
+          </a:prstGeom>
+        </p:spPr>
+        <p:txBody>
+          <a:bodyPr vert="horz" lIns="91440" tIns="45720" rIns="91440" bIns="45720" rtlCol="0"/>
+          <a:lstStyle/>
+          <a:p>
+            <a:pPr lvl="0"/>
+            <a:r>
+              <a:rPr lang="en-US" smtClean="0"/>
+              <a:t>Click to edit Master text styles</a:t>
+            </a:r>
+          </a:p>
+          <a:p>
+            <a:pPr lvl="1"/>
+            <a:r>
+              <a:rPr lang="en-US" smtClean="0"/>
+              <a:t>Second level</a:t>
+            </a:r>
+          </a:p>
+          <a:p>
+            <a:pPr lvl="2"/>
+            <a:r>
+              <a:rPr lang="en-US" smtClean="0"/>
+              <a:t>Third level</a:t>
+            </a:r>
+          </a:p>
+          <a:p>
+            <a:pPr lvl="3"/>
+            <a:r>
+              <a:rPr lang="en-US" smtClean="0"/>
+              <a:t>Fourth level</a:t>
+            </a:r>
+          </a:p>
+          <a:p>
+            <a:pPr lvl="4"/>
+            <a:r>
+              <a:rPr lang="en-US" smtClean="0"/>
+              <a:t>Fifth level</a:t>
+            </a:r>
+            <a:endParaRPr lang="en-US"/>
+          </a:p>
+        </p:txBody>
+      </p:sp>
+      <p:sp>
+        <p:nvSpPr>
+          <p:cNvPr id="6" name="Footer Placeholder 5"/>
+          <p:cNvSpPr>
+            <a:spLocks noGrp="1"/>
+          </p:cNvSpPr>
+          <p:nvPr>
+            <p:ph type="ftr" sz="quarter" idx="4"/>
+          </p:nvPr>
+        </p:nvSpPr>
+        <p:spPr>
+          <a:xfrm>
+            <a:off x="0" y="8685213"/>
+            <a:ext cx="2971800" cy="458787"/>
+          </a:xfrm>
+          <a:prstGeom prst="rect">
+            <a:avLst/>
+          </a:prstGeom>
+        </p:spPr>
+        <p:txBody>
+          <a:bodyPr vert="horz" lIns="91440" tIns="45720" rIns="91440" bIns="45720" rtlCol="0" anchor="b"/>
+          <a:lstStyle>
+            <a:lvl1pPr algn="l">
+              <a:defRPr sz="1200"/>
+            </a:lvl1pPr>
+          </a:lstStyle>
+          <a:p>
+            <a:endParaRPr lang="en-US"/>
+          </a:p>
+        </p:txBody>
+      </p:sp>
+      <p:sp>
+        <p:nvSpPr>
+          <p:cNvPr id="7" name="Slide Number Placeholder 6"/>
+          <p:cNvSpPr>
+            <a:spLocks noGrp="1"/>
+          </p:cNvSpPr>
+          <p:nvPr>
+            <p:ph type="sldNum" sz="quarter" idx="5"/>
+          </p:nvPr>
+        </p:nvSpPr>
+        <p:spPr>
+          <a:xfrm>
+            <a:off x="3884613" y="8685213"/>
+            <a:ext cx="2971800" cy="458787"/>
+          </a:xfrm>
+          <a:prstGeom prst="rect">
+            <a:avLst/>
+          </a:prstGeom>
+        </p:spPr>
+        <p:txBody>
+          <a:bodyPr vert="horz" lIns="91440" tIns="45720" rIns="91440" bIns="45720" rtlCol="0" anchor="b"/>
+          <a:lstStyle>
+            <a:lvl1pPr algn="r">
+              <a:defRPr sz="1200"/>
+            </a:lvl1pPr>
+          </a:lstStyle>
+          <a:p>
+            <a:fld id="{C21E4BB5-D4B1-9E45-A7F9-293A4AF779B4}" type="slidenum">
+              <a:rPr lang="en-US" smtClean="0"/>
+              <a:t>‹#›</a:t>
+            </a:fld>
+            <a:endParaRPr lang="en-US"/>
+          </a:p>
+        </p:txBody>
+      </p:sp>
+    </p:spTree>
+    <p:extLst>
+      <p:ext uri="{BB962C8B-B14F-4D97-AF65-F5344CB8AC3E}">
+        <p14:creationId xmlns:p14="http://schemas.microsoft.com/office/powerpoint/2010/main" val="1659772041"/>
+      </p:ext>
+    </p:extLst>
+  </p:cSld>
+  <p:clrMap bg1="lt1" tx1="dk1" bg2="lt2" tx2="dk2" accent1="accent1" accent2="accent2" accent3="accent3" accent4="accent4" accent5="accent5" accent6="accent6" hlink="hlink" folHlink="folHlink"/>
+  <p:notesStyle>
+    <a:lvl1pPr marL="0" algn="l" defTabSz="914400" rtl="0" eaLnBrk="1" latinLnBrk="0" hangingPunct="1">
+      <a:defRPr sz="1200" kern="1200">
+        <a:solidFill>
+          <a:schemeClr val="tx1"/>
+        </a:solidFill>
+        <a:latin typeface="+mn-lt"/>
+        <a:ea typeface="+mn-ea"/>
+        <a:cs typeface="+mn-cs"/>
+      </a:defRPr>
+    </a:lvl1pPr>
+    <a:lvl2pPr marL="457200" algn="l" defTabSz="914400" rtl="0" eaLnBrk="1" latinLnBrk="0" hangingPunct="1">
+      <a:defRPr sz="1200" kern="1200">
+        <a:solidFill>
+          <a:schemeClr val="tx1"/>
+        </a:solidFill>
+        <a:latin typeface="+mn-lt"/>
+        <a:ea typeface="+mn-ea"/>
+        <a:cs typeface="+mn-cs"/>
+      </a:defRPr>
+    </a:lvl2pPr>
+    <a:lvl3pPr marL="914400" algn="l" defTabSz="914400" rtl="0" eaLnBrk="1" latinLnBrk="0" hangingPunct="1">
+      <a:defRPr sz="1200" kern="1200">
+        <a:solidFill>
+          <a:schemeClr val="tx1"/>
+        </a:solidFill>
+        <a:latin typeface="+mn-lt"/>
+        <a:ea typeface="+mn-ea"/>
+        <a:cs typeface="+mn-cs"/>
+      </a:defRPr>
+    </a:lvl3pPr>
+    <a:lvl4pPr marL="1371600" algn="l" defTabSz="914400" rtl="0" eaLnBrk="1" latinLnBrk="0" hangingPunct="1">
+      <a:defRPr sz="1200" kern="1200">
+        <a:solidFill>
+          <a:schemeClr val="tx1"/>
+        </a:solidFill>
+        <a:latin typeface="+mn-lt"/>
+        <a:ea typeface="+mn-ea"/>
+        <a:cs typeface="+mn-cs"/>
+      </a:defRPr>
+    </a:lvl4pPr>
+    <a:lvl5pPr marL="1828800" algn="l" defTabSz="914400" rtl="0" eaLnBrk="1" latinLnBrk="0" hangingPunct="1">
+      <a:defRPr sz="1200" kern="1200">
+        <a:solidFill>
+          <a:schemeClr val="tx1"/>
+        </a:solidFill>
+        <a:latin typeface="+mn-lt"/>
+        <a:ea typeface="+mn-ea"/>
+        <a:cs typeface="+mn-cs"/>
+      </a:defRPr>
+    </a:lvl5pPr>
+    <a:lvl6pPr marL="2286000" algn="l" defTabSz="914400" rtl="0" eaLnBrk="1" latinLnBrk="0" hangingPunct="1">
+      <a:defRPr sz="1200" kern="1200">
+        <a:solidFill>
+          <a:schemeClr val="tx1"/>
+        </a:solidFill>
+        <a:latin typeface="+mn-lt"/>
+        <a:ea typeface="+mn-ea"/>
+        <a:cs typeface="+mn-cs"/>
+      </a:defRPr>
+    </a:lvl6pPr>
+    <a:lvl7pPr marL="2743200" algn="l" defTabSz="914400" rtl="0" eaLnBrk="1" latinLnBrk="0" hangingPunct="1">
+      <a:defRPr sz="1200" kern="1200">
+        <a:solidFill>
+          <a:schemeClr val="tx1"/>
+        </a:solidFill>
+        <a:latin typeface="+mn-lt"/>
+        <a:ea typeface="+mn-ea"/>
+        <a:cs typeface="+mn-cs"/>
+      </a:defRPr>
+    </a:lvl7pPr>
+    <a:lvl8pPr marL="3200400" algn="l" defTabSz="914400" rtl="0" eaLnBrk="1" latinLnBrk="0" hangingPunct="1">
+      <a:defRPr sz="1200" kern="1200">
+        <a:solidFill>
+          <a:schemeClr val="tx1"/>
+        </a:solidFill>
+        <a:latin typeface="+mn-lt"/>
+        <a:ea typeface="+mn-ea"/>
+        <a:cs typeface="+mn-cs"/>
+      </a:defRPr>
+    </a:lvl8pPr>
+    <a:lvl9pPr marL="3657600" algn="l" defTabSz="914400" rtl="0" eaLnBrk="1" latinLnBrk="0" hangingPunct="1">
+      <a:defRPr sz="1200" kern="1200">
+        <a:solidFill>
+          <a:schemeClr val="tx1"/>
+        </a:solidFill>
+        <a:latin typeface="+mn-lt"/>
+        <a:ea typeface="+mn-ea"/>
+        <a:cs typeface="+mn-cs"/>
+      </a:defRPr>
+    </a:lvl9pPr>
+  </p:notesStyle>
+</p:notesMaster>
+</file>
+
+<file path=ppt/notesSlides/notesSlide1.xml><?xml version="1.0" encoding="utf-8"?>
+<p:notes xmlns:a="http://schemas.openxmlformats.org/drawingml/2006/main" xmlns:r="http://schemas.openxmlformats.org/officeDocument/2006/relationships" xmlns:p="http://schemas.openxmlformats.org/presentationml/2006/main">
+  <p:cSld>
+    <p:spTree>
+      <p:nvGrpSpPr>
+        <p:cNvPr id="1" name=""/>
+        <p:cNvGrpSpPr/>
+        <p:nvPr/>
+      </p:nvGrpSpPr>
+      <p:grpSpPr>
+        <a:xfrm>
+          <a:off x="0" y="0"/>
+          <a:ext cx="0" cy="0"/>
+          <a:chOff x="0" y="0"/>
+          <a:chExt cx="0" cy="0"/>
+        </a:xfrm>
+      </p:grpSpPr>
+      <p:sp>
+        <p:nvSpPr>
+          <p:cNvPr id="2" name="Slide Image Placeholder 1"/>
+          <p:cNvSpPr>
+            <a:spLocks noGrp="1" noRot="1" noChangeAspect="1"/>
+          </p:cNvSpPr>
+          <p:nvPr>
+            <p:ph type="sldImg"/>
+          </p:nvPr>
+        </p:nvSpPr>
+        <p:spPr/>
+      </p:sp>
+      <p:sp>
+        <p:nvSpPr>
+          <p:cNvPr id="3" name="Notes Placeholder 2"/>
+          <p:cNvSpPr>
+            <a:spLocks noGrp="1"/>
+          </p:cNvSpPr>
+          <p:nvPr>
+            <p:ph type="body" idx="1"/>
+          </p:nvPr>
+        </p:nvSpPr>
+        <p:spPr/>
+        <p:txBody>
+          <a:bodyPr/>
+          <a:lstStyle/>
+          <a:p>
+            <a:pPr marL="171450" indent="-171450">
+              <a:buFont typeface="Arial" charset="0"/>
+              <a:buChar char="•"/>
+            </a:pPr>
+            <a:r>
+              <a:rPr lang="en-US" sz="1200" kern="1200" dirty="0" smtClean="0">
+                <a:solidFill>
+                  <a:schemeClr val="tx1"/>
+                </a:solidFill>
+                <a:effectLst/>
+                <a:latin typeface="+mn-lt"/>
+                <a:ea typeface="+mn-ea"/>
+                <a:cs typeface="+mn-cs"/>
+              </a:rPr>
+              <a:t>We use different techniques for these two kinds</a:t>
+            </a:r>
+          </a:p>
+          <a:p>
+            <a:pPr marL="171450" indent="-171450">
+              <a:buFont typeface="Arial" charset="0"/>
+              <a:buChar char="•"/>
+            </a:pPr>
+            <a:endParaRPr lang="en-US" sz="1200" kern="1200" dirty="0" smtClean="0">
+              <a:solidFill>
+                <a:schemeClr val="tx1"/>
+              </a:solidFill>
+              <a:effectLst/>
+              <a:latin typeface="+mn-lt"/>
+              <a:ea typeface="+mn-ea"/>
+              <a:cs typeface="+mn-cs"/>
+            </a:endParaRPr>
+          </a:p>
+          <a:p>
+            <a:pPr marL="171450" indent="-171450">
+              <a:buFont typeface="Arial" charset="0"/>
+              <a:buChar char="•"/>
+            </a:pPr>
+            <a:r>
+              <a:rPr lang="en-US" sz="1200" kern="1200" dirty="0" smtClean="0">
+                <a:solidFill>
+                  <a:schemeClr val="tx1"/>
+                </a:solidFill>
+                <a:effectLst/>
+                <a:latin typeface="+mn-lt"/>
+                <a:ea typeface="+mn-ea"/>
+                <a:cs typeface="+mn-cs"/>
+              </a:rPr>
+              <a:t>For the first, we need to compare the locations of the two sprites, and how we define ‘location’ we will see is important</a:t>
+            </a:r>
+          </a:p>
+          <a:p>
+            <a:pPr marL="171450" indent="-171450">
+              <a:buFont typeface="Arial" charset="0"/>
+              <a:buChar char="•"/>
+            </a:pPr>
+            <a:endParaRPr lang="en-US" sz="1200" kern="1200" dirty="0" smtClean="0">
+              <a:solidFill>
+                <a:schemeClr val="tx1"/>
+              </a:solidFill>
+              <a:effectLst/>
+              <a:latin typeface="+mn-lt"/>
+              <a:ea typeface="+mn-ea"/>
+              <a:cs typeface="+mn-cs"/>
+            </a:endParaRPr>
+          </a:p>
+          <a:p>
+            <a:pPr marL="171450" indent="-171450">
+              <a:buFont typeface="Arial" charset="0"/>
+              <a:buChar char="•"/>
+            </a:pPr>
+            <a:r>
+              <a:rPr lang="en-US" sz="1200" kern="1200" dirty="0" smtClean="0">
+                <a:solidFill>
+                  <a:schemeClr val="tx1"/>
+                </a:solidFill>
+                <a:effectLst/>
+                <a:latin typeface="+mn-lt"/>
+                <a:ea typeface="+mn-ea"/>
+                <a:cs typeface="+mn-cs"/>
+              </a:rPr>
+              <a:t>For the second, we need to add properties to our tiles to indicate that they represent solid objects</a:t>
+            </a:r>
+          </a:p>
+          <a:p>
+            <a:pPr marL="171450" indent="-171450">
+              <a:buFont typeface="Arial" charset="0"/>
+              <a:buChar char="•"/>
+            </a:pPr>
+            <a:endParaRPr lang="en-US" sz="1200" kern="1200" dirty="0" smtClean="0">
+              <a:solidFill>
+                <a:schemeClr val="tx1"/>
+              </a:solidFill>
+              <a:effectLst/>
+              <a:latin typeface="+mn-lt"/>
+              <a:ea typeface="+mn-ea"/>
+              <a:cs typeface="+mn-cs"/>
+            </a:endParaRPr>
+          </a:p>
+          <a:p>
+            <a:pPr marL="171450" indent="-171450">
+              <a:buFont typeface="Arial" charset="0"/>
+              <a:buChar char="•"/>
+            </a:pPr>
+            <a:r>
+              <a:rPr lang="en-US" sz="1200" kern="1200" dirty="0" smtClean="0">
+                <a:solidFill>
+                  <a:schemeClr val="tx1"/>
+                </a:solidFill>
+                <a:effectLst/>
+                <a:latin typeface="+mn-lt"/>
+                <a:ea typeface="+mn-ea"/>
+                <a:cs typeface="+mn-cs"/>
+              </a:rPr>
+              <a:t>We’ll do this next time</a:t>
+            </a:r>
+          </a:p>
+        </p:txBody>
+      </p:sp>
+      <p:sp>
+        <p:nvSpPr>
+          <p:cNvPr id="4" name="Slide Number Placeholder 3"/>
+          <p:cNvSpPr>
+            <a:spLocks noGrp="1"/>
+          </p:cNvSpPr>
+          <p:nvPr>
+            <p:ph type="sldNum" sz="quarter" idx="10"/>
+          </p:nvPr>
+        </p:nvSpPr>
+        <p:spPr/>
+        <p:txBody>
+          <a:bodyPr/>
+          <a:lstStyle/>
+          <a:p>
+            <a:fld id="{BBC1DE02-C006-4F38-873D-E62701AB1734}" type="slidenum">
+              <a:rPr lang="en-NZ" smtClean="0"/>
+              <a:t>2</a:t>
+            </a:fld>
+            <a:endParaRPr lang="en-NZ"/>
+          </a:p>
+        </p:txBody>
+      </p:sp>
+    </p:spTree>
+    <p:extLst>
+      <p:ext uri="{BB962C8B-B14F-4D97-AF65-F5344CB8AC3E}">
+        <p14:creationId xmlns:p14="http://schemas.microsoft.com/office/powerpoint/2010/main" val="2123602204"/>
+      </p:ext>
+    </p:extLst>
+  </p:cSld>
+  <p:clrMapOvr>
+    <a:masterClrMapping/>
+  </p:clrMapOvr>
+</p:notes>
+</file>
+
+<file path=ppt/notesSlides/notesSlide2.xml><?xml version="1.0" encoding="utf-8"?>
+<p:notes xmlns:a="http://schemas.openxmlformats.org/drawingml/2006/main" xmlns:r="http://schemas.openxmlformats.org/officeDocument/2006/relationships" xmlns:p="http://schemas.openxmlformats.org/presentationml/2006/main">
+  <p:cSld>
+    <p:spTree>
+      <p:nvGrpSpPr>
+        <p:cNvPr id="1" name=""/>
+        <p:cNvGrpSpPr/>
+        <p:nvPr/>
+      </p:nvGrpSpPr>
+      <p:grpSpPr>
+        <a:xfrm>
+          <a:off x="0" y="0"/>
+          <a:ext cx="0" cy="0"/>
+          <a:chOff x="0" y="0"/>
+          <a:chExt cx="0" cy="0"/>
+        </a:xfrm>
+      </p:grpSpPr>
+      <p:sp>
+        <p:nvSpPr>
+          <p:cNvPr id="2" name="Slide Image Placeholder 1"/>
+          <p:cNvSpPr>
+            <a:spLocks noGrp="1" noRot="1" noChangeAspect="1"/>
+          </p:cNvSpPr>
+          <p:nvPr>
+            <p:ph type="sldImg"/>
+          </p:nvPr>
+        </p:nvSpPr>
+        <p:spPr/>
+      </p:sp>
+      <p:sp>
+        <p:nvSpPr>
+          <p:cNvPr id="3" name="Notes Placeholder 2"/>
+          <p:cNvSpPr>
+            <a:spLocks noGrp="1"/>
+          </p:cNvSpPr>
+          <p:nvPr>
+            <p:ph type="body" idx="1"/>
+          </p:nvPr>
+        </p:nvSpPr>
+        <p:spPr/>
+        <p:txBody>
+          <a:bodyPr/>
+          <a:lstStyle/>
+          <a:p>
+            <a:pPr marL="171450" indent="-171450">
+              <a:buFont typeface="Arial" charset="0"/>
+              <a:buChar char="•"/>
+            </a:pPr>
+            <a:r>
+              <a:rPr lang="en-US" sz="1200" kern="1200" dirty="0" smtClean="0">
+                <a:solidFill>
+                  <a:schemeClr val="tx1"/>
+                </a:solidFill>
+                <a:effectLst/>
+                <a:latin typeface="+mn-lt"/>
+                <a:ea typeface="+mn-ea"/>
+                <a:cs typeface="+mn-cs"/>
+              </a:rPr>
+              <a:t>Two algorithms for collision detection</a:t>
+            </a:r>
+          </a:p>
+          <a:p>
+            <a:pPr marL="171450" indent="-171450">
+              <a:buFont typeface="Arial" charset="0"/>
+              <a:buChar char="•"/>
+            </a:pPr>
+            <a:endParaRPr lang="en-US" sz="1200" kern="1200" dirty="0" smtClean="0">
+              <a:solidFill>
+                <a:schemeClr val="tx1"/>
+              </a:solidFill>
+              <a:effectLst/>
+              <a:latin typeface="+mn-lt"/>
+              <a:ea typeface="+mn-ea"/>
+              <a:cs typeface="+mn-cs"/>
+            </a:endParaRPr>
+          </a:p>
+          <a:p>
+            <a:pPr marL="171450" indent="-171450">
+              <a:buFont typeface="Arial" charset="0"/>
+              <a:buChar char="•"/>
+            </a:pPr>
+            <a:r>
+              <a:rPr lang="en-US" sz="1200" kern="1200" dirty="0" smtClean="0">
+                <a:solidFill>
+                  <a:schemeClr val="tx1"/>
+                </a:solidFill>
+                <a:effectLst/>
+                <a:latin typeface="+mn-lt"/>
+                <a:ea typeface="+mn-ea"/>
+                <a:cs typeface="+mn-cs"/>
+              </a:rPr>
+              <a:t>A priori = “before” A posteriori = “after”</a:t>
+            </a:r>
+          </a:p>
+          <a:p>
+            <a:pPr marL="171450" indent="-171450">
+              <a:buFont typeface="Arial" charset="0"/>
+              <a:buChar char="•"/>
+            </a:pPr>
+            <a:endParaRPr lang="en-US" sz="1200" kern="1200" dirty="0" smtClean="0">
+              <a:solidFill>
+                <a:schemeClr val="tx1"/>
+              </a:solidFill>
+              <a:effectLst/>
+              <a:latin typeface="+mn-lt"/>
+              <a:ea typeface="+mn-ea"/>
+              <a:cs typeface="+mn-cs"/>
+            </a:endParaRPr>
+          </a:p>
+          <a:p>
+            <a:pPr marL="171450" indent="-171450">
+              <a:buFont typeface="Arial" charset="0"/>
+              <a:buChar char="•"/>
+            </a:pPr>
+            <a:r>
+              <a:rPr lang="en-US" sz="1200" kern="1200" dirty="0" smtClean="0">
+                <a:solidFill>
+                  <a:schemeClr val="tx1"/>
+                </a:solidFill>
+                <a:effectLst/>
+                <a:latin typeface="+mn-lt"/>
+                <a:ea typeface="+mn-ea"/>
+                <a:cs typeface="+mn-cs"/>
+              </a:rPr>
+              <a:t>We will use a combination of the two approaches – a priori for terrain and a posteriori for sprite-to-sprite</a:t>
+            </a:r>
+          </a:p>
+          <a:p>
+            <a:pPr marL="171450" indent="-171450">
+              <a:buFont typeface="Arial" charset="0"/>
+              <a:buChar char="•"/>
+            </a:pPr>
+            <a:endParaRPr lang="en-US" sz="1200" kern="1200" dirty="0" smtClean="0">
+              <a:solidFill>
+                <a:schemeClr val="tx1"/>
+              </a:solidFill>
+              <a:effectLst/>
+              <a:latin typeface="+mn-lt"/>
+              <a:ea typeface="+mn-ea"/>
+              <a:cs typeface="+mn-cs"/>
+            </a:endParaRPr>
+          </a:p>
+        </p:txBody>
+      </p:sp>
+      <p:sp>
+        <p:nvSpPr>
+          <p:cNvPr id="4" name="Slide Number Placeholder 3"/>
+          <p:cNvSpPr>
+            <a:spLocks noGrp="1"/>
+          </p:cNvSpPr>
+          <p:nvPr>
+            <p:ph type="sldNum" sz="quarter" idx="10"/>
+          </p:nvPr>
+        </p:nvSpPr>
+        <p:spPr/>
+        <p:txBody>
+          <a:bodyPr/>
+          <a:lstStyle/>
+          <a:p>
+            <a:fld id="{BBC1DE02-C006-4F38-873D-E62701AB1734}" type="slidenum">
+              <a:rPr lang="en-NZ" smtClean="0"/>
+              <a:t>3</a:t>
+            </a:fld>
+            <a:endParaRPr lang="en-NZ"/>
+          </a:p>
+        </p:txBody>
+      </p:sp>
+    </p:spTree>
+    <p:extLst>
+      <p:ext uri="{BB962C8B-B14F-4D97-AF65-F5344CB8AC3E}">
+        <p14:creationId xmlns:p14="http://schemas.microsoft.com/office/powerpoint/2010/main" val="454979104"/>
+      </p:ext>
+    </p:extLst>
+  </p:cSld>
+  <p:clrMapOvr>
+    <a:masterClrMapping/>
+  </p:clrMapOvr>
+</p:notes>
+</file>
+
+<file path=ppt/notesSlides/notesSlide3.xml><?xml version="1.0" encoding="utf-8"?>
+<p:notes xmlns:a="http://schemas.openxmlformats.org/drawingml/2006/main" xmlns:r="http://schemas.openxmlformats.org/officeDocument/2006/relationships" xmlns:p="http://schemas.openxmlformats.org/presentationml/2006/main">
+  <p:cSld>
+    <p:spTree>
+      <p:nvGrpSpPr>
+        <p:cNvPr id="1" name=""/>
+        <p:cNvGrpSpPr/>
+        <p:nvPr/>
+      </p:nvGrpSpPr>
+      <p:grpSpPr>
+        <a:xfrm>
+          <a:off x="0" y="0"/>
+          <a:ext cx="0" cy="0"/>
+          <a:chOff x="0" y="0"/>
+          <a:chExt cx="0" cy="0"/>
+        </a:xfrm>
+      </p:grpSpPr>
+      <p:sp>
+        <p:nvSpPr>
+          <p:cNvPr id="2" name="Slide Image Placeholder 1"/>
+          <p:cNvSpPr>
+            <a:spLocks noGrp="1" noRot="1" noChangeAspect="1"/>
+          </p:cNvSpPr>
+          <p:nvPr>
+            <p:ph type="sldImg"/>
+          </p:nvPr>
+        </p:nvSpPr>
+        <p:spPr/>
+      </p:sp>
+      <p:sp>
+        <p:nvSpPr>
+          <p:cNvPr id="3" name="Notes Placeholder 2"/>
+          <p:cNvSpPr>
+            <a:spLocks noGrp="1"/>
+          </p:cNvSpPr>
+          <p:nvPr>
+            <p:ph type="body" idx="1"/>
+          </p:nvPr>
+        </p:nvSpPr>
+        <p:spPr/>
+        <p:txBody>
+          <a:bodyPr/>
+          <a:lstStyle/>
+          <a:p>
+            <a:pPr marL="171450" indent="-171450">
+              <a:buFont typeface="Arial" charset="0"/>
+              <a:buChar char="•"/>
+            </a:pPr>
+            <a:endParaRPr lang="en-US" sz="1200" kern="1200" dirty="0" smtClean="0">
+              <a:solidFill>
+                <a:schemeClr val="tx1"/>
+              </a:solidFill>
+              <a:effectLst/>
+              <a:latin typeface="+mn-lt"/>
+              <a:ea typeface="+mn-ea"/>
+              <a:cs typeface="+mn-cs"/>
+            </a:endParaRPr>
+          </a:p>
+        </p:txBody>
+      </p:sp>
+      <p:sp>
+        <p:nvSpPr>
+          <p:cNvPr id="4" name="Slide Number Placeholder 3"/>
+          <p:cNvSpPr>
+            <a:spLocks noGrp="1"/>
+          </p:cNvSpPr>
+          <p:nvPr>
+            <p:ph type="sldNum" sz="quarter" idx="10"/>
+          </p:nvPr>
+        </p:nvSpPr>
+        <p:spPr/>
+        <p:txBody>
+          <a:bodyPr/>
+          <a:lstStyle/>
+          <a:p>
+            <a:fld id="{BBC1DE02-C006-4F38-873D-E62701AB1734}" type="slidenum">
+              <a:rPr lang="en-NZ" smtClean="0"/>
+              <a:t>4</a:t>
+            </a:fld>
+            <a:endParaRPr lang="en-NZ"/>
+          </a:p>
+        </p:txBody>
+      </p:sp>
+    </p:spTree>
+    <p:extLst>
+      <p:ext uri="{BB962C8B-B14F-4D97-AF65-F5344CB8AC3E}">
+        <p14:creationId xmlns:p14="http://schemas.microsoft.com/office/powerpoint/2010/main" val="1643592122"/>
+      </p:ext>
+    </p:extLst>
+  </p:cSld>
+  <p:clrMapOvr>
+    <a:masterClrMapping/>
+  </p:clrMapOvr>
+</p:notes>
+</file>
+
+<file path=ppt/notesSlides/notesSlide4.xml><?xml version="1.0" encoding="utf-8"?>
+<p:notes xmlns:a="http://schemas.openxmlformats.org/drawingml/2006/main" xmlns:r="http://schemas.openxmlformats.org/officeDocument/2006/relationships" xmlns:p="http://schemas.openxmlformats.org/presentationml/2006/main">
+  <p:cSld>
+    <p:spTree>
+      <p:nvGrpSpPr>
+        <p:cNvPr id="1" name=""/>
+        <p:cNvGrpSpPr/>
+        <p:nvPr/>
+      </p:nvGrpSpPr>
+      <p:grpSpPr>
+        <a:xfrm>
+          <a:off x="0" y="0"/>
+          <a:ext cx="0" cy="0"/>
+          <a:chOff x="0" y="0"/>
+          <a:chExt cx="0" cy="0"/>
+        </a:xfrm>
+      </p:grpSpPr>
+      <p:sp>
+        <p:nvSpPr>
+          <p:cNvPr id="2" name="Slide Image Placeholder 1"/>
+          <p:cNvSpPr>
+            <a:spLocks noGrp="1" noRot="1" noChangeAspect="1"/>
+          </p:cNvSpPr>
+          <p:nvPr>
+            <p:ph type="sldImg"/>
+          </p:nvPr>
+        </p:nvSpPr>
+        <p:spPr/>
+      </p:sp>
+      <p:sp>
+        <p:nvSpPr>
+          <p:cNvPr id="3" name="Notes Placeholder 2"/>
+          <p:cNvSpPr>
+            <a:spLocks noGrp="1"/>
+          </p:cNvSpPr>
+          <p:nvPr>
+            <p:ph type="body" idx="1"/>
+          </p:nvPr>
+        </p:nvSpPr>
+        <p:spPr/>
+        <p:txBody>
+          <a:bodyPr/>
+          <a:lstStyle/>
+          <a:p>
+            <a:pPr marL="171450" indent="-171450">
+              <a:buFont typeface="Arial" charset="0"/>
+              <a:buChar char="•"/>
+            </a:pPr>
+            <a:endParaRPr lang="en-US" sz="1200" kern="1200" dirty="0" smtClean="0">
+              <a:solidFill>
+                <a:schemeClr val="tx1"/>
+              </a:solidFill>
+              <a:effectLst/>
+              <a:latin typeface="+mn-lt"/>
+              <a:ea typeface="+mn-ea"/>
+              <a:cs typeface="+mn-cs"/>
+            </a:endParaRPr>
+          </a:p>
+        </p:txBody>
+      </p:sp>
+      <p:sp>
+        <p:nvSpPr>
+          <p:cNvPr id="4" name="Slide Number Placeholder 3"/>
+          <p:cNvSpPr>
+            <a:spLocks noGrp="1"/>
+          </p:cNvSpPr>
+          <p:nvPr>
+            <p:ph type="sldNum" sz="quarter" idx="10"/>
+          </p:nvPr>
+        </p:nvSpPr>
+        <p:spPr/>
+        <p:txBody>
+          <a:bodyPr/>
+          <a:lstStyle/>
+          <a:p>
+            <a:fld id="{BBC1DE02-C006-4F38-873D-E62701AB1734}" type="slidenum">
+              <a:rPr lang="en-NZ" smtClean="0"/>
+              <a:t>5</a:t>
+            </a:fld>
+            <a:endParaRPr lang="en-NZ"/>
+          </a:p>
+        </p:txBody>
+      </p:sp>
+    </p:spTree>
+    <p:extLst>
+      <p:ext uri="{BB962C8B-B14F-4D97-AF65-F5344CB8AC3E}">
+        <p14:creationId xmlns:p14="http://schemas.microsoft.com/office/powerpoint/2010/main" val="1903211264"/>
+      </p:ext>
+    </p:extLst>
+  </p:cSld>
+  <p:clrMapOvr>
+    <a:masterClrMapping/>
+  </p:clrMapOvr>
+</p:notes>
 </file>
 
 <file path=ppt/slideLayouts/slideLayout1.xml><?xml version="1.0" encoding="utf-8"?>
@@ -293,7 +1231,7 @@
           <a:p>
             <a:fld id="{F8166F1F-CE9B-4651-A6AA-CD717754106B}" type="datetimeFigureOut">
               <a:rPr lang="en-US" smtClean="0"/>
-              <a:t>7/1/2019</a:t>
+              <a:t>9/15/19</a:t>
             </a:fld>
             <a:endParaRPr lang="en-US"/>
           </a:p>
@@ -458,7 +1396,7 @@
           <a:p>
             <a:fld id="{A76116CE-C4A3-4A05-B2D7-7C2E9A889C0F}" type="datetimeFigureOut">
               <a:rPr lang="en-US" smtClean="0"/>
-              <a:t>1/30/2017</a:t>
+              <a:t>9/15/19</a:t>
             </a:fld>
             <a:endParaRPr lang="en-US"/>
           </a:p>
@@ -633,7 +1571,7 @@
           <a:p>
             <a:fld id="{A76116CE-C4A3-4A05-B2D7-7C2E9A889C0F}" type="datetimeFigureOut">
               <a:rPr lang="en-US" smtClean="0"/>
-              <a:t>1/30/2017</a:t>
+              <a:t>9/15/19</a:t>
             </a:fld>
             <a:endParaRPr lang="en-US"/>
           </a:p>
@@ -800,7 +1738,7 @@
           <a:p>
             <a:fld id="{A76116CE-C4A3-4A05-B2D7-7C2E9A889C0F}" type="datetimeFigureOut">
               <a:rPr lang="en-US" smtClean="0"/>
-              <a:t>7/1/2019</a:t>
+              <a:t>9/15/19</a:t>
             </a:fld>
             <a:endParaRPr lang="en-US"/>
           </a:p>
@@ -1041,7 +1979,7 @@
           <a:p>
             <a:fld id="{A76116CE-C4A3-4A05-B2D7-7C2E9A889C0F}" type="datetimeFigureOut">
               <a:rPr lang="en-US" smtClean="0"/>
-              <a:t>7/1/2019</a:t>
+              <a:t>9/15/19</a:t>
             </a:fld>
             <a:endParaRPr lang="en-US"/>
           </a:p>
@@ -1324,7 +2262,7 @@
           <a:p>
             <a:fld id="{A76116CE-C4A3-4A05-B2D7-7C2E9A889C0F}" type="datetimeFigureOut">
               <a:rPr lang="en-US" smtClean="0"/>
-              <a:t>1/30/2017</a:t>
+              <a:t>9/15/19</a:t>
             </a:fld>
             <a:endParaRPr lang="en-US"/>
           </a:p>
@@ -1741,7 +2679,7 @@
           <a:p>
             <a:fld id="{A76116CE-C4A3-4A05-B2D7-7C2E9A889C0F}" type="datetimeFigureOut">
               <a:rPr lang="en-US" smtClean="0"/>
-              <a:t>1/30/2017</a:t>
+              <a:t>9/15/19</a:t>
             </a:fld>
             <a:endParaRPr lang="en-US"/>
           </a:p>
@@ -1854,7 +2792,7 @@
           <a:p>
             <a:fld id="{A76116CE-C4A3-4A05-B2D7-7C2E9A889C0F}" type="datetimeFigureOut">
               <a:rPr lang="en-US" smtClean="0"/>
-              <a:t>1/30/2017</a:t>
+              <a:t>9/15/19</a:t>
             </a:fld>
             <a:endParaRPr lang="en-US"/>
           </a:p>
@@ -1944,7 +2882,7 @@
           <a:p>
             <a:fld id="{A76116CE-C4A3-4A05-B2D7-7C2E9A889C0F}" type="datetimeFigureOut">
               <a:rPr lang="en-US" smtClean="0"/>
-              <a:t>1/30/2017</a:t>
+              <a:t>9/15/19</a:t>
             </a:fld>
             <a:endParaRPr lang="en-US"/>
           </a:p>
@@ -2216,7 +3154,7 @@
           <a:p>
             <a:fld id="{A76116CE-C4A3-4A05-B2D7-7C2E9A889C0F}" type="datetimeFigureOut">
               <a:rPr lang="en-US" smtClean="0"/>
-              <a:t>1/30/2017</a:t>
+              <a:t>9/15/19</a:t>
             </a:fld>
             <a:endParaRPr lang="en-US"/>
           </a:p>
@@ -2464,7 +3402,7 @@
           <a:p>
             <a:fld id="{A76116CE-C4A3-4A05-B2D7-7C2E9A889C0F}" type="datetimeFigureOut">
               <a:rPr lang="en-US" smtClean="0"/>
-              <a:t>1/30/2017</a:t>
+              <a:t>9/15/19</a:t>
             </a:fld>
             <a:endParaRPr lang="en-US"/>
           </a:p>
@@ -2672,7 +3610,7 @@
           <a:p>
             <a:fld id="{F8166F1F-CE9B-4651-A6AA-CD717754106B}" type="datetimeFigureOut">
               <a:rPr lang="en-US" smtClean="0"/>
-              <a:t>6/13/2013</a:t>
+              <a:t>9/15/19</a:t>
             </a:fld>
             <a:endParaRPr lang="en-US"/>
           </a:p>
@@ -2750,7 +3688,7 @@
           <a:p>
             <a:fld id="{F7021451-1387-4CA6-816F-3879F97B5CBC}" type="slidenum">
               <a:rPr lang="en-US" smtClean="0"/>
-              <a:t>�#�</a:t>
+              <a:t>‹#›</a:t>
             </a:fld>
             <a:endParaRPr lang="en-US"/>
           </a:p>
@@ -2761,16 +3699,16 @@
   <p:clrMap bg1="lt1" tx1="dk1" bg2="lt2" tx2="dk2" accent1="accent1" accent2="accent2" accent3="accent3" accent4="accent4" accent5="accent5" accent6="accent6" hlink="hlink" folHlink="folHlink"/>
   <p:sldLayoutIdLst>
     <p:sldLayoutId id="2147483649" r:id="rId1"/>
-    <p:sldLayoutId id="2147483650" r:id="rId3"/>
-    <p:sldLayoutId id="2147483651" r:id="rId4"/>
-    <p:sldLayoutId id="2147483652" r:id="rId5"/>
-    <p:sldLayoutId id="2147483653" r:id="rId6"/>
-    <p:sldLayoutId id="2147483654" r:id="rId7"/>
-    <p:sldLayoutId id="2147483655" r:id="rId8"/>
-    <p:sldLayoutId id="2147483656" r:id="rId9"/>
-    <p:sldLayoutId id="2147483657" r:id="rId10"/>
-    <p:sldLayoutId id="2147483658" r:id="rId11"/>
-    <p:sldLayoutId id="2147483659" r:id="rId12"/>
+    <p:sldLayoutId id="2147483650" r:id="rId2"/>
+    <p:sldLayoutId id="2147483651" r:id="rId3"/>
+    <p:sldLayoutId id="2147483652" r:id="rId4"/>
+    <p:sldLayoutId id="2147483653" r:id="rId5"/>
+    <p:sldLayoutId id="2147483654" r:id="rId6"/>
+    <p:sldLayoutId id="2147483655" r:id="rId7"/>
+    <p:sldLayoutId id="2147483656" r:id="rId8"/>
+    <p:sldLayoutId id="2147483657" r:id="rId9"/>
+    <p:sldLayoutId id="2147483658" r:id="rId10"/>
+    <p:sldLayoutId id="2147483659" r:id="rId11"/>
   </p:sldLayoutIdLst>
   <p:txStyles>
     <p:titleStyle>
@@ -3027,7 +3965,7 @@
 
 <file path=ppt/slides/slide1.xml><?xml version="1.0" encoding="utf-8"?>
 <p:sld xmlns:a="http://schemas.openxmlformats.org/drawingml/2006/main" xmlns:r="http://schemas.openxmlformats.org/officeDocument/2006/relationships" xmlns:p="http://schemas.openxmlformats.org/presentationml/2006/main">
-  <p:cSld name="Title Slide">
+  <p:cSld>
     <p:spTree>
       <p:nvGrpSpPr>
         <p:cNvPr id="1" name=""/>
@@ -3044,202 +3982,756 @@
       </p:grpSpPr>
       <p:sp>
         <p:nvSpPr>
-          <p:cNvPr id="2" name="Title 1"/>
-          <p:cNvSpPr>
-            <a:spLocks noGrp="1"/>
-          </p:cNvSpPr>
-          <p:nvPr>
-            <p:ph type="ctrTitle"/>
-          </p:nvPr>
+          <p:cNvPr id="2" name="Rectangle 1"/>
+          <p:cNvSpPr/>
+          <p:nvPr/>
         </p:nvSpPr>
         <p:spPr>
           <a:xfrm>
-            <a:off x="685800" y="2130425"/>
-            <a:ext cx="7772400" cy="1470025"/>
+            <a:off x="0" y="2133600"/>
+            <a:ext cx="9144000" cy="2300630"/>
           </a:xfrm>
+          <a:prstGeom prst="rect">
+            <a:avLst/>
+          </a:prstGeom>
+          <a:noFill/>
         </p:spPr>
         <p:txBody>
-          <a:bodyPr/>
-          <a:lstStyle/>
-          <a:p>
-            <a:r>
-              <a:rPr lang="en-US" smtClean="0"/>
-              <a:t>Click to edit Master title style</a:t>
-            </a:r>
-            <a:endParaRPr lang="en-US"/>
-          </a:p>
-        </p:txBody>
-      </p:sp>
-      <p:sp>
-        <p:nvSpPr>
-          <p:cNvPr id="3" name="Subtitle 2"/>
-          <p:cNvSpPr>
-            <a:spLocks noGrp="1"/>
-          </p:cNvSpPr>
-          <p:nvPr>
-            <p:ph type="subTitle" idx="1"/>
-          </p:nvPr>
-        </p:nvSpPr>
-        <p:spPr>
-          <a:xfrm>
-            <a:off x="1371600" y="3886200"/>
-            <a:ext cx="6400800" cy="1752600"/>
-          </a:xfrm>
-        </p:spPr>
-        <p:txBody>
-          <a:bodyPr/>
-          <a:lstStyle>
-            <a:lvl1pPr marL="0" indent="0" algn="ctr">
-              <a:buNone/>
-              <a:defRPr>
-                <a:solidFill>
-                  <a:schemeClr val="tx1">
-                    <a:tint val="75000"/>
-                  </a:schemeClr>
-                </a:solidFill>
-              </a:defRPr>
-            </a:lvl1pPr>
-            <a:lvl2pPr marL="457200" indent="0" algn="ctr">
-              <a:buNone/>
-              <a:defRPr>
-                <a:solidFill>
-                  <a:schemeClr val="tx1">
-                    <a:tint val="75000"/>
-                  </a:schemeClr>
-                </a:solidFill>
-              </a:defRPr>
-            </a:lvl2pPr>
-            <a:lvl3pPr marL="914400" indent="0" algn="ctr">
-              <a:buNone/>
-              <a:defRPr>
-                <a:solidFill>
-                  <a:schemeClr val="tx1">
-                    <a:tint val="75000"/>
-                  </a:schemeClr>
-                </a:solidFill>
-              </a:defRPr>
-            </a:lvl3pPr>
-            <a:lvl4pPr marL="1371600" indent="0" algn="ctr">
-              <a:buNone/>
-              <a:defRPr>
-                <a:solidFill>
-                  <a:schemeClr val="tx1">
-                    <a:tint val="75000"/>
-                  </a:schemeClr>
-                </a:solidFill>
-              </a:defRPr>
-            </a:lvl4pPr>
-            <a:lvl5pPr marL="1828800" indent="0" algn="ctr">
-              <a:buNone/>
-              <a:defRPr>
-                <a:solidFill>
-                  <a:schemeClr val="tx1">
-                    <a:tint val="75000"/>
-                  </a:schemeClr>
-                </a:solidFill>
-              </a:defRPr>
-            </a:lvl5pPr>
-            <a:lvl6pPr marL="2286000" indent="0" algn="ctr">
-              <a:buNone/>
-              <a:defRPr>
-                <a:solidFill>
-                  <a:schemeClr val="tx1">
-                    <a:tint val="75000"/>
-                  </a:schemeClr>
-                </a:solidFill>
-              </a:defRPr>
-            </a:lvl6pPr>
-            <a:lvl7pPr marL="2743200" indent="0" algn="ctr">
-              <a:buNone/>
-              <a:defRPr>
-                <a:solidFill>
-                  <a:schemeClr val="tx1">
-                    <a:tint val="75000"/>
-                  </a:schemeClr>
-                </a:solidFill>
-              </a:defRPr>
-            </a:lvl7pPr>
-            <a:lvl8pPr marL="3200400" indent="0" algn="ctr">
-              <a:buNone/>
-              <a:defRPr>
-                <a:solidFill>
-                  <a:schemeClr val="tx1">
-                    <a:tint val="75000"/>
-                  </a:schemeClr>
-                </a:solidFill>
-              </a:defRPr>
-            </a:lvl8pPr>
-            <a:lvl9pPr marL="3657600" indent="0" algn="ctr">
-              <a:buNone/>
-              <a:defRPr>
-                <a:solidFill>
-                  <a:schemeClr val="tx1">
-                    <a:tint val="75000"/>
-                  </a:schemeClr>
-                </a:solidFill>
-              </a:defRPr>
-            </a:lvl9pPr>
-          </a:lstStyle>
-          <a:p>
-            <a:r>
-              <a:rPr lang="en-US" smtClean="0"/>
-              <a:t>Click to edit Master subtitle style</a:t>
-            </a:r>
-            <a:endParaRPr lang="en-US"/>
-          </a:p>
-        </p:txBody>
-      </p:sp>
-      <p:sp>
-        <p:nvSpPr>
-          <p:cNvPr id="4" name="Date Placeholder 3"/>
-          <p:cNvSpPr>
-            <a:spLocks noGrp="1"/>
-          </p:cNvSpPr>
-          <p:nvPr>
-            <p:ph type="dt" sz="half" idx="10"/>
-          </p:nvPr>
-        </p:nvSpPr>
-        <p:spPr/>
-        <p:txBody>
-          <a:bodyPr/>
-          <a:lstStyle/>
-          <a:p>
-            <a:fld id="{F8166F1F-CE9B-4651-A6AA-CD717754106B}" type="datetimeFigureOut">
-              <a:rPr lang="en-US" smtClean="0"/>
-              <a:t>7/1/2019</a:t>
-            </a:fld>
-            <a:endParaRPr lang="en-US"/>
-          </a:p>
-        </p:txBody>
-      </p:sp>
-      <p:sp>
-        <p:nvSpPr>
-          <p:cNvPr id="5" name="Slide Number Placeholder 5"/>
-          <p:cNvSpPr>
-            <a:spLocks noGrp="1"/>
-          </p:cNvSpPr>
-          <p:nvPr>
-            <p:ph type="sldNum" sz="quarter" idx="12"/>
-          </p:nvPr>
-        </p:nvSpPr>
-        <p:spPr/>
-        <p:txBody>
-          <a:bodyPr/>
-          <a:lstStyle/>
-          <a:p>
-            <a:fld id="{B1393E5F-521B-4CAD-9D3A-AE923D912DCE}" type="slidenum">
-              <a:rPr lang="en-US" smtClean="0"/>
-              <a:t>‹#›</a:t>
-            </a:fld>
-            <a:endParaRPr lang="en-US"/>
+          <a:bodyPr wrap="square" lIns="68580" tIns="34290" rIns="68580" bIns="34290">
+            <a:spAutoFit/>
+          </a:bodyPr>
+          <a:lstStyle/>
+          <a:p>
+            <a:pPr algn="ctr"/>
+            <a:r>
+              <a:rPr lang="en-US" sz="4000" b="1" dirty="0"/>
+              <a:t>Programming </a:t>
+            </a:r>
+            <a:r>
+              <a:rPr lang="en-US" sz="4000" b="1" dirty="0" smtClean="0"/>
+              <a:t>4</a:t>
+            </a:r>
+            <a:endParaRPr lang="en-US" sz="2500" b="1" dirty="0"/>
+          </a:p>
+          <a:p>
+            <a:pPr algn="ctr"/>
+            <a:r>
+              <a:rPr lang="en-US" sz="4000" b="1" dirty="0" smtClean="0"/>
+              <a:t>08.2 NPC Collision</a:t>
+            </a:r>
+          </a:p>
+          <a:p>
+            <a:pPr algn="ctr"/>
+            <a:endParaRPr lang="en-US" sz="2500" b="1" dirty="0"/>
+          </a:p>
+          <a:p>
+            <a:pPr algn="ctr"/>
+            <a:r>
+              <a:rPr lang="en-US" sz="4000" b="1" dirty="0"/>
+              <a:t>Semester 2</a:t>
+            </a:r>
+            <a:r>
+              <a:rPr lang="en-US" sz="4000" b="1" dirty="0" smtClean="0"/>
+              <a:t>, </a:t>
+            </a:r>
+            <a:r>
+              <a:rPr lang="en-US" sz="4000" b="1" dirty="0"/>
+              <a:t>2019</a:t>
+            </a:r>
           </a:p>
         </p:txBody>
       </p:sp>
     </p:spTree>
+    <p:extLst>
+      <p:ext uri="{BB962C8B-B14F-4D97-AF65-F5344CB8AC3E}">
+        <p14:creationId xmlns:p14="http://schemas.microsoft.com/office/powerpoint/2010/main" val="1950911760"/>
+      </p:ext>
+    </p:extLst>
   </p:cSld>
   <p:clrMapOvr>
     <a:masterClrMapping/>
   </p:clrMapOvr>
+  <p:timing>
+    <p:tnLst>
+      <p:par>
+        <p:cTn id="1" dur="indefinite" restart="never" nodeType="tmRoot"/>
+      </p:par>
+    </p:tnLst>
+  </p:timing>
+</p:sld>
+</file>
+
+<file path=ppt/slides/slide2.xml><?xml version="1.0" encoding="utf-8"?>
+<p:sld xmlns:a="http://schemas.openxmlformats.org/drawingml/2006/main" xmlns:r="http://schemas.openxmlformats.org/officeDocument/2006/relationships" xmlns:p="http://schemas.openxmlformats.org/presentationml/2006/main">
+  <p:cSld>
+    <p:spTree>
+      <p:nvGrpSpPr>
+        <p:cNvPr id="1" name=""/>
+        <p:cNvGrpSpPr/>
+        <p:nvPr/>
+      </p:nvGrpSpPr>
+      <p:grpSpPr>
+        <a:xfrm>
+          <a:off x="0" y="0"/>
+          <a:ext cx="0" cy="0"/>
+          <a:chOff x="0" y="0"/>
+          <a:chExt cx="0" cy="0"/>
+        </a:xfrm>
+      </p:grpSpPr>
+      <p:sp>
+        <p:nvSpPr>
+          <p:cNvPr id="3" name="Rectangle 2"/>
+          <p:cNvSpPr/>
+          <p:nvPr/>
+        </p:nvSpPr>
+        <p:spPr>
+          <a:xfrm>
+            <a:off x="0" y="0"/>
+            <a:ext cx="9144000" cy="4478149"/>
+          </a:xfrm>
+          <a:prstGeom prst="rect">
+            <a:avLst/>
+          </a:prstGeom>
+        </p:spPr>
+        <p:txBody>
+          <a:bodyPr wrap="square">
+            <a:spAutoFit/>
+          </a:bodyPr>
+          <a:lstStyle/>
+          <a:p>
+            <a:pPr algn="ctr"/>
+            <a:endParaRPr lang="en-US" sz="4000" b="1" dirty="0"/>
+          </a:p>
+          <a:p>
+            <a:pPr lvl="1"/>
+            <a:r>
+              <a:rPr lang="en-AU" sz="3500" b="1" dirty="0" smtClean="0"/>
+              <a:t>Types of collision detection</a:t>
+            </a:r>
+            <a:endParaRPr lang="en-US" sz="3500" b="1" dirty="0" smtClean="0"/>
+          </a:p>
+          <a:p>
+            <a:pPr marL="1657350" lvl="2" indent="-742950">
+              <a:buFont typeface="Arial" panose="020B0604020202020204" pitchFamily="34" charset="0"/>
+              <a:buChar char="•"/>
+            </a:pPr>
+            <a:endParaRPr lang="en-US" sz="2500" dirty="0" smtClean="0"/>
+          </a:p>
+          <a:p>
+            <a:pPr marL="1657350" lvl="2" indent="-742950">
+              <a:buFont typeface="Arial" panose="020B0604020202020204" pitchFamily="34" charset="0"/>
+              <a:buChar char="•"/>
+            </a:pPr>
+            <a:r>
+              <a:rPr lang="en-US" sz="2500" dirty="0" smtClean="0"/>
+              <a:t>Sprite to sprite</a:t>
+            </a:r>
+          </a:p>
+          <a:p>
+            <a:pPr marL="2114550" lvl="3" indent="-742950">
+              <a:buFont typeface="Arial" panose="020B0604020202020204" pitchFamily="34" charset="0"/>
+              <a:buChar char="•"/>
+            </a:pPr>
+            <a:r>
+              <a:rPr lang="en-US" sz="2000" dirty="0"/>
+              <a:t>Checking for collisions with other </a:t>
+            </a:r>
+            <a:r>
+              <a:rPr lang="en-US" sz="2000" dirty="0" smtClean="0"/>
+              <a:t>sprites</a:t>
+            </a:r>
+            <a:endParaRPr lang="en-US" sz="2500" dirty="0" smtClean="0"/>
+          </a:p>
+          <a:p>
+            <a:pPr marL="1657350" lvl="2" indent="-742950">
+              <a:buFont typeface="Arial" panose="020B0604020202020204" pitchFamily="34" charset="0"/>
+              <a:buChar char="•"/>
+            </a:pPr>
+            <a:r>
+              <a:rPr lang="en-US" sz="2500" dirty="0" smtClean="0"/>
+              <a:t>Sprite to terrain</a:t>
+            </a:r>
+          </a:p>
+          <a:p>
+            <a:pPr marL="2114550" lvl="3" indent="-742950">
+              <a:buFont typeface="Arial" panose="020B0604020202020204" pitchFamily="34" charset="0"/>
+              <a:buChar char="•"/>
+            </a:pPr>
+            <a:r>
+              <a:rPr lang="en-US" sz="2000" dirty="0" smtClean="0"/>
+              <a:t>Moving sprites (e.g. player character, NPCs) checking</a:t>
+            </a:r>
+          </a:p>
+          <a:p>
+            <a:pPr lvl="3"/>
+            <a:r>
+              <a:rPr lang="en-US" sz="2000" dirty="0"/>
+              <a:t>	</a:t>
+            </a:r>
+            <a:r>
+              <a:rPr lang="en-US" sz="2000" dirty="0" smtClean="0"/>
+              <a:t>	for collisions with objects in the tile map</a:t>
+            </a:r>
+          </a:p>
+          <a:p>
+            <a:pPr marL="2114550" lvl="3" indent="-742950">
+              <a:buFont typeface="Arial" panose="020B0604020202020204" pitchFamily="34" charset="0"/>
+              <a:buChar char="•"/>
+            </a:pPr>
+            <a:endParaRPr lang="en-US" sz="2500" dirty="0" smtClean="0"/>
+          </a:p>
+          <a:p>
+            <a:pPr marL="1657350" lvl="2" indent="-742950">
+              <a:buFont typeface="Arial" panose="020B0604020202020204" pitchFamily="34" charset="0"/>
+              <a:buChar char="•"/>
+            </a:pPr>
+            <a:endParaRPr lang="en-US" sz="2500" dirty="0" smtClean="0"/>
+          </a:p>
+          <a:p>
+            <a:pPr marL="1657350" lvl="2" indent="-742950">
+              <a:buFont typeface="Arial" panose="020B0604020202020204" pitchFamily="34" charset="0"/>
+              <a:buChar char="•"/>
+            </a:pPr>
+            <a:endParaRPr lang="en-US" sz="2500" dirty="0" smtClean="0"/>
+          </a:p>
+        </p:txBody>
+      </p:sp>
+    </p:spTree>
+    <p:extLst>
+      <p:ext uri="{BB962C8B-B14F-4D97-AF65-F5344CB8AC3E}">
+        <p14:creationId xmlns:p14="http://schemas.microsoft.com/office/powerpoint/2010/main" val="1193627924"/>
+      </p:ext>
+    </p:extLst>
+  </p:cSld>
+  <p:clrMapOvr>
+    <a:masterClrMapping/>
+  </p:clrMapOvr>
+  <p:timing>
+    <p:tnLst>
+      <p:par>
+        <p:cTn id="1" dur="indefinite" restart="never" nodeType="tmRoot"/>
+      </p:par>
+    </p:tnLst>
+  </p:timing>
+</p:sld>
+</file>
+
+<file path=ppt/slides/slide3.xml><?xml version="1.0" encoding="utf-8"?>
+<p:sld xmlns:a="http://schemas.openxmlformats.org/drawingml/2006/main" xmlns:r="http://schemas.openxmlformats.org/officeDocument/2006/relationships" xmlns:p="http://schemas.openxmlformats.org/presentationml/2006/main">
+  <p:cSld>
+    <p:spTree>
+      <p:nvGrpSpPr>
+        <p:cNvPr id="1" name=""/>
+        <p:cNvGrpSpPr/>
+        <p:nvPr/>
+      </p:nvGrpSpPr>
+      <p:grpSpPr>
+        <a:xfrm>
+          <a:off x="0" y="0"/>
+          <a:ext cx="0" cy="0"/>
+          <a:chOff x="0" y="0"/>
+          <a:chExt cx="0" cy="0"/>
+        </a:xfrm>
+      </p:grpSpPr>
+      <p:sp>
+        <p:nvSpPr>
+          <p:cNvPr id="3" name="Rectangle 2"/>
+          <p:cNvSpPr/>
+          <p:nvPr/>
+        </p:nvSpPr>
+        <p:spPr>
+          <a:xfrm>
+            <a:off x="0" y="0"/>
+            <a:ext cx="9144000" cy="5016758"/>
+          </a:xfrm>
+          <a:prstGeom prst="rect">
+            <a:avLst/>
+          </a:prstGeom>
+        </p:spPr>
+        <p:txBody>
+          <a:bodyPr wrap="square">
+            <a:spAutoFit/>
+          </a:bodyPr>
+          <a:lstStyle/>
+          <a:p>
+            <a:pPr algn="ctr"/>
+            <a:endParaRPr lang="en-US" sz="4000" b="1" dirty="0"/>
+          </a:p>
+          <a:p>
+            <a:pPr lvl="1"/>
+            <a:r>
+              <a:rPr lang="en-AU" sz="3500" b="1" dirty="0" smtClean="0"/>
+              <a:t>A priori vs. a posteriori</a:t>
+            </a:r>
+            <a:endParaRPr lang="en-US" sz="3500" b="1" dirty="0" smtClean="0"/>
+          </a:p>
+          <a:p>
+            <a:pPr marL="1657350" lvl="2" indent="-742950">
+              <a:buFont typeface="Arial" panose="020B0604020202020204" pitchFamily="34" charset="0"/>
+              <a:buChar char="•"/>
+            </a:pPr>
+            <a:endParaRPr lang="en-US" sz="2500" dirty="0" smtClean="0"/>
+          </a:p>
+          <a:p>
+            <a:pPr marL="1657350" lvl="2" indent="-742950">
+              <a:buFont typeface="Arial" panose="020B0604020202020204" pitchFamily="34" charset="0"/>
+              <a:buChar char="•"/>
+            </a:pPr>
+            <a:r>
+              <a:rPr lang="en-US" sz="2500" dirty="0" smtClean="0"/>
+              <a:t>A priori</a:t>
+            </a:r>
+          </a:p>
+          <a:p>
+            <a:pPr marL="2114550" lvl="3" indent="-742950">
+              <a:buFont typeface="Arial" panose="020B0604020202020204" pitchFamily="34" charset="0"/>
+              <a:buChar char="•"/>
+            </a:pPr>
+            <a:r>
+              <a:rPr lang="en-US" sz="2000" dirty="0" smtClean="0"/>
+              <a:t>Compute where everyone will go</a:t>
+            </a:r>
+          </a:p>
+          <a:p>
+            <a:pPr marL="2114550" lvl="3" indent="-742950">
+              <a:buFont typeface="Arial" panose="020B0604020202020204" pitchFamily="34" charset="0"/>
+              <a:buChar char="•"/>
+            </a:pPr>
+            <a:r>
+              <a:rPr lang="en-US" sz="2000" dirty="0" smtClean="0"/>
+              <a:t>Deal with any collisions that will occur</a:t>
+            </a:r>
+          </a:p>
+          <a:p>
+            <a:pPr marL="2114550" lvl="3" indent="-742950">
+              <a:buFont typeface="Arial" panose="020B0604020202020204" pitchFamily="34" charset="0"/>
+              <a:buChar char="•"/>
+            </a:pPr>
+            <a:r>
+              <a:rPr lang="en-US" sz="2000" dirty="0" smtClean="0"/>
+              <a:t>Instantiate only legal moves</a:t>
+            </a:r>
+          </a:p>
+          <a:p>
+            <a:pPr marL="1657350" lvl="2" indent="-742950">
+              <a:buFont typeface="Arial" panose="020B0604020202020204" pitchFamily="34" charset="0"/>
+              <a:buChar char="•"/>
+            </a:pPr>
+            <a:r>
+              <a:rPr lang="en-US" sz="2500" dirty="0" smtClean="0"/>
+              <a:t>A posteriori</a:t>
+            </a:r>
+          </a:p>
+          <a:p>
+            <a:pPr marL="2114550" lvl="3" indent="-742950">
+              <a:buFont typeface="Arial" panose="020B0604020202020204" pitchFamily="34" charset="0"/>
+              <a:buChar char="•"/>
+            </a:pPr>
+            <a:r>
+              <a:rPr lang="en-US" sz="2000" dirty="0" smtClean="0"/>
+              <a:t>Move everyone</a:t>
+            </a:r>
+          </a:p>
+          <a:p>
+            <a:pPr marL="2114550" lvl="3" indent="-742950">
+              <a:buFont typeface="Arial" panose="020B0604020202020204" pitchFamily="34" charset="0"/>
+              <a:buChar char="•"/>
+            </a:pPr>
+            <a:r>
+              <a:rPr lang="en-US" sz="2000" dirty="0" smtClean="0"/>
+              <a:t>Deal with any collisions that occurred</a:t>
+            </a:r>
+          </a:p>
+          <a:p>
+            <a:pPr marL="2114550" lvl="3" indent="-742950">
+              <a:buFont typeface="Arial" panose="020B0604020202020204" pitchFamily="34" charset="0"/>
+              <a:buChar char="•"/>
+            </a:pPr>
+            <a:r>
+              <a:rPr lang="en-US" sz="2000" dirty="0" smtClean="0"/>
+              <a:t>Move anyone back who is in an illegal spot</a:t>
+            </a:r>
+          </a:p>
+          <a:p>
+            <a:pPr marL="1657350" lvl="2" indent="-742950">
+              <a:buFont typeface="Arial" panose="020B0604020202020204" pitchFamily="34" charset="0"/>
+              <a:buChar char="•"/>
+            </a:pPr>
+            <a:endParaRPr lang="en-US" sz="2500" dirty="0" smtClean="0"/>
+          </a:p>
+          <a:p>
+            <a:pPr marL="1657350" lvl="2" indent="-742950">
+              <a:buFont typeface="Arial" panose="020B0604020202020204" pitchFamily="34" charset="0"/>
+              <a:buChar char="•"/>
+            </a:pPr>
+            <a:endParaRPr lang="en-US" sz="2500" dirty="0" smtClean="0"/>
+          </a:p>
+        </p:txBody>
+      </p:sp>
+    </p:spTree>
+    <p:extLst>
+      <p:ext uri="{BB962C8B-B14F-4D97-AF65-F5344CB8AC3E}">
+        <p14:creationId xmlns:p14="http://schemas.microsoft.com/office/powerpoint/2010/main" val="2118122889"/>
+      </p:ext>
+    </p:extLst>
+  </p:cSld>
+  <p:clrMapOvr>
+    <a:masterClrMapping/>
+  </p:clrMapOvr>
+  <p:timing>
+    <p:tnLst>
+      <p:par>
+        <p:cTn id="1" dur="indefinite" restart="never" nodeType="tmRoot"/>
+      </p:par>
+    </p:tnLst>
+  </p:timing>
+</p:sld>
+</file>
+
+<file path=ppt/slides/slide4.xml><?xml version="1.0" encoding="utf-8"?>
+<p:sld xmlns:a="http://schemas.openxmlformats.org/drawingml/2006/main" xmlns:r="http://schemas.openxmlformats.org/officeDocument/2006/relationships" xmlns:p="http://schemas.openxmlformats.org/presentationml/2006/main">
+  <p:cSld>
+    <p:spTree>
+      <p:nvGrpSpPr>
+        <p:cNvPr id="1" name=""/>
+        <p:cNvGrpSpPr/>
+        <p:nvPr/>
+      </p:nvGrpSpPr>
+      <p:grpSpPr>
+        <a:xfrm>
+          <a:off x="0" y="0"/>
+          <a:ext cx="0" cy="0"/>
+          <a:chOff x="0" y="0"/>
+          <a:chExt cx="0" cy="0"/>
+        </a:xfrm>
+      </p:grpSpPr>
+      <p:sp>
+        <p:nvSpPr>
+          <p:cNvPr id="3" name="Rectangle 2"/>
+          <p:cNvSpPr/>
+          <p:nvPr/>
+        </p:nvSpPr>
+        <p:spPr>
+          <a:xfrm>
+            <a:off x="0" y="0"/>
+            <a:ext cx="9144000" cy="5324535"/>
+          </a:xfrm>
+          <a:prstGeom prst="rect">
+            <a:avLst/>
+          </a:prstGeom>
+        </p:spPr>
+        <p:txBody>
+          <a:bodyPr wrap="square">
+            <a:spAutoFit/>
+          </a:bodyPr>
+          <a:lstStyle/>
+          <a:p>
+            <a:pPr algn="ctr"/>
+            <a:endParaRPr lang="en-US" sz="4000" b="1" dirty="0"/>
+          </a:p>
+          <a:p>
+            <a:pPr lvl="1"/>
+            <a:r>
+              <a:rPr lang="en-AU" sz="3500" b="1" dirty="0" smtClean="0"/>
+              <a:t>Number of comparisons</a:t>
+            </a:r>
+            <a:endParaRPr lang="en-US" sz="3500" b="1" dirty="0" smtClean="0"/>
+          </a:p>
+          <a:p>
+            <a:pPr marL="1657350" lvl="2" indent="-742950">
+              <a:buFont typeface="Arial" panose="020B0604020202020204" pitchFamily="34" charset="0"/>
+              <a:buChar char="•"/>
+            </a:pPr>
+            <a:endParaRPr lang="en-US" sz="2500" dirty="0" smtClean="0"/>
+          </a:p>
+          <a:p>
+            <a:pPr marL="1657350" lvl="2" indent="-742950">
+              <a:buFont typeface="Arial" panose="020B0604020202020204" pitchFamily="34" charset="0"/>
+              <a:buChar char="•"/>
+            </a:pPr>
+            <a:r>
+              <a:rPr lang="en-US" sz="2500" dirty="0" smtClean="0"/>
+              <a:t>Two objects, Sprite A &amp; Sprite B</a:t>
+            </a:r>
+          </a:p>
+          <a:p>
+            <a:pPr marL="2114550" lvl="3" indent="-742950">
+              <a:buFont typeface="Arial" panose="020B0604020202020204" pitchFamily="34" charset="0"/>
+              <a:buChar char="•"/>
+            </a:pPr>
+            <a:r>
+              <a:rPr lang="en-US" sz="2000" dirty="0" smtClean="0"/>
+              <a:t>One comparison </a:t>
+            </a:r>
+            <a:r>
+              <a:rPr lang="mr-IN" sz="2000" dirty="0" smtClean="0"/>
+              <a:t>–</a:t>
+            </a:r>
+            <a:r>
+              <a:rPr lang="en-US" sz="2000" dirty="0" smtClean="0"/>
+              <a:t> A to B</a:t>
+            </a:r>
+            <a:endParaRPr lang="en-US" sz="2000" dirty="0" smtClean="0"/>
+          </a:p>
+          <a:p>
+            <a:pPr marL="1657350" lvl="2" indent="-742950">
+              <a:buFont typeface="Arial" panose="020B0604020202020204" pitchFamily="34" charset="0"/>
+              <a:buChar char="•"/>
+            </a:pPr>
+            <a:r>
+              <a:rPr lang="en-US" sz="2500" dirty="0" smtClean="0"/>
+              <a:t>Three objects, Sprite A, Sprite B &amp; Sprite C</a:t>
+            </a:r>
+          </a:p>
+          <a:p>
+            <a:pPr marL="2114550" lvl="3" indent="-742950">
+              <a:buFont typeface="Arial" panose="020B0604020202020204" pitchFamily="34" charset="0"/>
+              <a:buChar char="•"/>
+            </a:pPr>
+            <a:r>
+              <a:rPr lang="en-US" sz="2000" dirty="0" smtClean="0"/>
+              <a:t>Three comparisons- AB, AC, BC</a:t>
+            </a:r>
+          </a:p>
+          <a:p>
+            <a:pPr marL="1657350" lvl="2" indent="-742950">
+              <a:buFont typeface="Arial" panose="020B0604020202020204" pitchFamily="34" charset="0"/>
+              <a:buChar char="•"/>
+            </a:pPr>
+            <a:r>
+              <a:rPr lang="en-US" sz="2500" dirty="0" smtClean="0"/>
+              <a:t>Four objects, Sprite A, Sprite B, Sprite C &amp; Sprite D</a:t>
+            </a:r>
+          </a:p>
+          <a:p>
+            <a:pPr marL="2114550" lvl="3" indent="-742950">
+              <a:buFont typeface="Arial" panose="020B0604020202020204" pitchFamily="34" charset="0"/>
+              <a:buChar char="•"/>
+            </a:pPr>
+            <a:r>
+              <a:rPr lang="en-US" sz="2000" dirty="0" smtClean="0"/>
+              <a:t>Six comparisons</a:t>
+            </a:r>
+            <a:endParaRPr lang="en-US" sz="2000" dirty="0" smtClean="0"/>
+          </a:p>
+          <a:p>
+            <a:pPr marL="1657350" lvl="2" indent="-742950">
+              <a:buFont typeface="Arial" panose="020B0604020202020204" pitchFamily="34" charset="0"/>
+              <a:buChar char="•"/>
+            </a:pPr>
+            <a:r>
+              <a:rPr lang="en-US" sz="2500" dirty="0" smtClean="0"/>
+              <a:t>Twenty objects </a:t>
+            </a:r>
+            <a:r>
+              <a:rPr lang="mr-IN" sz="2500" dirty="0" smtClean="0"/>
+              <a:t>–</a:t>
+            </a:r>
+            <a:r>
+              <a:rPr lang="en-US" sz="2500" dirty="0" smtClean="0"/>
+              <a:t> 190 comparisons</a:t>
+            </a:r>
+          </a:p>
+          <a:p>
+            <a:pPr marL="1657350" lvl="2" indent="-742950">
+              <a:buFont typeface="Arial" panose="020B0604020202020204" pitchFamily="34" charset="0"/>
+              <a:buChar char="•"/>
+            </a:pPr>
+            <a:r>
+              <a:rPr lang="en-US" sz="2500" dirty="0" smtClean="0"/>
+              <a:t>1000 objects </a:t>
+            </a:r>
+            <a:r>
+              <a:rPr lang="mr-IN" sz="2500" dirty="0" smtClean="0"/>
+              <a:t>–</a:t>
+            </a:r>
+            <a:r>
+              <a:rPr lang="en-US" sz="2500" dirty="0" smtClean="0"/>
+              <a:t> 499500 comparisons</a:t>
+            </a:r>
+            <a:endParaRPr lang="en-US" sz="2000" dirty="0" smtClean="0"/>
+          </a:p>
+          <a:p>
+            <a:pPr marL="1657350" lvl="2" indent="-742950">
+              <a:buFont typeface="Arial" panose="020B0604020202020204" pitchFamily="34" charset="0"/>
+              <a:buChar char="•"/>
+            </a:pPr>
+            <a:endParaRPr lang="en-US" sz="2500" dirty="0" smtClean="0"/>
+          </a:p>
+          <a:p>
+            <a:pPr marL="1657350" lvl="2" indent="-742950">
+              <a:buFont typeface="Arial" panose="020B0604020202020204" pitchFamily="34" charset="0"/>
+              <a:buChar char="•"/>
+            </a:pPr>
+            <a:endParaRPr lang="en-US" sz="2500" dirty="0" smtClean="0"/>
+          </a:p>
+        </p:txBody>
+      </p:sp>
+    </p:spTree>
+    <p:extLst>
+      <p:ext uri="{BB962C8B-B14F-4D97-AF65-F5344CB8AC3E}">
+        <p14:creationId xmlns:p14="http://schemas.microsoft.com/office/powerpoint/2010/main" val="1246397280"/>
+      </p:ext>
+    </p:extLst>
+  </p:cSld>
+  <p:clrMapOvr>
+    <a:masterClrMapping/>
+  </p:clrMapOvr>
+  <p:timing>
+    <p:tnLst>
+      <p:par>
+        <p:cTn id="1" dur="indefinite" restart="never" nodeType="tmRoot"/>
+      </p:par>
+    </p:tnLst>
+  </p:timing>
+</p:sld>
+</file>
+
+<file path=ppt/slides/slide5.xml><?xml version="1.0" encoding="utf-8"?>
+<p:sld xmlns:a="http://schemas.openxmlformats.org/drawingml/2006/main" xmlns:r="http://schemas.openxmlformats.org/officeDocument/2006/relationships" xmlns:p="http://schemas.openxmlformats.org/presentationml/2006/main">
+  <p:cSld>
+    <p:spTree>
+      <p:nvGrpSpPr>
+        <p:cNvPr id="1" name=""/>
+        <p:cNvGrpSpPr/>
+        <p:nvPr/>
+      </p:nvGrpSpPr>
+      <p:grpSpPr>
+        <a:xfrm>
+          <a:off x="0" y="0"/>
+          <a:ext cx="0" cy="0"/>
+          <a:chOff x="0" y="0"/>
+          <a:chExt cx="0" cy="0"/>
+        </a:xfrm>
+      </p:grpSpPr>
+      <p:sp>
+        <p:nvSpPr>
+          <p:cNvPr id="3" name="Rectangle 2"/>
+          <p:cNvSpPr/>
+          <p:nvPr/>
+        </p:nvSpPr>
+        <p:spPr>
+          <a:xfrm>
+            <a:off x="0" y="0"/>
+            <a:ext cx="9144000" cy="4247317"/>
+          </a:xfrm>
+          <a:prstGeom prst="rect">
+            <a:avLst/>
+          </a:prstGeom>
+        </p:spPr>
+        <p:txBody>
+          <a:bodyPr wrap="square">
+            <a:spAutoFit/>
+          </a:bodyPr>
+          <a:lstStyle/>
+          <a:p>
+            <a:pPr algn="ctr"/>
+            <a:endParaRPr lang="en-US" sz="4000" b="1" dirty="0"/>
+          </a:p>
+          <a:p>
+            <a:pPr lvl="1"/>
+            <a:r>
+              <a:rPr lang="en-AU" sz="3500" b="1" dirty="0" smtClean="0"/>
+              <a:t>Reducing the n</a:t>
+            </a:r>
+            <a:r>
+              <a:rPr lang="en-AU" sz="3500" b="1" dirty="0" smtClean="0"/>
+              <a:t>umber </a:t>
+            </a:r>
+            <a:r>
+              <a:rPr lang="en-AU" sz="3500" b="1" dirty="0" smtClean="0"/>
+              <a:t>of comparisons</a:t>
+            </a:r>
+            <a:endParaRPr lang="en-US" sz="3500" b="1" dirty="0" smtClean="0"/>
+          </a:p>
+          <a:p>
+            <a:pPr marL="1657350" lvl="2" indent="-742950">
+              <a:buFont typeface="Arial" panose="020B0604020202020204" pitchFamily="34" charset="0"/>
+              <a:buChar char="•"/>
+            </a:pPr>
+            <a:endParaRPr lang="en-US" sz="2500" dirty="0" smtClean="0"/>
+          </a:p>
+          <a:p>
+            <a:pPr marL="1657350" lvl="2" indent="-742950">
+              <a:buFont typeface="Arial" panose="020B0604020202020204" pitchFamily="34" charset="0"/>
+              <a:buChar char="•"/>
+            </a:pPr>
+            <a:r>
+              <a:rPr lang="en-AU" sz="2500" dirty="0" smtClean="0"/>
+              <a:t>Game rule elimination</a:t>
+            </a:r>
+          </a:p>
+          <a:p>
+            <a:pPr marL="2114550" lvl="3" indent="-742950">
+              <a:buFont typeface="Arial" panose="020B0604020202020204" pitchFamily="34" charset="0"/>
+              <a:buChar char="•"/>
+            </a:pPr>
+            <a:r>
+              <a:rPr lang="en-AU" sz="2500" dirty="0" smtClean="0"/>
+              <a:t>When a collision between two objects is not</a:t>
+            </a:r>
+          </a:p>
+          <a:p>
+            <a:pPr marL="2114550" lvl="3" indent="-742950">
+              <a:buFont typeface="Arial" panose="020B0604020202020204" pitchFamily="34" charset="0"/>
+              <a:buChar char="•"/>
+            </a:pPr>
+            <a:r>
+              <a:rPr lang="en-AU" sz="2500" dirty="0" smtClean="0"/>
+              <a:t>Relevant to the game, don’t test for it</a:t>
+            </a:r>
+            <a:endParaRPr lang="en-AU" sz="2500" dirty="0" smtClean="0"/>
+          </a:p>
+          <a:p>
+            <a:pPr marL="1657350" lvl="2" indent="-742950">
+              <a:buFont typeface="Arial" panose="020B0604020202020204" pitchFamily="34" charset="0"/>
+              <a:buChar char="•"/>
+            </a:pPr>
+            <a:r>
+              <a:rPr lang="en-AU" sz="2500" smtClean="0"/>
+              <a:t>Spatial elimination</a:t>
+            </a:r>
+          </a:p>
+          <a:p>
+            <a:pPr marL="2114550" lvl="3" indent="-742950">
+              <a:buFont typeface="Arial" panose="020B0604020202020204" pitchFamily="34" charset="0"/>
+              <a:buChar char="•"/>
+            </a:pPr>
+            <a:endParaRPr lang="en-US" sz="2000" dirty="0" smtClean="0"/>
+          </a:p>
+          <a:p>
+            <a:pPr marL="1657350" lvl="2" indent="-742950">
+              <a:buFont typeface="Arial" panose="020B0604020202020204" pitchFamily="34" charset="0"/>
+              <a:buChar char="•"/>
+            </a:pPr>
+            <a:endParaRPr lang="en-US" sz="2500" dirty="0" smtClean="0"/>
+          </a:p>
+          <a:p>
+            <a:pPr marL="1657350" lvl="2" indent="-742950">
+              <a:buFont typeface="Arial" panose="020B0604020202020204" pitchFamily="34" charset="0"/>
+              <a:buChar char="•"/>
+            </a:pPr>
+            <a:endParaRPr lang="en-US" sz="2500" dirty="0" smtClean="0"/>
+          </a:p>
+        </p:txBody>
+      </p:sp>
+    </p:spTree>
+    <p:extLst>
+      <p:ext uri="{BB962C8B-B14F-4D97-AF65-F5344CB8AC3E}">
+        <p14:creationId xmlns:p14="http://schemas.microsoft.com/office/powerpoint/2010/main" val="1724156605"/>
+      </p:ext>
+    </p:extLst>
+  </p:cSld>
+  <p:clrMapOvr>
+    <a:masterClrMapping/>
+  </p:clrMapOvr>
+  <p:timing>
+    <p:tnLst>
+      <p:par>
+        <p:cTn id="1" dur="indefinite" restart="never" nodeType="tmRoot"/>
+      </p:par>
+    </p:tnLst>
+  </p:timing>
 </p:sld>
 </file>
 
@@ -3524,4 +5016,265 @@
   <a:objectDefaults/>
   <a:extraClrSchemeLst/>
 </a:theme>
+</file>
+
+<file path=ppt/theme/theme2.xml><?xml version="1.0" encoding="utf-8"?>
+<a:theme xmlns:a="http://schemas.openxmlformats.org/drawingml/2006/main" name="Office Theme">
+  <a:themeElements>
+    <a:clrScheme name="Office">
+      <a:dk1>
+        <a:sysClr val="windowText" lastClr="000000"/>
+      </a:dk1>
+      <a:lt1>
+        <a:sysClr val="window" lastClr="FFFFFF"/>
+      </a:lt1>
+      <a:dk2>
+        <a:srgbClr val="44546A"/>
+      </a:dk2>
+      <a:lt2>
+        <a:srgbClr val="E7E6E6"/>
+      </a:lt2>
+      <a:accent1>
+        <a:srgbClr val="4472C4"/>
+      </a:accent1>
+      <a:accent2>
+        <a:srgbClr val="ED7D31"/>
+      </a:accent2>
+      <a:accent3>
+        <a:srgbClr val="A5A5A5"/>
+      </a:accent3>
+      <a:accent4>
+        <a:srgbClr val="FFC000"/>
+      </a:accent4>
+      <a:accent5>
+        <a:srgbClr val="5B9BD5"/>
+      </a:accent5>
+      <a:accent6>
+        <a:srgbClr val="70AD47"/>
+      </a:accent6>
+      <a:hlink>
+        <a:srgbClr val="0563C1"/>
+      </a:hlink>
+      <a:folHlink>
+        <a:srgbClr val="954F72"/>
+      </a:folHlink>
+    </a:clrScheme>
+    <a:fontScheme name="Office">
+      <a:majorFont>
+        <a:latin typeface="Calibri Light" panose="020F0302020204030204"/>
+        <a:ea typeface=""/>
+        <a:cs typeface=""/>
+        <a:font script="Jpan" typeface="Yu Gothic Light"/>
+        <a:font script="Hang" typeface="맑은 고딕"/>
+        <a:font script="Hans" typeface="DengXian Light"/>
+        <a:font script="Hant" typeface="新細明體"/>
+        <a:font script="Arab" typeface="Times New Roman"/>
+        <a:font script="Hebr" typeface="Times New Roman"/>
+        <a:font script="Thai" typeface="Angsana New"/>
+        <a:font script="Ethi" typeface="Nyala"/>
+        <a:font script="Beng" typeface="Vrinda"/>
+        <a:font script="Gujr" typeface="Shruti"/>
+        <a:font script="Khmr" typeface="MoolBoran"/>
+        <a:font script="Knda" typeface="Tunga"/>
+        <a:font script="Guru" typeface="Raavi"/>
+        <a:font script="Cans" typeface="Euphemia"/>
+        <a:font script="Cher" typeface="Plantagenet Cherokee"/>
+        <a:font script="Yiii" typeface="Microsoft Yi Baiti"/>
+        <a:font script="Tibt" typeface="Microsoft Himalaya"/>
+        <a:font script="Thaa" typeface="MV Boli"/>
+        <a:font script="Deva" typeface="Mangal"/>
+        <a:font script="Telu" typeface="Gautami"/>
+        <a:font script="Taml" typeface="Latha"/>
+        <a:font script="Syrc" typeface="Estrangelo Edessa"/>
+        <a:font script="Orya" typeface="Kalinga"/>
+        <a:font script="Mlym" typeface="Kartika"/>
+        <a:font script="Laoo" typeface="DokChampa"/>
+        <a:font script="Sinh" typeface="Iskoola Pota"/>
+        <a:font script="Mong" typeface="Mongolian Baiti"/>
+        <a:font script="Viet" typeface="Times New Roman"/>
+        <a:font script="Uigh" typeface="Microsoft Uighur"/>
+        <a:font script="Geor" typeface="Sylfaen"/>
+      </a:majorFont>
+      <a:minorFont>
+        <a:latin typeface="Calibri" panose="020F0502020204030204"/>
+        <a:ea typeface=""/>
+        <a:cs typeface=""/>
+        <a:font script="Jpan" typeface="Yu Gothic"/>
+        <a:font script="Hang" typeface="맑은 고딕"/>
+        <a:font script="Hans" typeface="DengXian"/>
+        <a:font script="Hant" typeface="新細明體"/>
+        <a:font script="Arab" typeface="Arial"/>
+        <a:font script="Hebr" typeface="Arial"/>
+        <a:font script="Thai" typeface="Cordia New"/>
+        <a:font script="Ethi" typeface="Nyala"/>
+        <a:font script="Beng" typeface="Vrinda"/>
+        <a:font script="Gujr" typeface="Shruti"/>
+        <a:font script="Khmr" typeface="DaunPenh"/>
+        <a:font script="Knda" typeface="Tunga"/>
+        <a:font script="Guru" typeface="Raavi"/>
+        <a:font script="Cans" typeface="Euphemia"/>
+        <a:font script="Cher" typeface="Plantagenet Cherokee"/>
+        <a:font script="Yiii" typeface="Microsoft Yi Baiti"/>
+        <a:font script="Tibt" typeface="Microsoft Himalaya"/>
+        <a:font script="Thaa" typeface="MV Boli"/>
+        <a:font script="Deva" typeface="Mangal"/>
+        <a:font script="Telu" typeface="Gautami"/>
+        <a:font script="Taml" typeface="Latha"/>
+        <a:font script="Syrc" typeface="Estrangelo Edessa"/>
+        <a:font script="Orya" typeface="Kalinga"/>
+        <a:font script="Mlym" typeface="Kartika"/>
+        <a:font script="Laoo" typeface="DokChampa"/>
+        <a:font script="Sinh" typeface="Iskoola Pota"/>
+        <a:font script="Mong" typeface="Mongolian Baiti"/>
+        <a:font script="Viet" typeface="Arial"/>
+        <a:font script="Uigh" typeface="Microsoft Uighur"/>
+        <a:font script="Geor" typeface="Sylfaen"/>
+      </a:minorFont>
+    </a:fontScheme>
+    <a:fmtScheme name="Office">
+      <a:fillStyleLst>
+        <a:solidFill>
+          <a:schemeClr val="phClr"/>
+        </a:solidFill>
+        <a:gradFill rotWithShape="1">
+          <a:gsLst>
+            <a:gs pos="0">
+              <a:schemeClr val="phClr">
+                <a:lumMod val="110000"/>
+                <a:satMod val="105000"/>
+                <a:tint val="67000"/>
+              </a:schemeClr>
+            </a:gs>
+            <a:gs pos="50000">
+              <a:schemeClr val="phClr">
+                <a:lumMod val="105000"/>
+                <a:satMod val="103000"/>
+                <a:tint val="73000"/>
+              </a:schemeClr>
+            </a:gs>
+            <a:gs pos="100000">
+              <a:schemeClr val="phClr">
+                <a:lumMod val="105000"/>
+                <a:satMod val="109000"/>
+                <a:tint val="81000"/>
+              </a:schemeClr>
+            </a:gs>
+          </a:gsLst>
+          <a:lin ang="5400000" scaled="0"/>
+        </a:gradFill>
+        <a:gradFill rotWithShape="1">
+          <a:gsLst>
+            <a:gs pos="0">
+              <a:schemeClr val="phClr">
+                <a:satMod val="103000"/>
+                <a:lumMod val="102000"/>
+                <a:tint val="94000"/>
+              </a:schemeClr>
+            </a:gs>
+            <a:gs pos="50000">
+              <a:schemeClr val="phClr">
+                <a:satMod val="110000"/>
+                <a:lumMod val="100000"/>
+                <a:shade val="100000"/>
+              </a:schemeClr>
+            </a:gs>
+            <a:gs pos="100000">
+              <a:schemeClr val="phClr">
+                <a:lumMod val="99000"/>
+                <a:satMod val="120000"/>
+                <a:shade val="78000"/>
+              </a:schemeClr>
+            </a:gs>
+          </a:gsLst>
+          <a:lin ang="5400000" scaled="0"/>
+        </a:gradFill>
+      </a:fillStyleLst>
+      <a:lnStyleLst>
+        <a:ln w="6350" cap="flat" cmpd="sng" algn="ctr">
+          <a:solidFill>
+            <a:schemeClr val="phClr"/>
+          </a:solidFill>
+          <a:prstDash val="solid"/>
+          <a:miter lim="800000"/>
+        </a:ln>
+        <a:ln w="12700" cap="flat" cmpd="sng" algn="ctr">
+          <a:solidFill>
+            <a:schemeClr val="phClr"/>
+          </a:solidFill>
+          <a:prstDash val="solid"/>
+          <a:miter lim="800000"/>
+        </a:ln>
+        <a:ln w="19050" cap="flat" cmpd="sng" algn="ctr">
+          <a:solidFill>
+            <a:schemeClr val="phClr"/>
+          </a:solidFill>
+          <a:prstDash val="solid"/>
+          <a:miter lim="800000"/>
+        </a:ln>
+      </a:lnStyleLst>
+      <a:effectStyleLst>
+        <a:effectStyle>
+          <a:effectLst/>
+        </a:effectStyle>
+        <a:effectStyle>
+          <a:effectLst/>
+        </a:effectStyle>
+        <a:effectStyle>
+          <a:effectLst>
+            <a:outerShdw blurRad="57150" dist="19050" dir="5400000" algn="ctr" rotWithShape="0">
+              <a:srgbClr val="000000">
+                <a:alpha val="63000"/>
+              </a:srgbClr>
+            </a:outerShdw>
+          </a:effectLst>
+        </a:effectStyle>
+      </a:effectStyleLst>
+      <a:bgFillStyleLst>
+        <a:solidFill>
+          <a:schemeClr val="phClr"/>
+        </a:solidFill>
+        <a:solidFill>
+          <a:schemeClr val="phClr">
+            <a:tint val="95000"/>
+            <a:satMod val="170000"/>
+          </a:schemeClr>
+        </a:solidFill>
+        <a:gradFill rotWithShape="1">
+          <a:gsLst>
+            <a:gs pos="0">
+              <a:schemeClr val="phClr">
+                <a:tint val="93000"/>
+                <a:satMod val="150000"/>
+                <a:shade val="98000"/>
+                <a:lumMod val="102000"/>
+              </a:schemeClr>
+            </a:gs>
+            <a:gs pos="50000">
+              <a:schemeClr val="phClr">
+                <a:tint val="98000"/>
+                <a:satMod val="130000"/>
+                <a:shade val="90000"/>
+                <a:lumMod val="103000"/>
+              </a:schemeClr>
+            </a:gs>
+            <a:gs pos="100000">
+              <a:schemeClr val="phClr">
+                <a:shade val="63000"/>
+                <a:satMod val="120000"/>
+              </a:schemeClr>
+            </a:gs>
+          </a:gsLst>
+          <a:lin ang="5400000" scaled="0"/>
+        </a:gradFill>
+      </a:bgFillStyleLst>
+    </a:fmtScheme>
+  </a:themeElements>
+  <a:objectDefaults/>
+  <a:extraClrSchemeLst/>
+  <a:extLst>
+    <a:ext uri="{05A4C25C-085E-4340-85A3-A5531E510DB2}">
+      <thm15:themeFamily xmlns:thm15="http://schemas.microsoft.com/office/thememl/2012/main" name="Office Theme" id="{62F939B6-93AF-4DB8-9C6B-D6C7DFDC589F}" vid="{4A3C46E8-61CC-4603-A589-7422A47A8E4A}"/>
+    </a:ext>
+  </a:extLst>
+</a:theme>
 </file>
--- a/Programming 4/08.2 NPC Collision/08.2 NPC Collision.pptx
+++ b/Programming 4/08.2 NPC Collision/08.2 NPC Collision.pptx
@@ -5,14 +5,27 @@
     <p:sldMasterId id="2147483648" r:id="rId1"/>
   </p:sldMasterIdLst>
   <p:notesMasterIdLst>
-    <p:notesMasterId r:id="rId7"/>
+    <p:notesMasterId r:id="rId20"/>
   </p:notesMasterIdLst>
   <p:sldIdLst>
     <p:sldId id="257" r:id="rId2"/>
     <p:sldId id="258" r:id="rId3"/>
     <p:sldId id="259" r:id="rId4"/>
     <p:sldId id="260" r:id="rId5"/>
-    <p:sldId id="261" r:id="rId6"/>
+    <p:sldId id="264" r:id="rId6"/>
+    <p:sldId id="262" r:id="rId7"/>
+    <p:sldId id="263" r:id="rId8"/>
+    <p:sldId id="265" r:id="rId9"/>
+    <p:sldId id="266" r:id="rId10"/>
+    <p:sldId id="267" r:id="rId11"/>
+    <p:sldId id="268" r:id="rId12"/>
+    <p:sldId id="269" r:id="rId13"/>
+    <p:sldId id="270" r:id="rId14"/>
+    <p:sldId id="272" r:id="rId15"/>
+    <p:sldId id="273" r:id="rId16"/>
+    <p:sldId id="274" r:id="rId17"/>
+    <p:sldId id="275" r:id="rId18"/>
+    <p:sldId id="276" r:id="rId19"/>
   </p:sldIdLst>
   <p:sldSz cx="9144000" cy="6858000" type="screen4x3"/>
   <p:notesSz cx="6858000" cy="9144000"/>
@@ -212,7 +225,7 @@
           <a:p>
             <a:fld id="{2B565E5C-099F-DB4B-B3D4-39EF91E5F10D}" type="datetimeFigureOut">
               <a:rPr lang="en-US" smtClean="0"/>
-              <a:t>9/15/19</a:t>
+              <a:t>9/17/2019</a:t>
             </a:fld>
             <a:endParaRPr lang="en-US"/>
           </a:p>
@@ -678,6 +691,1733 @@
 </p:notes>
 </file>
 
+<file path=ppt/notesSlides/notesSlide10.xml><?xml version="1.0" encoding="utf-8"?>
+<p:notes xmlns:a="http://schemas.openxmlformats.org/drawingml/2006/main" xmlns:r="http://schemas.openxmlformats.org/officeDocument/2006/relationships" xmlns:p="http://schemas.openxmlformats.org/presentationml/2006/main">
+  <p:cSld>
+    <p:spTree>
+      <p:nvGrpSpPr>
+        <p:cNvPr id="1" name=""/>
+        <p:cNvGrpSpPr/>
+        <p:nvPr/>
+      </p:nvGrpSpPr>
+      <p:grpSpPr>
+        <a:xfrm>
+          <a:off x="0" y="0"/>
+          <a:ext cx="0" cy="0"/>
+          <a:chOff x="0" y="0"/>
+          <a:chExt cx="0" cy="0"/>
+        </a:xfrm>
+      </p:grpSpPr>
+      <p:sp>
+        <p:nvSpPr>
+          <p:cNvPr id="2" name="Slide Image Placeholder 1"/>
+          <p:cNvSpPr>
+            <a:spLocks noGrp="1" noRot="1" noChangeAspect="1"/>
+          </p:cNvSpPr>
+          <p:nvPr>
+            <p:ph type="sldImg"/>
+          </p:nvPr>
+        </p:nvSpPr>
+        <p:spPr/>
+      </p:sp>
+      <p:sp>
+        <p:nvSpPr>
+          <p:cNvPr id="3" name="Notes Placeholder 2"/>
+          <p:cNvSpPr>
+            <a:spLocks noGrp="1"/>
+          </p:cNvSpPr>
+          <p:nvPr>
+            <p:ph type="body" idx="1"/>
+          </p:nvPr>
+        </p:nvSpPr>
+        <p:spPr/>
+        <p:txBody>
+          <a:bodyPr/>
+          <a:lstStyle/>
+          <a:p>
+            <a:pPr marL="171450" indent="-171450">
+              <a:buFont typeface="Arial" charset="0"/>
+              <a:buChar char="•"/>
+            </a:pPr>
+            <a:r>
+              <a:rPr lang="en-NZ" sz="1200" kern="1200" dirty="0" smtClean="0">
+                <a:solidFill>
+                  <a:schemeClr val="tx1"/>
+                </a:solidFill>
+                <a:effectLst/>
+                <a:latin typeface="+mn-lt"/>
+                <a:ea typeface="+mn-ea"/>
+                <a:cs typeface="+mn-cs"/>
+              </a:rPr>
+              <a:t>Only need to determine if the rectangles overlap</a:t>
+            </a:r>
+          </a:p>
+          <a:p>
+            <a:pPr marL="171450" indent="-171450">
+              <a:buFont typeface="Arial" charset="0"/>
+              <a:buChar char="•"/>
+            </a:pPr>
+            <a:endParaRPr lang="en-NZ" sz="1200" kern="1200" dirty="0" smtClean="0">
+              <a:solidFill>
+                <a:schemeClr val="tx1"/>
+              </a:solidFill>
+              <a:effectLst/>
+              <a:latin typeface="+mn-lt"/>
+              <a:ea typeface="+mn-ea"/>
+              <a:cs typeface="+mn-cs"/>
+            </a:endParaRPr>
+          </a:p>
+          <a:p>
+            <a:pPr marL="171450" indent="-171450">
+              <a:buFont typeface="Arial" charset="0"/>
+              <a:buChar char="•"/>
+            </a:pPr>
+            <a:r>
+              <a:rPr lang="en-NZ" sz="1200" kern="1200" dirty="0" smtClean="0">
+                <a:solidFill>
+                  <a:schemeClr val="tx1"/>
+                </a:solidFill>
+                <a:effectLst/>
+                <a:latin typeface="+mn-lt"/>
+                <a:ea typeface="+mn-ea"/>
+                <a:cs typeface="+mn-cs"/>
+              </a:rPr>
+              <a:t>This situation will return true</a:t>
+            </a:r>
+          </a:p>
+          <a:p>
+            <a:pPr marL="171450" indent="-171450">
+              <a:buFont typeface="Arial" charset="0"/>
+              <a:buChar char="•"/>
+            </a:pPr>
+            <a:endParaRPr lang="en-NZ" sz="1200" kern="1200" dirty="0" smtClean="0">
+              <a:solidFill>
+                <a:schemeClr val="tx1"/>
+              </a:solidFill>
+              <a:effectLst/>
+              <a:latin typeface="+mn-lt"/>
+              <a:ea typeface="+mn-ea"/>
+              <a:cs typeface="+mn-cs"/>
+            </a:endParaRPr>
+          </a:p>
+          <a:p>
+            <a:pPr marL="171450" indent="-171450">
+              <a:buFont typeface="Arial" charset="0"/>
+              <a:buChar char="•"/>
+            </a:pPr>
+            <a:r>
+              <a:rPr lang="en-NZ" sz="1200" kern="1200" dirty="0" smtClean="0">
+                <a:solidFill>
+                  <a:schemeClr val="tx1"/>
+                </a:solidFill>
+                <a:effectLst/>
+                <a:latin typeface="+mn-lt"/>
+                <a:ea typeface="+mn-ea"/>
+                <a:cs typeface="+mn-cs"/>
+              </a:rPr>
+              <a:t>The monster on the left will be annoyed</a:t>
+            </a:r>
+          </a:p>
+          <a:p>
+            <a:pPr marL="171450" indent="-171450">
+              <a:buFont typeface="Arial" charset="0"/>
+              <a:buChar char="•"/>
+            </a:pPr>
+            <a:endParaRPr lang="en-NZ" sz="1200" kern="1200" dirty="0" smtClean="0">
+              <a:solidFill>
+                <a:schemeClr val="tx1"/>
+              </a:solidFill>
+              <a:effectLst/>
+              <a:latin typeface="+mn-lt"/>
+              <a:ea typeface="+mn-ea"/>
+              <a:cs typeface="+mn-cs"/>
+            </a:endParaRPr>
+          </a:p>
+          <a:p>
+            <a:pPr marL="171450" indent="-171450">
+              <a:buFont typeface="Arial" charset="0"/>
+              <a:buChar char="•"/>
+            </a:pPr>
+            <a:r>
+              <a:rPr lang="en-NZ" sz="1200" kern="1200" dirty="0" smtClean="0">
+                <a:solidFill>
+                  <a:schemeClr val="tx1"/>
+                </a:solidFill>
+                <a:effectLst/>
+                <a:latin typeface="+mn-lt"/>
+                <a:ea typeface="+mn-ea"/>
+                <a:cs typeface="+mn-cs"/>
+              </a:rPr>
+              <a:t>Nonetheless, this is what we will use – but we will use a slightly </a:t>
+            </a:r>
+            <a:r>
+              <a:rPr lang="en-NZ" sz="1200" kern="1200" dirty="0" err="1" smtClean="0">
+                <a:solidFill>
+                  <a:schemeClr val="tx1"/>
+                </a:solidFill>
+                <a:effectLst/>
+                <a:latin typeface="+mn-lt"/>
+                <a:ea typeface="+mn-ea"/>
+                <a:cs typeface="+mn-cs"/>
+              </a:rPr>
+              <a:t>souped</a:t>
+            </a:r>
+            <a:r>
+              <a:rPr lang="en-NZ" sz="1200" kern="1200" dirty="0" smtClean="0">
+                <a:solidFill>
+                  <a:schemeClr val="tx1"/>
+                </a:solidFill>
+                <a:effectLst/>
+                <a:latin typeface="+mn-lt"/>
+                <a:ea typeface="+mn-ea"/>
+                <a:cs typeface="+mn-cs"/>
+              </a:rPr>
+              <a:t> up version, as we will see in a few minutes</a:t>
+            </a:r>
+          </a:p>
+          <a:p>
+            <a:pPr marL="171450" indent="-171450">
+              <a:buFont typeface="Arial" charset="0"/>
+              <a:buChar char="•"/>
+            </a:pPr>
+            <a:endParaRPr lang="en-US" sz="1200" kern="1200" dirty="0" smtClean="0">
+              <a:solidFill>
+                <a:schemeClr val="tx1"/>
+              </a:solidFill>
+              <a:effectLst/>
+              <a:latin typeface="+mn-lt"/>
+              <a:ea typeface="+mn-ea"/>
+              <a:cs typeface="+mn-cs"/>
+            </a:endParaRPr>
+          </a:p>
+        </p:txBody>
+      </p:sp>
+      <p:sp>
+        <p:nvSpPr>
+          <p:cNvPr id="4" name="Slide Number Placeholder 3"/>
+          <p:cNvSpPr>
+            <a:spLocks noGrp="1"/>
+          </p:cNvSpPr>
+          <p:nvPr>
+            <p:ph type="sldNum" sz="quarter" idx="10"/>
+          </p:nvPr>
+        </p:nvSpPr>
+        <p:spPr/>
+        <p:txBody>
+          <a:bodyPr/>
+          <a:lstStyle/>
+          <a:p>
+            <a:fld id="{BBC1DE02-C006-4F38-873D-E62701AB1734}" type="slidenum">
+              <a:rPr lang="en-NZ" smtClean="0"/>
+              <a:t>11</a:t>
+            </a:fld>
+            <a:endParaRPr lang="en-NZ"/>
+          </a:p>
+        </p:txBody>
+      </p:sp>
+    </p:spTree>
+    <p:extLst>
+      <p:ext uri="{BB962C8B-B14F-4D97-AF65-F5344CB8AC3E}">
+        <p14:creationId xmlns:p14="http://schemas.microsoft.com/office/powerpoint/2010/main" val="423315502"/>
+      </p:ext>
+    </p:extLst>
+  </p:cSld>
+  <p:clrMapOvr>
+    <a:masterClrMapping/>
+  </p:clrMapOvr>
+</p:notes>
+</file>
+
+<file path=ppt/notesSlides/notesSlide11.xml><?xml version="1.0" encoding="utf-8"?>
+<p:notes xmlns:a="http://schemas.openxmlformats.org/drawingml/2006/main" xmlns:r="http://schemas.openxmlformats.org/officeDocument/2006/relationships" xmlns:p="http://schemas.openxmlformats.org/presentationml/2006/main">
+  <p:cSld>
+    <p:spTree>
+      <p:nvGrpSpPr>
+        <p:cNvPr id="1" name=""/>
+        <p:cNvGrpSpPr/>
+        <p:nvPr/>
+      </p:nvGrpSpPr>
+      <p:grpSpPr>
+        <a:xfrm>
+          <a:off x="0" y="0"/>
+          <a:ext cx="0" cy="0"/>
+          <a:chOff x="0" y="0"/>
+          <a:chExt cx="0" cy="0"/>
+        </a:xfrm>
+      </p:grpSpPr>
+      <p:sp>
+        <p:nvSpPr>
+          <p:cNvPr id="2" name="Slide Image Placeholder 1"/>
+          <p:cNvSpPr>
+            <a:spLocks noGrp="1" noRot="1" noChangeAspect="1"/>
+          </p:cNvSpPr>
+          <p:nvPr>
+            <p:ph type="sldImg"/>
+          </p:nvPr>
+        </p:nvSpPr>
+        <p:spPr/>
+      </p:sp>
+      <p:sp>
+        <p:nvSpPr>
+          <p:cNvPr id="3" name="Notes Placeholder 2"/>
+          <p:cNvSpPr>
+            <a:spLocks noGrp="1"/>
+          </p:cNvSpPr>
+          <p:nvPr>
+            <p:ph type="body" idx="1"/>
+          </p:nvPr>
+        </p:nvSpPr>
+        <p:spPr/>
+        <p:txBody>
+          <a:bodyPr/>
+          <a:lstStyle/>
+          <a:p>
+            <a:pPr marL="171450" indent="-171450">
+              <a:buFont typeface="Arial" charset="0"/>
+              <a:buChar char="•"/>
+            </a:pPr>
+            <a:r>
+              <a:rPr lang="en-NZ" sz="1200" kern="1200" dirty="0" smtClean="0">
+                <a:solidFill>
+                  <a:schemeClr val="tx1"/>
+                </a:solidFill>
+                <a:effectLst/>
+                <a:latin typeface="+mn-lt"/>
+                <a:ea typeface="+mn-ea"/>
+                <a:cs typeface="+mn-cs"/>
+              </a:rPr>
+              <a:t>Basic approach: Compare edges (demonstrate on board or with much pointing)</a:t>
+            </a:r>
+          </a:p>
+          <a:p>
+            <a:pPr marL="171450" indent="-171450">
+              <a:buFont typeface="Arial" charset="0"/>
+              <a:buChar char="•"/>
+            </a:pPr>
+            <a:endParaRPr lang="en-NZ" sz="1200" kern="1200" dirty="0" smtClean="0">
+              <a:solidFill>
+                <a:schemeClr val="tx1"/>
+              </a:solidFill>
+              <a:effectLst/>
+              <a:latin typeface="+mn-lt"/>
+              <a:ea typeface="+mn-ea"/>
+              <a:cs typeface="+mn-cs"/>
+            </a:endParaRPr>
+          </a:p>
+          <a:p>
+            <a:pPr marL="171450" indent="-171450">
+              <a:buFont typeface="Arial" charset="0"/>
+              <a:buChar char="•"/>
+            </a:pPr>
+            <a:r>
+              <a:rPr lang="en-NZ" sz="1200" kern="1200" dirty="0" smtClean="0">
+                <a:solidFill>
+                  <a:schemeClr val="tx1"/>
+                </a:solidFill>
+                <a:effectLst/>
+                <a:latin typeface="+mn-lt"/>
+                <a:ea typeface="+mn-ea"/>
+                <a:cs typeface="+mn-cs"/>
+              </a:rPr>
+              <a:t>Assume collision, and test the four conditions that would falsify that assumption</a:t>
+            </a:r>
+          </a:p>
+          <a:p>
+            <a:pPr marL="171450" indent="-171450">
+              <a:buFont typeface="Arial" charset="0"/>
+              <a:buChar char="•"/>
+            </a:pPr>
+            <a:endParaRPr lang="en-NZ" sz="1200" kern="1200" dirty="0" smtClean="0">
+              <a:solidFill>
+                <a:schemeClr val="tx1"/>
+              </a:solidFill>
+              <a:effectLst/>
+              <a:latin typeface="+mn-lt"/>
+              <a:ea typeface="+mn-ea"/>
+              <a:cs typeface="+mn-cs"/>
+            </a:endParaRPr>
+          </a:p>
+          <a:p>
+            <a:pPr marL="171450" indent="-171450">
+              <a:buFont typeface="Arial" charset="0"/>
+              <a:buChar char="•"/>
+            </a:pPr>
+            <a:r>
+              <a:rPr lang="en-NZ" sz="1200" kern="1200" dirty="0" smtClean="0">
+                <a:solidFill>
+                  <a:schemeClr val="tx1"/>
+                </a:solidFill>
+                <a:effectLst/>
+                <a:latin typeface="+mn-lt"/>
+                <a:ea typeface="+mn-ea"/>
+                <a:cs typeface="+mn-cs"/>
+              </a:rPr>
+              <a:t>If Sprite1’s Left is &gt; Sprite2’s Right, they can’t have collided, no matter where they are on the y-axis</a:t>
+            </a:r>
+          </a:p>
+          <a:p>
+            <a:pPr marL="171450" indent="-171450">
+              <a:buFont typeface="Arial" charset="0"/>
+              <a:buChar char="•"/>
+            </a:pPr>
+            <a:endParaRPr lang="en-NZ" sz="1200" kern="1200" dirty="0" smtClean="0">
+              <a:solidFill>
+                <a:schemeClr val="tx1"/>
+              </a:solidFill>
+              <a:effectLst/>
+              <a:latin typeface="+mn-lt"/>
+              <a:ea typeface="+mn-ea"/>
+              <a:cs typeface="+mn-cs"/>
+            </a:endParaRPr>
+          </a:p>
+          <a:p>
+            <a:pPr marL="171450" indent="-171450">
+              <a:buFont typeface="Arial" charset="0"/>
+              <a:buChar char="•"/>
+            </a:pPr>
+            <a:r>
+              <a:rPr lang="en-NZ" sz="1200" kern="1200" dirty="0" smtClean="0">
+                <a:solidFill>
+                  <a:schemeClr val="tx1"/>
+                </a:solidFill>
+                <a:effectLst/>
+                <a:latin typeface="+mn-lt"/>
+                <a:ea typeface="+mn-ea"/>
+                <a:cs typeface="+mn-cs"/>
+              </a:rPr>
+              <a:t>Similarly, if Sprite1’s Bottom is higher than Sprite2’s Top, they can’t have collided</a:t>
+            </a:r>
+          </a:p>
+          <a:p>
+            <a:pPr marL="171450" indent="-171450">
+              <a:buFont typeface="Arial" charset="0"/>
+              <a:buChar char="•"/>
+            </a:pPr>
+            <a:endParaRPr lang="en-NZ" sz="1200" kern="1200" dirty="0" smtClean="0">
+              <a:solidFill>
+                <a:schemeClr val="tx1"/>
+              </a:solidFill>
+              <a:effectLst/>
+              <a:latin typeface="+mn-lt"/>
+              <a:ea typeface="+mn-ea"/>
+              <a:cs typeface="+mn-cs"/>
+            </a:endParaRPr>
+          </a:p>
+          <a:p>
+            <a:pPr marL="171450" indent="-171450">
+              <a:buFont typeface="Arial" charset="0"/>
+              <a:buChar char="•"/>
+            </a:pPr>
+            <a:r>
+              <a:rPr lang="en-NZ" sz="1200" kern="1200" dirty="0" smtClean="0">
+                <a:solidFill>
+                  <a:schemeClr val="tx1"/>
+                </a:solidFill>
+                <a:effectLst/>
+                <a:latin typeface="+mn-lt"/>
+                <a:ea typeface="+mn-ea"/>
+                <a:cs typeface="+mn-cs"/>
+              </a:rPr>
+              <a:t>Same switching Sprite1 and Sprite2</a:t>
+            </a:r>
+          </a:p>
+          <a:p>
+            <a:pPr marL="171450" indent="-171450">
+              <a:buFont typeface="Arial" charset="0"/>
+              <a:buChar char="•"/>
+            </a:pPr>
+            <a:endParaRPr lang="en-NZ" sz="1200" kern="1200" dirty="0" smtClean="0">
+              <a:solidFill>
+                <a:schemeClr val="tx1"/>
+              </a:solidFill>
+              <a:effectLst/>
+              <a:latin typeface="+mn-lt"/>
+              <a:ea typeface="+mn-ea"/>
+              <a:cs typeface="+mn-cs"/>
+            </a:endParaRPr>
+          </a:p>
+          <a:p>
+            <a:pPr marL="171450" indent="-171450">
+              <a:buFont typeface="Arial" charset="0"/>
+              <a:buChar char="•"/>
+            </a:pPr>
+            <a:r>
+              <a:rPr lang="en-NZ" sz="1200" kern="1200" dirty="0" smtClean="0">
+                <a:solidFill>
+                  <a:schemeClr val="tx1"/>
+                </a:solidFill>
+                <a:effectLst/>
+                <a:latin typeface="+mn-lt"/>
+                <a:ea typeface="+mn-ea"/>
+                <a:cs typeface="+mn-cs"/>
+              </a:rPr>
+              <a:t>You thus need to make only four comparisons:</a:t>
+            </a:r>
+          </a:p>
+          <a:p>
+            <a:pPr marL="171450" indent="-171450">
+              <a:buFont typeface="Arial" charset="0"/>
+              <a:buChar char="•"/>
+            </a:pPr>
+            <a:endParaRPr lang="en-NZ" sz="1200" kern="1200" dirty="0" smtClean="0">
+              <a:solidFill>
+                <a:schemeClr val="tx1"/>
+              </a:solidFill>
+              <a:effectLst/>
+              <a:latin typeface="+mn-lt"/>
+              <a:ea typeface="+mn-ea"/>
+              <a:cs typeface="+mn-cs"/>
+            </a:endParaRPr>
+          </a:p>
+        </p:txBody>
+      </p:sp>
+      <p:sp>
+        <p:nvSpPr>
+          <p:cNvPr id="4" name="Slide Number Placeholder 3"/>
+          <p:cNvSpPr>
+            <a:spLocks noGrp="1"/>
+          </p:cNvSpPr>
+          <p:nvPr>
+            <p:ph type="sldNum" sz="quarter" idx="10"/>
+          </p:nvPr>
+        </p:nvSpPr>
+        <p:spPr/>
+        <p:txBody>
+          <a:bodyPr/>
+          <a:lstStyle/>
+          <a:p>
+            <a:fld id="{BBC1DE02-C006-4F38-873D-E62701AB1734}" type="slidenum">
+              <a:rPr lang="en-NZ" smtClean="0"/>
+              <a:t>12</a:t>
+            </a:fld>
+            <a:endParaRPr lang="en-NZ"/>
+          </a:p>
+        </p:txBody>
+      </p:sp>
+    </p:spTree>
+    <p:extLst>
+      <p:ext uri="{BB962C8B-B14F-4D97-AF65-F5344CB8AC3E}">
+        <p14:creationId xmlns:p14="http://schemas.microsoft.com/office/powerpoint/2010/main" val="4101582748"/>
+      </p:ext>
+    </p:extLst>
+  </p:cSld>
+  <p:clrMapOvr>
+    <a:masterClrMapping/>
+  </p:clrMapOvr>
+</p:notes>
+</file>
+
+<file path=ppt/notesSlides/notesSlide12.xml><?xml version="1.0" encoding="utf-8"?>
+<p:notes xmlns:a="http://schemas.openxmlformats.org/drawingml/2006/main" xmlns:r="http://schemas.openxmlformats.org/officeDocument/2006/relationships" xmlns:p="http://schemas.openxmlformats.org/presentationml/2006/main">
+  <p:cSld>
+    <p:spTree>
+      <p:nvGrpSpPr>
+        <p:cNvPr id="1" name=""/>
+        <p:cNvGrpSpPr/>
+        <p:nvPr/>
+      </p:nvGrpSpPr>
+      <p:grpSpPr>
+        <a:xfrm>
+          <a:off x="0" y="0"/>
+          <a:ext cx="0" cy="0"/>
+          <a:chOff x="0" y="0"/>
+          <a:chExt cx="0" cy="0"/>
+        </a:xfrm>
+      </p:grpSpPr>
+      <p:sp>
+        <p:nvSpPr>
+          <p:cNvPr id="2" name="Slide Image Placeholder 1"/>
+          <p:cNvSpPr>
+            <a:spLocks noGrp="1" noRot="1" noChangeAspect="1"/>
+          </p:cNvSpPr>
+          <p:nvPr>
+            <p:ph type="sldImg"/>
+          </p:nvPr>
+        </p:nvSpPr>
+        <p:spPr/>
+      </p:sp>
+      <p:sp>
+        <p:nvSpPr>
+          <p:cNvPr id="3" name="Notes Placeholder 2"/>
+          <p:cNvSpPr>
+            <a:spLocks noGrp="1"/>
+          </p:cNvSpPr>
+          <p:nvPr>
+            <p:ph type="body" idx="1"/>
+          </p:nvPr>
+        </p:nvSpPr>
+        <p:spPr/>
+        <p:txBody>
+          <a:bodyPr/>
+          <a:lstStyle/>
+          <a:p>
+            <a:pPr marL="171450" indent="-171450">
+              <a:buFont typeface="Arial" panose="020B0604020202020204" pitchFamily="34" charset="0"/>
+              <a:buChar char="•"/>
+            </a:pPr>
+            <a:r>
+              <a:rPr lang="en-NZ" dirty="0" smtClean="0"/>
+              <a:t>This is a common</a:t>
+            </a:r>
+            <a:r>
+              <a:rPr lang="en-NZ" baseline="0" dirty="0" smtClean="0"/>
+              <a:t> Boolean pattern: Start in the more probable state. Check the conditions that falsify it. Return the outcome</a:t>
+            </a:r>
+          </a:p>
+          <a:p>
+            <a:pPr marL="171450" indent="-171450">
+              <a:buFont typeface="Arial" panose="020B0604020202020204" pitchFamily="34" charset="0"/>
+              <a:buChar char="•"/>
+            </a:pPr>
+            <a:endParaRPr lang="en-NZ" dirty="0" smtClean="0"/>
+          </a:p>
+          <a:p>
+            <a:pPr marL="171450" indent="-171450">
+              <a:buFont typeface="Arial" panose="020B0604020202020204" pitchFamily="34" charset="0"/>
+              <a:buChar char="•"/>
+            </a:pPr>
+            <a:r>
+              <a:rPr lang="en-NZ" dirty="0" smtClean="0"/>
+              <a:t>For readable code, get all those bottom edges and right edges into variables before doing the comparisons, don’t do the height and width additions inside the Booleans, it will be too busy</a:t>
+            </a:r>
+          </a:p>
+          <a:p>
+            <a:pPr marL="171450" indent="-171450">
+              <a:buFont typeface="Arial" panose="020B0604020202020204" pitchFamily="34" charset="0"/>
+              <a:buChar char="•"/>
+            </a:pPr>
+            <a:endParaRPr lang="en-NZ" dirty="0" smtClean="0"/>
+          </a:p>
+          <a:p>
+            <a:pPr marL="171450" indent="-171450">
+              <a:buFont typeface="Arial" panose="020B0604020202020204" pitchFamily="34" charset="0"/>
+              <a:buChar char="•"/>
+            </a:pPr>
+            <a:r>
+              <a:rPr lang="en-NZ" b="1" dirty="0" smtClean="0"/>
+              <a:t>Yes, there are built-in</a:t>
+            </a:r>
+            <a:r>
+              <a:rPr lang="en-NZ" b="1" baseline="0" dirty="0" smtClean="0"/>
+              <a:t> methods in .NET you could use, but you should write your own so that you know how if you are ever working in a language that doesn’t have them.</a:t>
+            </a:r>
+            <a:endParaRPr lang="en-NZ" b="1" dirty="0"/>
+          </a:p>
+        </p:txBody>
+      </p:sp>
+      <p:sp>
+        <p:nvSpPr>
+          <p:cNvPr id="4" name="Slide Number Placeholder 3"/>
+          <p:cNvSpPr>
+            <a:spLocks noGrp="1"/>
+          </p:cNvSpPr>
+          <p:nvPr>
+            <p:ph type="sldNum" sz="quarter" idx="10"/>
+          </p:nvPr>
+        </p:nvSpPr>
+        <p:spPr/>
+        <p:txBody>
+          <a:bodyPr/>
+          <a:lstStyle/>
+          <a:p>
+            <a:fld id="{BBC1DE02-C006-4F38-873D-E62701AB1734}" type="slidenum">
+              <a:rPr lang="en-NZ" smtClean="0"/>
+              <a:t>13</a:t>
+            </a:fld>
+            <a:endParaRPr lang="en-NZ"/>
+          </a:p>
+        </p:txBody>
+      </p:sp>
+    </p:spTree>
+    <p:extLst>
+      <p:ext uri="{BB962C8B-B14F-4D97-AF65-F5344CB8AC3E}">
+        <p14:creationId xmlns:p14="http://schemas.microsoft.com/office/powerpoint/2010/main" val="2108463679"/>
+      </p:ext>
+    </p:extLst>
+  </p:cSld>
+  <p:clrMapOvr>
+    <a:masterClrMapping/>
+  </p:clrMapOvr>
+</p:notes>
+</file>
+
+<file path=ppt/notesSlides/notesSlide13.xml><?xml version="1.0" encoding="utf-8"?>
+<p:notes xmlns:a="http://schemas.openxmlformats.org/drawingml/2006/main" xmlns:r="http://schemas.openxmlformats.org/officeDocument/2006/relationships" xmlns:p="http://schemas.openxmlformats.org/presentationml/2006/main">
+  <p:cSld>
+    <p:spTree>
+      <p:nvGrpSpPr>
+        <p:cNvPr id="1" name=""/>
+        <p:cNvGrpSpPr/>
+        <p:nvPr/>
+      </p:nvGrpSpPr>
+      <p:grpSpPr>
+        <a:xfrm>
+          <a:off x="0" y="0"/>
+          <a:ext cx="0" cy="0"/>
+          <a:chOff x="0" y="0"/>
+          <a:chExt cx="0" cy="0"/>
+        </a:xfrm>
+      </p:grpSpPr>
+      <p:sp>
+        <p:nvSpPr>
+          <p:cNvPr id="2" name="Slide Image Placeholder 1"/>
+          <p:cNvSpPr>
+            <a:spLocks noGrp="1" noRot="1" noChangeAspect="1"/>
+          </p:cNvSpPr>
+          <p:nvPr>
+            <p:ph type="sldImg"/>
+          </p:nvPr>
+        </p:nvSpPr>
+        <p:spPr/>
+      </p:sp>
+      <p:sp>
+        <p:nvSpPr>
+          <p:cNvPr id="3" name="Notes Placeholder 2"/>
+          <p:cNvSpPr>
+            <a:spLocks noGrp="1"/>
+          </p:cNvSpPr>
+          <p:nvPr>
+            <p:ph type="body" idx="1"/>
+          </p:nvPr>
+        </p:nvSpPr>
+        <p:spPr/>
+        <p:txBody>
+          <a:bodyPr/>
+          <a:lstStyle/>
+          <a:p>
+            <a:pPr marL="171450" indent="-171450">
+              <a:buFont typeface="Arial" charset="0"/>
+              <a:buChar char="•"/>
+            </a:pPr>
+            <a:r>
+              <a:rPr lang="en-NZ" sz="1200" kern="1200" dirty="0" smtClean="0">
+                <a:solidFill>
+                  <a:schemeClr val="tx1"/>
+                </a:solidFill>
+                <a:effectLst/>
+                <a:latin typeface="+mn-lt"/>
+                <a:ea typeface="+mn-ea"/>
+                <a:cs typeface="+mn-cs"/>
+              </a:rPr>
+              <a:t>This should be a method of Sprite, since he has the most direct access to his location and dimensions</a:t>
+            </a:r>
+          </a:p>
+          <a:p>
+            <a:pPr marL="171450" indent="-171450">
+              <a:buFont typeface="Arial" charset="0"/>
+              <a:buChar char="•"/>
+            </a:pPr>
+            <a:endParaRPr lang="en-NZ" sz="1200" kern="1200" dirty="0" smtClean="0">
+              <a:solidFill>
+                <a:schemeClr val="tx1"/>
+              </a:solidFill>
+              <a:effectLst/>
+              <a:latin typeface="+mn-lt"/>
+              <a:ea typeface="+mn-ea"/>
+              <a:cs typeface="+mn-cs"/>
+            </a:endParaRPr>
+          </a:p>
+          <a:p>
+            <a:pPr marL="171450" indent="-171450">
+              <a:buFont typeface="Arial" charset="0"/>
+              <a:buChar char="•"/>
+            </a:pPr>
+            <a:r>
+              <a:rPr lang="en-NZ" sz="1200" kern="1200" dirty="0" smtClean="0">
+                <a:solidFill>
+                  <a:schemeClr val="tx1"/>
+                </a:solidFill>
+                <a:effectLst/>
+                <a:latin typeface="+mn-lt"/>
+                <a:ea typeface="+mn-ea"/>
+                <a:cs typeface="+mn-cs"/>
+              </a:rPr>
+              <a:t>Because there are two sprites involved, you will need to call the method on one instance and pass the other instance in</a:t>
+            </a:r>
+          </a:p>
+          <a:p>
+            <a:pPr marL="171450" indent="-171450">
+              <a:buFont typeface="Arial" charset="0"/>
+              <a:buChar char="•"/>
+            </a:pPr>
+            <a:endParaRPr lang="en-NZ" sz="1200" kern="1200" dirty="0" smtClean="0">
+              <a:solidFill>
+                <a:schemeClr val="tx1"/>
+              </a:solidFill>
+              <a:effectLst/>
+              <a:latin typeface="+mn-lt"/>
+              <a:ea typeface="+mn-ea"/>
+              <a:cs typeface="+mn-cs"/>
+            </a:endParaRPr>
+          </a:p>
+          <a:p>
+            <a:pPr marL="171450" indent="-171450">
+              <a:buFont typeface="Arial" charset="0"/>
+              <a:buChar char="•"/>
+            </a:pPr>
+            <a:r>
+              <a:rPr lang="en-NZ" sz="1200" kern="1200" dirty="0" smtClean="0">
+                <a:solidFill>
+                  <a:schemeClr val="tx1"/>
+                </a:solidFill>
+                <a:effectLst/>
+                <a:latin typeface="+mn-lt"/>
+                <a:ea typeface="+mn-ea"/>
+                <a:cs typeface="+mn-cs"/>
+              </a:rPr>
+              <a:t>Pass your Sprite the other guy and ask him if he and the other guy have collided</a:t>
+            </a:r>
+          </a:p>
+        </p:txBody>
+      </p:sp>
+      <p:sp>
+        <p:nvSpPr>
+          <p:cNvPr id="4" name="Slide Number Placeholder 3"/>
+          <p:cNvSpPr>
+            <a:spLocks noGrp="1"/>
+          </p:cNvSpPr>
+          <p:nvPr>
+            <p:ph type="sldNum" sz="quarter" idx="10"/>
+          </p:nvPr>
+        </p:nvSpPr>
+        <p:spPr/>
+        <p:txBody>
+          <a:bodyPr/>
+          <a:lstStyle/>
+          <a:p>
+            <a:fld id="{BBC1DE02-C006-4F38-873D-E62701AB1734}" type="slidenum">
+              <a:rPr lang="en-NZ" smtClean="0"/>
+              <a:t>14</a:t>
+            </a:fld>
+            <a:endParaRPr lang="en-NZ"/>
+          </a:p>
+        </p:txBody>
+      </p:sp>
+    </p:spTree>
+    <p:extLst>
+      <p:ext uri="{BB962C8B-B14F-4D97-AF65-F5344CB8AC3E}">
+        <p14:creationId xmlns:p14="http://schemas.microsoft.com/office/powerpoint/2010/main" val="4113386174"/>
+      </p:ext>
+    </p:extLst>
+  </p:cSld>
+  <p:clrMapOvr>
+    <a:masterClrMapping/>
+  </p:clrMapOvr>
+</p:notes>
+</file>
+
+<file path=ppt/notesSlides/notesSlide14.xml><?xml version="1.0" encoding="utf-8"?>
+<p:notes xmlns:a="http://schemas.openxmlformats.org/drawingml/2006/main" xmlns:r="http://schemas.openxmlformats.org/officeDocument/2006/relationships" xmlns:p="http://schemas.openxmlformats.org/presentationml/2006/main">
+  <p:cSld>
+    <p:spTree>
+      <p:nvGrpSpPr>
+        <p:cNvPr id="1" name=""/>
+        <p:cNvGrpSpPr/>
+        <p:nvPr/>
+      </p:nvGrpSpPr>
+      <p:grpSpPr>
+        <a:xfrm>
+          <a:off x="0" y="0"/>
+          <a:ext cx="0" cy="0"/>
+          <a:chOff x="0" y="0"/>
+          <a:chExt cx="0" cy="0"/>
+        </a:xfrm>
+      </p:grpSpPr>
+      <p:sp>
+        <p:nvSpPr>
+          <p:cNvPr id="2" name="Slide Image Placeholder 1"/>
+          <p:cNvSpPr>
+            <a:spLocks noGrp="1" noRot="1" noChangeAspect="1"/>
+          </p:cNvSpPr>
+          <p:nvPr>
+            <p:ph type="sldImg"/>
+          </p:nvPr>
+        </p:nvSpPr>
+        <p:spPr/>
+      </p:sp>
+      <p:sp>
+        <p:nvSpPr>
+          <p:cNvPr id="3" name="Notes Placeholder 2"/>
+          <p:cNvSpPr>
+            <a:spLocks noGrp="1"/>
+          </p:cNvSpPr>
+          <p:nvPr>
+            <p:ph type="body" idx="1"/>
+          </p:nvPr>
+        </p:nvSpPr>
+        <p:spPr/>
+        <p:txBody>
+          <a:bodyPr/>
+          <a:lstStyle/>
+          <a:p>
+            <a:pPr marL="171450" indent="-171450">
+              <a:buFont typeface="Arial" charset="0"/>
+              <a:buChar char="•"/>
+            </a:pPr>
+            <a:r>
+              <a:rPr lang="en-NZ" sz="1200" kern="1200" dirty="0" smtClean="0">
+                <a:solidFill>
+                  <a:schemeClr val="tx1"/>
+                </a:solidFill>
+                <a:effectLst/>
+                <a:latin typeface="+mn-lt"/>
+                <a:ea typeface="+mn-ea"/>
+                <a:cs typeface="+mn-cs"/>
+              </a:rPr>
+              <a:t>What about when we have a list of sprites to compare?</a:t>
+            </a:r>
+          </a:p>
+          <a:p>
+            <a:pPr marL="171450" indent="-171450">
+              <a:buFont typeface="Arial" charset="0"/>
+              <a:buChar char="•"/>
+            </a:pPr>
+            <a:endParaRPr lang="en-NZ" sz="1200" kern="1200" dirty="0" smtClean="0">
+              <a:solidFill>
+                <a:schemeClr val="tx1"/>
+              </a:solidFill>
+              <a:effectLst/>
+              <a:latin typeface="+mn-lt"/>
+              <a:ea typeface="+mn-ea"/>
+              <a:cs typeface="+mn-cs"/>
+            </a:endParaRPr>
+          </a:p>
+          <a:p>
+            <a:pPr marL="171450" indent="-171450">
+              <a:buFont typeface="Arial" charset="0"/>
+              <a:buChar char="•"/>
+            </a:pPr>
+            <a:r>
+              <a:rPr lang="en-NZ" sz="1200" kern="1200" dirty="0" smtClean="0">
+                <a:solidFill>
+                  <a:schemeClr val="tx1"/>
+                </a:solidFill>
+                <a:effectLst/>
+                <a:latin typeface="+mn-lt"/>
+                <a:ea typeface="+mn-ea"/>
+                <a:cs typeface="+mn-cs"/>
+              </a:rPr>
+              <a:t>For example, we might want to compare the player character against all the enemies</a:t>
+            </a:r>
+          </a:p>
+          <a:p>
+            <a:pPr marL="171450" indent="-171450">
+              <a:buFont typeface="Arial" charset="0"/>
+              <a:buChar char="•"/>
+            </a:pPr>
+            <a:endParaRPr lang="en-NZ" sz="1200" kern="1200" dirty="0" smtClean="0">
+              <a:solidFill>
+                <a:schemeClr val="tx1"/>
+              </a:solidFill>
+              <a:effectLst/>
+              <a:latin typeface="+mn-lt"/>
+              <a:ea typeface="+mn-ea"/>
+              <a:cs typeface="+mn-cs"/>
+            </a:endParaRPr>
+          </a:p>
+          <a:p>
+            <a:pPr marL="171450" indent="-171450">
+              <a:buFont typeface="Arial" charset="0"/>
+              <a:buChar char="•"/>
+            </a:pPr>
+            <a:r>
+              <a:rPr lang="en-NZ" sz="1200" kern="1200" dirty="0" smtClean="0">
+                <a:solidFill>
+                  <a:schemeClr val="tx1"/>
+                </a:solidFill>
+                <a:effectLst/>
+                <a:latin typeface="+mn-lt"/>
+                <a:ea typeface="+mn-ea"/>
+                <a:cs typeface="+mn-cs"/>
+              </a:rPr>
+              <a:t>It is easier to pass one guy into the list than to query the list for each element and pass it to the one guy</a:t>
+            </a:r>
+          </a:p>
+          <a:p>
+            <a:pPr marL="171450" indent="-171450">
+              <a:buFont typeface="Arial" charset="0"/>
+              <a:buChar char="•"/>
+            </a:pPr>
+            <a:endParaRPr lang="en-NZ" sz="1200" kern="1200" dirty="0" smtClean="0">
+              <a:solidFill>
+                <a:schemeClr val="tx1"/>
+              </a:solidFill>
+              <a:effectLst/>
+              <a:latin typeface="+mn-lt"/>
+              <a:ea typeface="+mn-ea"/>
+              <a:cs typeface="+mn-cs"/>
+            </a:endParaRPr>
+          </a:p>
+          <a:p>
+            <a:pPr marL="171450" indent="-171450">
+              <a:buFont typeface="Arial" charset="0"/>
+              <a:buChar char="•"/>
+            </a:pPr>
+            <a:r>
+              <a:rPr lang="en-NZ" sz="1200" kern="1200" dirty="0" smtClean="0">
+                <a:solidFill>
+                  <a:schemeClr val="tx1"/>
+                </a:solidFill>
+                <a:effectLst/>
+                <a:latin typeface="+mn-lt"/>
+                <a:ea typeface="+mn-ea"/>
+                <a:cs typeface="+mn-cs"/>
+              </a:rPr>
+              <a:t>Yes, this will not be perfect if there are two simultaneous collisions</a:t>
+            </a:r>
+          </a:p>
+          <a:p>
+            <a:pPr marL="171450" indent="-171450">
+              <a:buFont typeface="Arial" charset="0"/>
+              <a:buChar char="•"/>
+            </a:pPr>
+            <a:endParaRPr lang="en-NZ" sz="1200" kern="1200" dirty="0" smtClean="0">
+              <a:solidFill>
+                <a:schemeClr val="tx1"/>
+              </a:solidFill>
+              <a:effectLst/>
+              <a:latin typeface="+mn-lt"/>
+              <a:ea typeface="+mn-ea"/>
+              <a:cs typeface="+mn-cs"/>
+            </a:endParaRPr>
+          </a:p>
+          <a:p>
+            <a:pPr marL="171450" indent="-171450">
+              <a:buFont typeface="Arial" charset="0"/>
+              <a:buChar char="•"/>
+            </a:pPr>
+            <a:r>
+              <a:rPr lang="en-NZ" sz="1200" kern="1200" dirty="0" smtClean="0">
+                <a:solidFill>
+                  <a:schemeClr val="tx1"/>
+                </a:solidFill>
+                <a:effectLst/>
+                <a:latin typeface="+mn-lt"/>
+                <a:ea typeface="+mn-ea"/>
+                <a:cs typeface="+mn-cs"/>
+              </a:rPr>
+              <a:t>If it’s critical, you could write the code to build and return a linked list of </a:t>
+            </a:r>
+            <a:r>
+              <a:rPr lang="en-NZ" sz="1200" kern="1200" dirty="0" err="1" smtClean="0">
+                <a:solidFill>
+                  <a:schemeClr val="tx1"/>
+                </a:solidFill>
+                <a:effectLst/>
+                <a:latin typeface="+mn-lt"/>
+                <a:ea typeface="+mn-ea"/>
+                <a:cs typeface="+mn-cs"/>
+              </a:rPr>
+              <a:t>collidedWith</a:t>
+            </a:r>
+            <a:endParaRPr lang="en-NZ" sz="1200" kern="1200" dirty="0" smtClean="0">
+              <a:solidFill>
+                <a:schemeClr val="tx1"/>
+              </a:solidFill>
+              <a:effectLst/>
+              <a:latin typeface="+mn-lt"/>
+              <a:ea typeface="+mn-ea"/>
+              <a:cs typeface="+mn-cs"/>
+            </a:endParaRPr>
+          </a:p>
+          <a:p>
+            <a:pPr marL="171450" indent="-171450">
+              <a:buFont typeface="Arial" charset="0"/>
+              <a:buChar char="•"/>
+            </a:pPr>
+            <a:endParaRPr lang="en-NZ" sz="1200" kern="1200" dirty="0" smtClean="0">
+              <a:solidFill>
+                <a:schemeClr val="tx1"/>
+              </a:solidFill>
+              <a:effectLst/>
+              <a:latin typeface="+mn-lt"/>
+              <a:ea typeface="+mn-ea"/>
+              <a:cs typeface="+mn-cs"/>
+            </a:endParaRPr>
+          </a:p>
+          <a:p>
+            <a:pPr marL="171450" indent="-171450">
+              <a:buFont typeface="Arial" charset="0"/>
+              <a:buChar char="•"/>
+            </a:pPr>
+            <a:r>
+              <a:rPr lang="en-NZ" sz="1200" kern="1200" dirty="0" smtClean="0">
+                <a:solidFill>
+                  <a:schemeClr val="tx1"/>
+                </a:solidFill>
+                <a:effectLst/>
+                <a:latin typeface="+mn-lt"/>
+                <a:ea typeface="+mn-ea"/>
+                <a:cs typeface="+mn-cs"/>
+              </a:rPr>
+              <a:t>The approach illustrated here is acceptable for our purposes</a:t>
+            </a:r>
+          </a:p>
+        </p:txBody>
+      </p:sp>
+      <p:sp>
+        <p:nvSpPr>
+          <p:cNvPr id="4" name="Slide Number Placeholder 3"/>
+          <p:cNvSpPr>
+            <a:spLocks noGrp="1"/>
+          </p:cNvSpPr>
+          <p:nvPr>
+            <p:ph type="sldNum" sz="quarter" idx="10"/>
+          </p:nvPr>
+        </p:nvSpPr>
+        <p:spPr/>
+        <p:txBody>
+          <a:bodyPr/>
+          <a:lstStyle/>
+          <a:p>
+            <a:fld id="{BBC1DE02-C006-4F38-873D-E62701AB1734}" type="slidenum">
+              <a:rPr lang="en-NZ" smtClean="0"/>
+              <a:t>15</a:t>
+            </a:fld>
+            <a:endParaRPr lang="en-NZ"/>
+          </a:p>
+        </p:txBody>
+      </p:sp>
+    </p:spTree>
+    <p:extLst>
+      <p:ext uri="{BB962C8B-B14F-4D97-AF65-F5344CB8AC3E}">
+        <p14:creationId xmlns:p14="http://schemas.microsoft.com/office/powerpoint/2010/main" val="480621620"/>
+      </p:ext>
+    </p:extLst>
+  </p:cSld>
+  <p:clrMapOvr>
+    <a:masterClrMapping/>
+  </p:clrMapOvr>
+</p:notes>
+</file>
+
+<file path=ppt/notesSlides/notesSlide15.xml><?xml version="1.0" encoding="utf-8"?>
+<p:notes xmlns:a="http://schemas.openxmlformats.org/drawingml/2006/main" xmlns:r="http://schemas.openxmlformats.org/officeDocument/2006/relationships" xmlns:p="http://schemas.openxmlformats.org/presentationml/2006/main">
+  <p:cSld>
+    <p:spTree>
+      <p:nvGrpSpPr>
+        <p:cNvPr id="1" name=""/>
+        <p:cNvGrpSpPr/>
+        <p:nvPr/>
+      </p:nvGrpSpPr>
+      <p:grpSpPr>
+        <a:xfrm>
+          <a:off x="0" y="0"/>
+          <a:ext cx="0" cy="0"/>
+          <a:chOff x="0" y="0"/>
+          <a:chExt cx="0" cy="0"/>
+        </a:xfrm>
+      </p:grpSpPr>
+      <p:sp>
+        <p:nvSpPr>
+          <p:cNvPr id="2" name="Slide Image Placeholder 1"/>
+          <p:cNvSpPr>
+            <a:spLocks noGrp="1" noRot="1" noChangeAspect="1"/>
+          </p:cNvSpPr>
+          <p:nvPr>
+            <p:ph type="sldImg"/>
+          </p:nvPr>
+        </p:nvSpPr>
+        <p:spPr/>
+      </p:sp>
+      <p:sp>
+        <p:nvSpPr>
+          <p:cNvPr id="3" name="Notes Placeholder 2"/>
+          <p:cNvSpPr>
+            <a:spLocks noGrp="1"/>
+          </p:cNvSpPr>
+          <p:nvPr>
+            <p:ph type="body" idx="1"/>
+          </p:nvPr>
+        </p:nvSpPr>
+        <p:spPr/>
+        <p:txBody>
+          <a:bodyPr/>
+          <a:lstStyle/>
+          <a:p>
+            <a:pPr marL="171450" indent="-171450">
+              <a:buFont typeface="Arial" charset="0"/>
+              <a:buChar char="•"/>
+            </a:pPr>
+            <a:r>
+              <a:rPr lang="en-NZ" sz="1200" kern="1200" dirty="0" smtClean="0">
+                <a:solidFill>
+                  <a:schemeClr val="tx1"/>
+                </a:solidFill>
+                <a:effectLst/>
+                <a:latin typeface="+mn-lt"/>
+                <a:ea typeface="+mn-ea"/>
+                <a:cs typeface="+mn-cs"/>
+              </a:rPr>
+              <a:t>Most sprites have a large rectangular border of transparent pixels</a:t>
+            </a:r>
+          </a:p>
+          <a:p>
+            <a:pPr marL="171450" indent="-171450">
+              <a:buFont typeface="Arial" charset="0"/>
+              <a:buChar char="•"/>
+            </a:pPr>
+            <a:endParaRPr lang="en-NZ" sz="1200" kern="1200" dirty="0" smtClean="0">
+              <a:solidFill>
+                <a:schemeClr val="tx1"/>
+              </a:solidFill>
+              <a:effectLst/>
+              <a:latin typeface="+mn-lt"/>
+              <a:ea typeface="+mn-ea"/>
+              <a:cs typeface="+mn-cs"/>
+            </a:endParaRPr>
+          </a:p>
+          <a:p>
+            <a:pPr marL="171450" indent="-171450">
+              <a:buFont typeface="Arial" charset="0"/>
+              <a:buChar char="•"/>
+            </a:pPr>
+            <a:r>
+              <a:rPr lang="en-NZ" sz="1200" kern="1200" dirty="0" smtClean="0">
+                <a:solidFill>
+                  <a:schemeClr val="tx1"/>
+                </a:solidFill>
+                <a:effectLst/>
+                <a:latin typeface="+mn-lt"/>
+                <a:ea typeface="+mn-ea"/>
+                <a:cs typeface="+mn-cs"/>
+              </a:rPr>
+              <a:t>These will cause false alarms in a simple collision detection algorithm</a:t>
+            </a:r>
+          </a:p>
+          <a:p>
+            <a:pPr marL="171450" indent="-171450">
+              <a:buFont typeface="Arial" charset="0"/>
+              <a:buChar char="•"/>
+            </a:pPr>
+            <a:endParaRPr lang="en-NZ" sz="1200" kern="1200" dirty="0" smtClean="0">
+              <a:solidFill>
+                <a:schemeClr val="tx1"/>
+              </a:solidFill>
+              <a:effectLst/>
+              <a:latin typeface="+mn-lt"/>
+              <a:ea typeface="+mn-ea"/>
+              <a:cs typeface="+mn-cs"/>
+            </a:endParaRPr>
+          </a:p>
+          <a:p>
+            <a:pPr marL="171450" indent="-171450">
+              <a:buFont typeface="Arial" charset="0"/>
+              <a:buChar char="•"/>
+            </a:pPr>
+            <a:r>
+              <a:rPr lang="en-NZ" sz="1200" kern="1200" dirty="0" smtClean="0">
+                <a:solidFill>
+                  <a:schemeClr val="tx1"/>
+                </a:solidFill>
+                <a:effectLst/>
+                <a:latin typeface="+mn-lt"/>
+                <a:ea typeface="+mn-ea"/>
+                <a:cs typeface="+mn-cs"/>
+              </a:rPr>
+              <a:t>Improve them by comparing, not the image borders, but some proportional reduction (10% to 30% usually, depending on your sprites)</a:t>
+            </a:r>
+          </a:p>
+          <a:p>
+            <a:pPr marL="171450" indent="-171450">
+              <a:buFont typeface="Arial" charset="0"/>
+              <a:buChar char="•"/>
+            </a:pPr>
+            <a:endParaRPr lang="en-NZ" sz="1200" kern="1200" dirty="0" smtClean="0">
+              <a:solidFill>
+                <a:schemeClr val="tx1"/>
+              </a:solidFill>
+              <a:effectLst/>
+              <a:latin typeface="+mn-lt"/>
+              <a:ea typeface="+mn-ea"/>
+              <a:cs typeface="+mn-cs"/>
+            </a:endParaRPr>
+          </a:p>
+          <a:p>
+            <a:pPr marL="171450" indent="-171450">
+              <a:buFont typeface="Arial" charset="0"/>
+              <a:buChar char="•"/>
+            </a:pPr>
+            <a:r>
+              <a:rPr lang="en-NZ" sz="1200" kern="1200" dirty="0" smtClean="0">
+                <a:solidFill>
+                  <a:schemeClr val="tx1"/>
+                </a:solidFill>
+                <a:effectLst/>
+                <a:latin typeface="+mn-lt"/>
+                <a:ea typeface="+mn-ea"/>
+                <a:cs typeface="+mn-cs"/>
+              </a:rPr>
+              <a:t>Each sprite needs its own reduction term depending on its images, so you will need to add it as a class property</a:t>
+            </a:r>
+          </a:p>
+          <a:p>
+            <a:pPr marL="171450" indent="-171450">
+              <a:buFont typeface="Arial" charset="0"/>
+              <a:buChar char="•"/>
+            </a:pPr>
+            <a:endParaRPr lang="en-NZ" sz="1200" kern="1200" dirty="0" smtClean="0">
+              <a:solidFill>
+                <a:schemeClr val="tx1"/>
+              </a:solidFill>
+              <a:effectLst/>
+              <a:latin typeface="+mn-lt"/>
+              <a:ea typeface="+mn-ea"/>
+              <a:cs typeface="+mn-cs"/>
+            </a:endParaRPr>
+          </a:p>
+          <a:p>
+            <a:pPr marL="171450" indent="-171450">
+              <a:buFont typeface="Arial" charset="0"/>
+              <a:buChar char="•"/>
+            </a:pPr>
+            <a:r>
+              <a:rPr lang="en-NZ" sz="1200" kern="1200" dirty="0" smtClean="0">
+                <a:solidFill>
+                  <a:schemeClr val="tx1"/>
+                </a:solidFill>
+                <a:effectLst/>
+                <a:latin typeface="+mn-lt"/>
+                <a:ea typeface="+mn-ea"/>
+                <a:cs typeface="+mn-cs"/>
+              </a:rPr>
+              <a:t>Don’t bring it in too much, or you’ll miss</a:t>
+            </a:r>
+          </a:p>
+          <a:p>
+            <a:pPr marL="171450" indent="-171450">
+              <a:buFont typeface="Arial" charset="0"/>
+              <a:buChar char="•"/>
+            </a:pPr>
+            <a:endParaRPr lang="en-NZ" sz="1200" kern="1200" dirty="0" smtClean="0">
+              <a:solidFill>
+                <a:schemeClr val="tx1"/>
+              </a:solidFill>
+              <a:effectLst/>
+              <a:latin typeface="+mn-lt"/>
+              <a:ea typeface="+mn-ea"/>
+              <a:cs typeface="+mn-cs"/>
+            </a:endParaRPr>
+          </a:p>
+          <a:p>
+            <a:pPr marL="171450" indent="-171450">
+              <a:buFont typeface="Arial" charset="0"/>
+              <a:buChar char="•"/>
+            </a:pPr>
+            <a:r>
+              <a:rPr lang="en-NZ" sz="1200" kern="1200" dirty="0" smtClean="0">
+                <a:solidFill>
+                  <a:schemeClr val="tx1"/>
+                </a:solidFill>
+                <a:effectLst/>
+                <a:latin typeface="+mn-lt"/>
+                <a:ea typeface="+mn-ea"/>
+                <a:cs typeface="+mn-cs"/>
+              </a:rPr>
+              <a:t>Make the proportional reduction a parameter to the collide method (left as an exercise)</a:t>
+            </a:r>
+          </a:p>
+          <a:p>
+            <a:pPr marL="171450" indent="-171450">
+              <a:buFont typeface="Arial" charset="0"/>
+              <a:buChar char="•"/>
+            </a:pPr>
+            <a:endParaRPr lang="en-NZ" sz="1200" kern="1200" dirty="0" smtClean="0">
+              <a:solidFill>
+                <a:schemeClr val="tx1"/>
+              </a:solidFill>
+              <a:effectLst/>
+              <a:latin typeface="+mn-lt"/>
+              <a:ea typeface="+mn-ea"/>
+              <a:cs typeface="+mn-cs"/>
+            </a:endParaRPr>
+          </a:p>
+          <a:p>
+            <a:pPr marL="171450" indent="-171450">
+              <a:buFont typeface="Arial" charset="0"/>
+              <a:buChar char="•"/>
+            </a:pPr>
+            <a:r>
+              <a:rPr lang="en-NZ" sz="1200" kern="1200" dirty="0" smtClean="0">
+                <a:solidFill>
+                  <a:schemeClr val="tx1"/>
+                </a:solidFill>
+                <a:effectLst/>
+                <a:latin typeface="+mn-lt"/>
+                <a:ea typeface="+mn-ea"/>
+                <a:cs typeface="+mn-cs"/>
+              </a:rPr>
+              <a:t>Experiment to find the correct proportional reduction</a:t>
+            </a:r>
+          </a:p>
+        </p:txBody>
+      </p:sp>
+      <p:sp>
+        <p:nvSpPr>
+          <p:cNvPr id="4" name="Slide Number Placeholder 3"/>
+          <p:cNvSpPr>
+            <a:spLocks noGrp="1"/>
+          </p:cNvSpPr>
+          <p:nvPr>
+            <p:ph type="sldNum" sz="quarter" idx="10"/>
+          </p:nvPr>
+        </p:nvSpPr>
+        <p:spPr/>
+        <p:txBody>
+          <a:bodyPr/>
+          <a:lstStyle/>
+          <a:p>
+            <a:fld id="{BBC1DE02-C006-4F38-873D-E62701AB1734}" type="slidenum">
+              <a:rPr lang="en-NZ" smtClean="0"/>
+              <a:t>16</a:t>
+            </a:fld>
+            <a:endParaRPr lang="en-NZ"/>
+          </a:p>
+        </p:txBody>
+      </p:sp>
+    </p:spTree>
+    <p:extLst>
+      <p:ext uri="{BB962C8B-B14F-4D97-AF65-F5344CB8AC3E}">
+        <p14:creationId xmlns:p14="http://schemas.microsoft.com/office/powerpoint/2010/main" val="1632815902"/>
+      </p:ext>
+    </p:extLst>
+  </p:cSld>
+  <p:clrMapOvr>
+    <a:masterClrMapping/>
+  </p:clrMapOvr>
+</p:notes>
+</file>
+
+<file path=ppt/notesSlides/notesSlide16.xml><?xml version="1.0" encoding="utf-8"?>
+<p:notes xmlns:a="http://schemas.openxmlformats.org/drawingml/2006/main" xmlns:r="http://schemas.openxmlformats.org/officeDocument/2006/relationships" xmlns:p="http://schemas.openxmlformats.org/presentationml/2006/main">
+  <p:cSld>
+    <p:spTree>
+      <p:nvGrpSpPr>
+        <p:cNvPr id="1" name=""/>
+        <p:cNvGrpSpPr/>
+        <p:nvPr/>
+      </p:nvGrpSpPr>
+      <p:grpSpPr>
+        <a:xfrm>
+          <a:off x="0" y="0"/>
+          <a:ext cx="0" cy="0"/>
+          <a:chOff x="0" y="0"/>
+          <a:chExt cx="0" cy="0"/>
+        </a:xfrm>
+      </p:grpSpPr>
+      <p:sp>
+        <p:nvSpPr>
+          <p:cNvPr id="2" name="Slide Image Placeholder 1"/>
+          <p:cNvSpPr>
+            <a:spLocks noGrp="1" noRot="1" noChangeAspect="1"/>
+          </p:cNvSpPr>
+          <p:nvPr>
+            <p:ph type="sldImg"/>
+          </p:nvPr>
+        </p:nvSpPr>
+        <p:spPr/>
+      </p:sp>
+      <p:sp>
+        <p:nvSpPr>
+          <p:cNvPr id="3" name="Notes Placeholder 2"/>
+          <p:cNvSpPr>
+            <a:spLocks noGrp="1"/>
+          </p:cNvSpPr>
+          <p:nvPr>
+            <p:ph type="body" idx="1"/>
+          </p:nvPr>
+        </p:nvSpPr>
+        <p:spPr/>
+        <p:txBody>
+          <a:bodyPr/>
+          <a:lstStyle/>
+          <a:p>
+            <a:pPr marL="171450" indent="-171450">
+              <a:buFont typeface="Arial" charset="0"/>
+              <a:buChar char="•"/>
+            </a:pPr>
+            <a:r>
+              <a:rPr lang="en-NZ" sz="1200" kern="1200" dirty="0" smtClean="0">
+                <a:solidFill>
+                  <a:schemeClr val="tx1"/>
+                </a:solidFill>
+                <a:effectLst/>
+                <a:latin typeface="+mn-lt"/>
+                <a:ea typeface="+mn-ea"/>
+                <a:cs typeface="+mn-cs"/>
+              </a:rPr>
+              <a:t>As you are trying to balance computational load and accuracy, you may consider an intermediate approach</a:t>
+            </a:r>
+          </a:p>
+          <a:p>
+            <a:pPr marL="171450" indent="-171450">
+              <a:buFont typeface="Arial" charset="0"/>
+              <a:buChar char="•"/>
+            </a:pPr>
+            <a:endParaRPr lang="en-NZ" sz="1200" kern="1200" dirty="0" smtClean="0">
+              <a:solidFill>
+                <a:schemeClr val="tx1"/>
+              </a:solidFill>
+              <a:effectLst/>
+              <a:latin typeface="+mn-lt"/>
+              <a:ea typeface="+mn-ea"/>
+              <a:cs typeface="+mn-cs"/>
+            </a:endParaRPr>
+          </a:p>
+          <a:p>
+            <a:pPr marL="171450" indent="-171450">
+              <a:buFont typeface="Arial" charset="0"/>
+              <a:buChar char="•"/>
+            </a:pPr>
+            <a:r>
+              <a:rPr lang="en-NZ" sz="1200" kern="1200" dirty="0" smtClean="0">
+                <a:solidFill>
+                  <a:schemeClr val="tx1"/>
+                </a:solidFill>
+                <a:effectLst/>
+                <a:latin typeface="+mn-lt"/>
+                <a:ea typeface="+mn-ea"/>
+                <a:cs typeface="+mn-cs"/>
+              </a:rPr>
+              <a:t>For the actual requirements of this class, bounding rectangle with reduction is good enough</a:t>
+            </a:r>
+          </a:p>
+        </p:txBody>
+      </p:sp>
+      <p:sp>
+        <p:nvSpPr>
+          <p:cNvPr id="4" name="Slide Number Placeholder 3"/>
+          <p:cNvSpPr>
+            <a:spLocks noGrp="1"/>
+          </p:cNvSpPr>
+          <p:nvPr>
+            <p:ph type="sldNum" sz="quarter" idx="10"/>
+          </p:nvPr>
+        </p:nvSpPr>
+        <p:spPr/>
+        <p:txBody>
+          <a:bodyPr/>
+          <a:lstStyle/>
+          <a:p>
+            <a:fld id="{BBC1DE02-C006-4F38-873D-E62701AB1734}" type="slidenum">
+              <a:rPr lang="en-NZ" smtClean="0"/>
+              <a:t>17</a:t>
+            </a:fld>
+            <a:endParaRPr lang="en-NZ"/>
+          </a:p>
+        </p:txBody>
+      </p:sp>
+    </p:spTree>
+    <p:extLst>
+      <p:ext uri="{BB962C8B-B14F-4D97-AF65-F5344CB8AC3E}">
+        <p14:creationId xmlns:p14="http://schemas.microsoft.com/office/powerpoint/2010/main" val="1023628258"/>
+      </p:ext>
+    </p:extLst>
+  </p:cSld>
+  <p:clrMapOvr>
+    <a:masterClrMapping/>
+  </p:clrMapOvr>
+</p:notes>
+</file>
+
+<file path=ppt/notesSlides/notesSlide17.xml><?xml version="1.0" encoding="utf-8"?>
+<p:notes xmlns:a="http://schemas.openxmlformats.org/drawingml/2006/main" xmlns:r="http://schemas.openxmlformats.org/officeDocument/2006/relationships" xmlns:p="http://schemas.openxmlformats.org/presentationml/2006/main">
+  <p:cSld>
+    <p:spTree>
+      <p:nvGrpSpPr>
+        <p:cNvPr id="1" name=""/>
+        <p:cNvGrpSpPr/>
+        <p:nvPr/>
+      </p:nvGrpSpPr>
+      <p:grpSpPr>
+        <a:xfrm>
+          <a:off x="0" y="0"/>
+          <a:ext cx="0" cy="0"/>
+          <a:chOff x="0" y="0"/>
+          <a:chExt cx="0" cy="0"/>
+        </a:xfrm>
+      </p:grpSpPr>
+      <p:sp>
+        <p:nvSpPr>
+          <p:cNvPr id="2" name="Slide Image Placeholder 1"/>
+          <p:cNvSpPr>
+            <a:spLocks noGrp="1" noRot="1" noChangeAspect="1"/>
+          </p:cNvSpPr>
+          <p:nvPr>
+            <p:ph type="sldImg"/>
+          </p:nvPr>
+        </p:nvSpPr>
+        <p:spPr/>
+      </p:sp>
+      <p:sp>
+        <p:nvSpPr>
+          <p:cNvPr id="3" name="Notes Placeholder 2"/>
+          <p:cNvSpPr>
+            <a:spLocks noGrp="1"/>
+          </p:cNvSpPr>
+          <p:nvPr>
+            <p:ph type="body" idx="1"/>
+          </p:nvPr>
+        </p:nvSpPr>
+        <p:spPr/>
+        <p:txBody>
+          <a:bodyPr/>
+          <a:lstStyle/>
+          <a:p>
+            <a:pPr marL="171450" indent="-171450">
+              <a:buFont typeface="Arial" charset="0"/>
+              <a:buChar char="•"/>
+            </a:pPr>
+            <a:r>
+              <a:rPr lang="en-NZ" sz="1200" kern="1200" dirty="0" smtClean="0">
+                <a:solidFill>
+                  <a:schemeClr val="tx1"/>
+                </a:solidFill>
+                <a:effectLst/>
+                <a:latin typeface="+mn-lt"/>
+                <a:ea typeface="+mn-ea"/>
+                <a:cs typeface="+mn-cs"/>
+              </a:rPr>
+              <a:t>Build an application with a player character under keyboard control, and a list of NPC sprites</a:t>
+            </a:r>
+          </a:p>
+          <a:p>
+            <a:pPr marL="171450" indent="-171450">
+              <a:buFont typeface="Arial" charset="0"/>
+              <a:buChar char="•"/>
+            </a:pPr>
+            <a:endParaRPr lang="en-NZ" sz="1200" kern="1200" dirty="0" smtClean="0">
+              <a:solidFill>
+                <a:schemeClr val="tx1"/>
+              </a:solidFill>
+              <a:effectLst/>
+              <a:latin typeface="+mn-lt"/>
+              <a:ea typeface="+mn-ea"/>
+              <a:cs typeface="+mn-cs"/>
+            </a:endParaRPr>
+          </a:p>
+          <a:p>
+            <a:pPr marL="171450" indent="-171450">
+              <a:buFont typeface="Arial" charset="0"/>
+              <a:buChar char="•"/>
+            </a:pPr>
+            <a:r>
+              <a:rPr lang="en-NZ" sz="1200" kern="1200" dirty="0" smtClean="0">
+                <a:solidFill>
+                  <a:schemeClr val="tx1"/>
+                </a:solidFill>
+                <a:effectLst/>
+                <a:latin typeface="+mn-lt"/>
+                <a:ea typeface="+mn-ea"/>
+                <a:cs typeface="+mn-cs"/>
+              </a:rPr>
+              <a:t>Program some observable behaviour on collision</a:t>
+            </a:r>
+          </a:p>
+          <a:p>
+            <a:pPr marL="171450" indent="-171450">
+              <a:buFont typeface="Arial" charset="0"/>
+              <a:buChar char="•"/>
+            </a:pPr>
+            <a:endParaRPr lang="en-NZ" sz="1200" kern="1200" dirty="0" smtClean="0">
+              <a:solidFill>
+                <a:schemeClr val="tx1"/>
+              </a:solidFill>
+              <a:effectLst/>
+              <a:latin typeface="+mn-lt"/>
+              <a:ea typeface="+mn-ea"/>
+              <a:cs typeface="+mn-cs"/>
+            </a:endParaRPr>
+          </a:p>
+          <a:p>
+            <a:pPr marL="171450" indent="-171450">
+              <a:buFont typeface="Arial" charset="0"/>
+              <a:buChar char="•"/>
+            </a:pPr>
+            <a:r>
+              <a:rPr lang="en-NZ" sz="1200" kern="1200" dirty="0" smtClean="0">
+                <a:solidFill>
+                  <a:schemeClr val="tx1"/>
+                </a:solidFill>
+                <a:effectLst/>
+                <a:latin typeface="+mn-lt"/>
+                <a:ea typeface="+mn-ea"/>
+                <a:cs typeface="+mn-cs"/>
+              </a:rPr>
+              <a:t>If you have already implemented sprite-to-sprite collision detection, refactor your architecture to remove any coupling or lack-of-cohesion cohesion problems. </a:t>
+            </a:r>
+          </a:p>
+          <a:p>
+            <a:pPr marL="171450" indent="-171450">
+              <a:buFont typeface="Arial" charset="0"/>
+              <a:buChar char="•"/>
+            </a:pPr>
+            <a:endParaRPr lang="en-NZ" sz="1200" kern="1200" dirty="0" smtClean="0">
+              <a:solidFill>
+                <a:schemeClr val="tx1"/>
+              </a:solidFill>
+              <a:effectLst/>
+              <a:latin typeface="+mn-lt"/>
+              <a:ea typeface="+mn-ea"/>
+              <a:cs typeface="+mn-cs"/>
+            </a:endParaRPr>
+          </a:p>
+          <a:p>
+            <a:pPr marL="171450" indent="-171450">
+              <a:buFont typeface="Arial" charset="0"/>
+              <a:buChar char="•"/>
+            </a:pPr>
+            <a:r>
+              <a:rPr lang="en-NZ" sz="1200" kern="1200" dirty="0" smtClean="0">
+                <a:solidFill>
+                  <a:schemeClr val="tx1"/>
+                </a:solidFill>
+                <a:effectLst/>
+                <a:latin typeface="+mn-lt"/>
+                <a:ea typeface="+mn-ea"/>
+                <a:cs typeface="+mn-cs"/>
+              </a:rPr>
+              <a:t>DO NOT JUST STUFF THE COLLISION DETECTION CODE INTO THE MOVE. Use the architecture as described. Remember “it works” is no longer enough. It also has to be right</a:t>
+            </a:r>
+          </a:p>
+        </p:txBody>
+      </p:sp>
+      <p:sp>
+        <p:nvSpPr>
+          <p:cNvPr id="4" name="Slide Number Placeholder 3"/>
+          <p:cNvSpPr>
+            <a:spLocks noGrp="1"/>
+          </p:cNvSpPr>
+          <p:nvPr>
+            <p:ph type="sldNum" sz="quarter" idx="10"/>
+          </p:nvPr>
+        </p:nvSpPr>
+        <p:spPr/>
+        <p:txBody>
+          <a:bodyPr/>
+          <a:lstStyle/>
+          <a:p>
+            <a:fld id="{BBC1DE02-C006-4F38-873D-E62701AB1734}" type="slidenum">
+              <a:rPr lang="en-NZ" smtClean="0"/>
+              <a:t>18</a:t>
+            </a:fld>
+            <a:endParaRPr lang="en-NZ"/>
+          </a:p>
+        </p:txBody>
+      </p:sp>
+    </p:spTree>
+    <p:extLst>
+      <p:ext uri="{BB962C8B-B14F-4D97-AF65-F5344CB8AC3E}">
+        <p14:creationId xmlns:p14="http://schemas.microsoft.com/office/powerpoint/2010/main" val="1751151771"/>
+      </p:ext>
+    </p:extLst>
+  </p:cSld>
+  <p:clrMapOvr>
+    <a:masterClrMapping/>
+  </p:clrMapOvr>
+</p:notes>
+</file>
+
 <file path=ppt/notesSlides/notesSlide2.xml><?xml version="1.0" encoding="utf-8"?>
 <p:notes xmlns:a="http://schemas.openxmlformats.org/drawingml/2006/main" xmlns:r="http://schemas.openxmlformats.org/officeDocument/2006/relationships" xmlns:p="http://schemas.openxmlformats.org/presentationml/2006/main">
   <p:cSld>
@@ -906,6 +2646,252 @@
               <a:buFont typeface="Arial" charset="0"/>
               <a:buChar char="•"/>
             </a:pPr>
+            <a:r>
+              <a:rPr lang="en-NZ" sz="1200" kern="1200" dirty="0" smtClean="0">
+                <a:solidFill>
+                  <a:schemeClr val="tx1"/>
+                </a:solidFill>
+                <a:effectLst/>
+                <a:latin typeface="+mn-lt"/>
+                <a:ea typeface="+mn-ea"/>
+                <a:cs typeface="+mn-cs"/>
+              </a:rPr>
+              <a:t>Collision detection, as we will see, is mathematically straightforward – nothing tricky involved</a:t>
+            </a:r>
+          </a:p>
+          <a:p>
+            <a:pPr marL="171450" indent="-171450">
+              <a:buFont typeface="Arial" charset="0"/>
+              <a:buChar char="•"/>
+            </a:pPr>
+            <a:endParaRPr lang="en-NZ" sz="1200" kern="1200" dirty="0" smtClean="0">
+              <a:solidFill>
+                <a:schemeClr val="tx1"/>
+              </a:solidFill>
+              <a:effectLst/>
+              <a:latin typeface="+mn-lt"/>
+              <a:ea typeface="+mn-ea"/>
+              <a:cs typeface="+mn-cs"/>
+            </a:endParaRPr>
+          </a:p>
+          <a:p>
+            <a:pPr marL="171450" indent="-171450">
+              <a:buFont typeface="Arial" charset="0"/>
+              <a:buChar char="•"/>
+            </a:pPr>
+            <a:r>
+              <a:rPr lang="en-NZ" sz="1200" kern="1200" dirty="0" smtClean="0">
+                <a:solidFill>
+                  <a:schemeClr val="tx1"/>
+                </a:solidFill>
+                <a:effectLst/>
+                <a:latin typeface="+mn-lt"/>
+                <a:ea typeface="+mn-ea"/>
+                <a:cs typeface="+mn-cs"/>
+              </a:rPr>
+              <a:t>The more interesting technical problem is how to control the computational demands</a:t>
+            </a:r>
+          </a:p>
+          <a:p>
+            <a:pPr marL="171450" indent="-171450">
+              <a:buFont typeface="Arial" charset="0"/>
+              <a:buChar char="•"/>
+            </a:pPr>
+            <a:endParaRPr lang="en-NZ" sz="1200" kern="1200" dirty="0" smtClean="0">
+              <a:solidFill>
+                <a:schemeClr val="tx1"/>
+              </a:solidFill>
+              <a:effectLst/>
+              <a:latin typeface="+mn-lt"/>
+              <a:ea typeface="+mn-ea"/>
+              <a:cs typeface="+mn-cs"/>
+            </a:endParaRPr>
+          </a:p>
+          <a:p>
+            <a:pPr marL="171450" indent="-171450">
+              <a:buFont typeface="Arial" charset="0"/>
+              <a:buChar char="•"/>
+            </a:pPr>
+            <a:r>
+              <a:rPr lang="en-NZ" sz="1200" kern="1200" dirty="0" smtClean="0">
+                <a:solidFill>
+                  <a:schemeClr val="tx1"/>
+                </a:solidFill>
+                <a:effectLst/>
+                <a:latin typeface="+mn-lt"/>
+                <a:ea typeface="+mn-ea"/>
+                <a:cs typeface="+mn-cs"/>
+              </a:rPr>
+              <a:t>In our little desktop game, it really makes no difference, of course, but consider the issue in an MMORPG with thousands of sprites moving around at any one game cycle, and you can see that things can get fairly demanding</a:t>
+            </a:r>
+          </a:p>
+          <a:p>
+            <a:pPr marL="171450" indent="-171450">
+              <a:buFont typeface="Arial" charset="0"/>
+              <a:buChar char="•"/>
+            </a:pPr>
+            <a:endParaRPr lang="en-NZ" sz="1200" kern="1200" dirty="0" smtClean="0">
+              <a:solidFill>
+                <a:schemeClr val="tx1"/>
+              </a:solidFill>
+              <a:effectLst/>
+              <a:latin typeface="+mn-lt"/>
+              <a:ea typeface="+mn-ea"/>
+              <a:cs typeface="+mn-cs"/>
+            </a:endParaRPr>
+          </a:p>
+          <a:p>
+            <a:pPr marL="171450" indent="-171450">
+              <a:buFont typeface="Arial" charset="0"/>
+              <a:buChar char="•"/>
+            </a:pPr>
+            <a:r>
+              <a:rPr lang="en-NZ" sz="1200" kern="1200" dirty="0" smtClean="0">
+                <a:solidFill>
+                  <a:schemeClr val="tx1"/>
+                </a:solidFill>
+                <a:effectLst/>
+                <a:latin typeface="+mn-lt"/>
+                <a:ea typeface="+mn-ea"/>
+                <a:cs typeface="+mn-cs"/>
+              </a:rPr>
+              <a:t>The difficulty is in the way that the number of comparisons required increases as we increase the number of sprites involved</a:t>
+            </a:r>
+          </a:p>
+          <a:p>
+            <a:pPr marL="171450" indent="-171450">
+              <a:buFont typeface="Arial" charset="0"/>
+              <a:buChar char="•"/>
+            </a:pPr>
+            <a:endParaRPr lang="en-NZ" sz="1200" kern="1200" dirty="0" smtClean="0">
+              <a:solidFill>
+                <a:schemeClr val="tx1"/>
+              </a:solidFill>
+              <a:effectLst/>
+              <a:latin typeface="+mn-lt"/>
+              <a:ea typeface="+mn-ea"/>
+              <a:cs typeface="+mn-cs"/>
+            </a:endParaRPr>
+          </a:p>
+          <a:p>
+            <a:pPr marL="171450" indent="-171450">
+              <a:buFont typeface="Arial" charset="0"/>
+              <a:buChar char="•"/>
+            </a:pPr>
+            <a:r>
+              <a:rPr lang="en-NZ" sz="1200" kern="1200" dirty="0" smtClean="0">
+                <a:solidFill>
+                  <a:schemeClr val="tx1"/>
+                </a:solidFill>
+                <a:effectLst/>
+                <a:latin typeface="+mn-lt"/>
+                <a:ea typeface="+mn-ea"/>
+                <a:cs typeface="+mn-cs"/>
+              </a:rPr>
+              <a:t>Doubling the number of objects on the screen roughly quadruples the number of tests you must perform</a:t>
+            </a:r>
+          </a:p>
+          <a:p>
+            <a:pPr marL="171450" indent="-171450">
+              <a:buFont typeface="Arial" charset="0"/>
+              <a:buChar char="•"/>
+            </a:pPr>
+            <a:endParaRPr lang="en-NZ" sz="1200" kern="1200" dirty="0" smtClean="0">
+              <a:solidFill>
+                <a:schemeClr val="tx1"/>
+              </a:solidFill>
+              <a:effectLst/>
+              <a:latin typeface="+mn-lt"/>
+              <a:ea typeface="+mn-ea"/>
+              <a:cs typeface="+mn-cs"/>
+            </a:endParaRPr>
+          </a:p>
+          <a:p>
+            <a:pPr marL="171450" indent="-171450">
+              <a:buFont typeface="Arial" charset="0"/>
+              <a:buChar char="•"/>
+            </a:pPr>
+            <a:r>
+              <a:rPr lang="en-NZ" sz="1200" kern="1200" dirty="0" smtClean="0">
+                <a:solidFill>
+                  <a:schemeClr val="tx1"/>
+                </a:solidFill>
+                <a:effectLst/>
+                <a:latin typeface="+mn-lt"/>
+                <a:ea typeface="+mn-ea"/>
+                <a:cs typeface="+mn-cs"/>
+              </a:rPr>
+              <a:t>This mathematical relationship – how many pairs can you make from a given number of objects – is an example of the operation known as ‘n choose k’. We say ‘1000 choose 2’ = 499,500</a:t>
+            </a:r>
+          </a:p>
+          <a:p>
+            <a:pPr marL="171450" indent="-171450">
+              <a:buFont typeface="Arial" charset="0"/>
+              <a:buChar char="•"/>
+            </a:pPr>
+            <a:endParaRPr lang="en-NZ" sz="1200" kern="1200" dirty="0" smtClean="0">
+              <a:solidFill>
+                <a:schemeClr val="tx1"/>
+              </a:solidFill>
+              <a:effectLst/>
+              <a:latin typeface="+mn-lt"/>
+              <a:ea typeface="+mn-ea"/>
+              <a:cs typeface="+mn-cs"/>
+            </a:endParaRPr>
+          </a:p>
+          <a:p>
+            <a:pPr marL="171450" indent="-171450">
+              <a:buFont typeface="Arial" charset="0"/>
+              <a:buChar char="•"/>
+            </a:pPr>
+            <a:r>
+              <a:rPr lang="en-NZ" sz="1200" kern="1200" dirty="0" smtClean="0">
+                <a:solidFill>
+                  <a:schemeClr val="tx1"/>
+                </a:solidFill>
+                <a:effectLst/>
+                <a:latin typeface="+mn-lt"/>
+                <a:ea typeface="+mn-ea"/>
+                <a:cs typeface="+mn-cs"/>
+              </a:rPr>
+              <a:t>Formula: n! / (n-k)! * k!</a:t>
+            </a:r>
+          </a:p>
+          <a:p>
+            <a:pPr marL="171450" indent="-171450">
+              <a:buFont typeface="Arial" charset="0"/>
+              <a:buChar char="•"/>
+            </a:pPr>
+            <a:endParaRPr lang="en-NZ" sz="1200" kern="1200" dirty="0" smtClean="0">
+              <a:solidFill>
+                <a:schemeClr val="tx1"/>
+              </a:solidFill>
+              <a:effectLst/>
+              <a:latin typeface="+mn-lt"/>
+              <a:ea typeface="+mn-ea"/>
+              <a:cs typeface="+mn-cs"/>
+            </a:endParaRPr>
+          </a:p>
+          <a:p>
+            <a:pPr marL="171450" indent="-171450">
+              <a:buFont typeface="Arial" charset="0"/>
+              <a:buChar char="•"/>
+            </a:pPr>
+            <a:endParaRPr lang="en-NZ" sz="1200" kern="1200" dirty="0" smtClean="0">
+              <a:solidFill>
+                <a:schemeClr val="tx1"/>
+              </a:solidFill>
+              <a:effectLst/>
+              <a:latin typeface="+mn-lt"/>
+              <a:ea typeface="+mn-ea"/>
+              <a:cs typeface="+mn-cs"/>
+            </a:endParaRPr>
+          </a:p>
+          <a:p>
+            <a:pPr marL="171450" indent="-171450">
+              <a:buFont typeface="Arial" charset="0"/>
+              <a:buChar char="•"/>
+            </a:pPr>
             <a:endParaRPr lang="en-US" sz="1200" kern="1200" dirty="0" smtClean="0">
               <a:solidFill>
                 <a:schemeClr val="tx1"/>
@@ -1002,6 +2988,354 @@
               <a:buFont typeface="Arial" charset="0"/>
               <a:buChar char="•"/>
             </a:pPr>
+            <a:r>
+              <a:rPr lang="en-NZ" sz="1200" kern="1200" dirty="0" smtClean="0">
+                <a:solidFill>
+                  <a:schemeClr val="tx1"/>
+                </a:solidFill>
+                <a:effectLst/>
+                <a:latin typeface="+mn-lt"/>
+                <a:ea typeface="+mn-ea"/>
+                <a:cs typeface="+mn-cs"/>
+              </a:rPr>
+              <a:t>To improve performance, therefore, we want to reduce the number of comparisons</a:t>
+            </a:r>
+          </a:p>
+          <a:p>
+            <a:pPr marL="171450" indent="-171450">
+              <a:buFont typeface="Arial" charset="0"/>
+              <a:buChar char="•"/>
+            </a:pPr>
+            <a:endParaRPr lang="en-NZ" sz="1200" kern="1200" dirty="0" smtClean="0">
+              <a:solidFill>
+                <a:schemeClr val="tx1"/>
+              </a:solidFill>
+              <a:effectLst/>
+              <a:latin typeface="+mn-lt"/>
+              <a:ea typeface="+mn-ea"/>
+              <a:cs typeface="+mn-cs"/>
+            </a:endParaRPr>
+          </a:p>
+          <a:p>
+            <a:pPr marL="171450" indent="-171450">
+              <a:buFont typeface="Arial" charset="0"/>
+              <a:buChar char="•"/>
+            </a:pPr>
+            <a:r>
+              <a:rPr lang="en-NZ" sz="1200" kern="1200" dirty="0" smtClean="0">
+                <a:solidFill>
+                  <a:schemeClr val="tx1"/>
+                </a:solidFill>
+                <a:effectLst/>
+                <a:latin typeface="+mn-lt"/>
+                <a:ea typeface="+mn-ea"/>
+                <a:cs typeface="+mn-cs"/>
+              </a:rPr>
+              <a:t>There are several ways this can be done</a:t>
+            </a:r>
+          </a:p>
+          <a:p>
+            <a:pPr marL="171450" indent="-171450">
+              <a:buFont typeface="Arial" charset="0"/>
+              <a:buChar char="•"/>
+            </a:pPr>
+            <a:endParaRPr lang="en-NZ" sz="1200" kern="1200" dirty="0" smtClean="0">
+              <a:solidFill>
+                <a:schemeClr val="tx1"/>
+              </a:solidFill>
+              <a:effectLst/>
+              <a:latin typeface="+mn-lt"/>
+              <a:ea typeface="+mn-ea"/>
+              <a:cs typeface="+mn-cs"/>
+            </a:endParaRPr>
+          </a:p>
+          <a:p>
+            <a:pPr marL="171450" indent="-171450">
+              <a:buFont typeface="Arial" charset="0"/>
+              <a:buChar char="•"/>
+            </a:pPr>
+            <a:r>
+              <a:rPr lang="en-NZ" sz="1200" kern="1200" dirty="0" smtClean="0">
+                <a:solidFill>
+                  <a:schemeClr val="tx1"/>
+                </a:solidFill>
+                <a:effectLst/>
+                <a:latin typeface="+mn-lt"/>
+                <a:ea typeface="+mn-ea"/>
+                <a:cs typeface="+mn-cs"/>
+              </a:rPr>
+              <a:t>Remember that you have to write all the code for this stuff</a:t>
+            </a:r>
+          </a:p>
+          <a:p>
+            <a:pPr marL="171450" indent="-171450">
+              <a:buFont typeface="Arial" charset="0"/>
+              <a:buChar char="•"/>
+            </a:pPr>
+            <a:endParaRPr lang="en-NZ" sz="1200" kern="1200" dirty="0" smtClean="0">
+              <a:solidFill>
+                <a:schemeClr val="tx1"/>
+              </a:solidFill>
+              <a:effectLst/>
+              <a:latin typeface="+mn-lt"/>
+              <a:ea typeface="+mn-ea"/>
+              <a:cs typeface="+mn-cs"/>
+            </a:endParaRPr>
+          </a:p>
+          <a:p>
+            <a:pPr marL="171450" indent="-171450">
+              <a:buFont typeface="Arial" charset="0"/>
+              <a:buChar char="•"/>
+            </a:pPr>
+            <a:r>
+              <a:rPr lang="en-NZ" sz="1200" kern="1200" dirty="0" smtClean="0">
+                <a:solidFill>
+                  <a:schemeClr val="tx1"/>
+                </a:solidFill>
+                <a:effectLst/>
+                <a:latin typeface="+mn-lt"/>
+                <a:ea typeface="+mn-ea"/>
+                <a:cs typeface="+mn-cs"/>
+              </a:rPr>
+              <a:t>Game rule elimination: Some objects can’t collide, or it doesn’t matter if they collide, so don’t check them</a:t>
+            </a:r>
+          </a:p>
+          <a:p>
+            <a:pPr marL="171450" indent="-171450">
+              <a:buFont typeface="Arial" charset="0"/>
+              <a:buChar char="•"/>
+            </a:pPr>
+            <a:endParaRPr lang="en-NZ" sz="1200" kern="1200" dirty="0" smtClean="0">
+              <a:solidFill>
+                <a:schemeClr val="tx1"/>
+              </a:solidFill>
+              <a:effectLst/>
+              <a:latin typeface="+mn-lt"/>
+              <a:ea typeface="+mn-ea"/>
+              <a:cs typeface="+mn-cs"/>
+            </a:endParaRPr>
+          </a:p>
+          <a:p>
+            <a:pPr marL="628650" lvl="1" indent="-171450">
+              <a:buFont typeface="Arial" charset="0"/>
+              <a:buChar char="•"/>
+            </a:pPr>
+            <a:r>
+              <a:rPr lang="en-NZ" sz="1200" kern="1200" dirty="0" smtClean="0">
+                <a:solidFill>
+                  <a:schemeClr val="tx1"/>
+                </a:solidFill>
+                <a:effectLst/>
+                <a:latin typeface="+mn-lt"/>
+                <a:ea typeface="+mn-ea"/>
+                <a:cs typeface="+mn-cs"/>
+              </a:rPr>
+              <a:t>For example, in Mario-type games, the various baddies often walk past each other with no effect. You can skip all those comparisons</a:t>
+            </a:r>
+          </a:p>
+          <a:p>
+            <a:pPr marL="628650" lvl="1" indent="-171450">
+              <a:buFont typeface="Arial" charset="0"/>
+              <a:buChar char="•"/>
+            </a:pPr>
+            <a:endParaRPr lang="en-NZ" sz="1200" kern="1200" dirty="0" smtClean="0">
+              <a:solidFill>
+                <a:schemeClr val="tx1"/>
+              </a:solidFill>
+              <a:effectLst/>
+              <a:latin typeface="+mn-lt"/>
+              <a:ea typeface="+mn-ea"/>
+              <a:cs typeface="+mn-cs"/>
+            </a:endParaRPr>
+          </a:p>
+          <a:p>
+            <a:pPr marL="628650" lvl="1" indent="-171450">
+              <a:buFont typeface="Arial" charset="0"/>
+              <a:buChar char="•"/>
+            </a:pPr>
+            <a:r>
+              <a:rPr lang="en-NZ" sz="1200" kern="1200" dirty="0" smtClean="0">
+                <a:solidFill>
+                  <a:schemeClr val="tx1"/>
+                </a:solidFill>
+                <a:effectLst/>
+                <a:latin typeface="+mn-lt"/>
+                <a:ea typeface="+mn-ea"/>
+                <a:cs typeface="+mn-cs"/>
+              </a:rPr>
+              <a:t>Or if you’re making a space-shooter where enemy missiles don’t destroy each other, there’s no need to check if they have collided</a:t>
+            </a:r>
+          </a:p>
+          <a:p>
+            <a:pPr marL="628650" lvl="1" indent="-171450">
+              <a:buFont typeface="Arial" charset="0"/>
+              <a:buChar char="•"/>
+            </a:pPr>
+            <a:endParaRPr lang="en-NZ" sz="1200" kern="1200" dirty="0" smtClean="0">
+              <a:solidFill>
+                <a:schemeClr val="tx1"/>
+              </a:solidFill>
+              <a:effectLst/>
+              <a:latin typeface="+mn-lt"/>
+              <a:ea typeface="+mn-ea"/>
+              <a:cs typeface="+mn-cs"/>
+            </a:endParaRPr>
+          </a:p>
+          <a:p>
+            <a:pPr marL="171450" indent="-171450">
+              <a:buFont typeface="Arial" charset="0"/>
+              <a:buChar char="•"/>
+            </a:pPr>
+            <a:r>
+              <a:rPr lang="en-NZ" sz="1200" kern="1200" dirty="0" smtClean="0">
+                <a:solidFill>
+                  <a:schemeClr val="tx1"/>
+                </a:solidFill>
+                <a:effectLst/>
+                <a:latin typeface="+mn-lt"/>
+                <a:ea typeface="+mn-ea"/>
+                <a:cs typeface="+mn-cs"/>
+              </a:rPr>
+              <a:t>Spatial elimination: Some objects are physically incapable of colliding, so don’t check them</a:t>
+            </a:r>
+          </a:p>
+          <a:p>
+            <a:pPr marL="171450" indent="-171450">
+              <a:buFont typeface="Arial" charset="0"/>
+              <a:buChar char="•"/>
+            </a:pPr>
+            <a:endParaRPr lang="en-NZ" sz="1200" kern="1200" dirty="0" smtClean="0">
+              <a:solidFill>
+                <a:schemeClr val="tx1"/>
+              </a:solidFill>
+              <a:effectLst/>
+              <a:latin typeface="+mn-lt"/>
+              <a:ea typeface="+mn-ea"/>
+              <a:cs typeface="+mn-cs"/>
+            </a:endParaRPr>
+          </a:p>
+          <a:p>
+            <a:pPr marL="628650" lvl="1" indent="-171450">
+              <a:buFont typeface="Arial" charset="0"/>
+              <a:buChar char="•"/>
+            </a:pPr>
+            <a:r>
+              <a:rPr lang="en-NZ" sz="1200" kern="1200" dirty="0" smtClean="0">
+                <a:solidFill>
+                  <a:schemeClr val="tx1"/>
+                </a:solidFill>
+                <a:effectLst/>
+                <a:latin typeface="+mn-lt"/>
+                <a:ea typeface="+mn-ea"/>
+                <a:cs typeface="+mn-cs"/>
+              </a:rPr>
+              <a:t>Sort by location</a:t>
+            </a:r>
+          </a:p>
+          <a:p>
+            <a:pPr marL="628650" lvl="1" indent="-171450">
+              <a:buFont typeface="Arial" charset="0"/>
+              <a:buChar char="•"/>
+            </a:pPr>
+            <a:endParaRPr lang="en-NZ" sz="1200" kern="1200" dirty="0" smtClean="0">
+              <a:solidFill>
+                <a:schemeClr val="tx1"/>
+              </a:solidFill>
+              <a:effectLst/>
+              <a:latin typeface="+mn-lt"/>
+              <a:ea typeface="+mn-ea"/>
+              <a:cs typeface="+mn-cs"/>
+            </a:endParaRPr>
+          </a:p>
+          <a:p>
+            <a:pPr marL="628650" lvl="1" indent="-171450">
+              <a:buFont typeface="Arial" charset="0"/>
+              <a:buChar char="•"/>
+            </a:pPr>
+            <a:r>
+              <a:rPr lang="en-NZ" sz="1200" kern="1200" dirty="0" smtClean="0">
+                <a:solidFill>
+                  <a:schemeClr val="tx1"/>
+                </a:solidFill>
+                <a:effectLst/>
+                <a:latin typeface="+mn-lt"/>
+                <a:ea typeface="+mn-ea"/>
+                <a:cs typeface="+mn-cs"/>
+              </a:rPr>
+              <a:t>Only compare neighbours (within some distance) in the list. Quit comparing when you get width pixels (if sorted on x axis) or height pixels (if sorted on y axis) apart</a:t>
+            </a:r>
+          </a:p>
+          <a:p>
+            <a:pPr marL="628650" lvl="1" indent="-171450">
+              <a:buFont typeface="Arial" charset="0"/>
+              <a:buChar char="•"/>
+            </a:pPr>
+            <a:endParaRPr lang="en-NZ" sz="1200" kern="1200" dirty="0" smtClean="0">
+              <a:solidFill>
+                <a:schemeClr val="tx1"/>
+              </a:solidFill>
+              <a:effectLst/>
+              <a:latin typeface="+mn-lt"/>
+              <a:ea typeface="+mn-ea"/>
+              <a:cs typeface="+mn-cs"/>
+            </a:endParaRPr>
+          </a:p>
+          <a:p>
+            <a:pPr marL="171450" indent="-171450">
+              <a:buFont typeface="Arial" charset="0"/>
+              <a:buChar char="•"/>
+            </a:pPr>
+            <a:r>
+              <a:rPr lang="en-NZ" sz="1200" kern="1200" dirty="0" smtClean="0">
+                <a:solidFill>
+                  <a:schemeClr val="tx1"/>
+                </a:solidFill>
+                <a:effectLst/>
+                <a:latin typeface="+mn-lt"/>
+                <a:ea typeface="+mn-ea"/>
+                <a:cs typeface="+mn-cs"/>
+              </a:rPr>
+              <a:t>Spatial elimination requires extra computation to sort the various objects and perform additional bookkeeping</a:t>
+            </a:r>
+          </a:p>
+          <a:p>
+            <a:pPr marL="171450" indent="-171450">
+              <a:buFont typeface="Arial" charset="0"/>
+              <a:buChar char="•"/>
+            </a:pPr>
+            <a:endParaRPr lang="en-NZ" sz="1200" kern="1200" dirty="0" smtClean="0">
+              <a:solidFill>
+                <a:schemeClr val="tx1"/>
+              </a:solidFill>
+              <a:effectLst/>
+              <a:latin typeface="+mn-lt"/>
+              <a:ea typeface="+mn-ea"/>
+              <a:cs typeface="+mn-cs"/>
+            </a:endParaRPr>
+          </a:p>
+          <a:p>
+            <a:pPr marL="171450" indent="-171450">
+              <a:buFont typeface="Arial" charset="0"/>
+              <a:buChar char="•"/>
+            </a:pPr>
+            <a:r>
+              <a:rPr lang="en-NZ" sz="1200" kern="1200" dirty="0" smtClean="0">
+                <a:solidFill>
+                  <a:schemeClr val="tx1"/>
+                </a:solidFill>
+                <a:effectLst/>
+                <a:latin typeface="+mn-lt"/>
+                <a:ea typeface="+mn-ea"/>
+                <a:cs typeface="+mn-cs"/>
+              </a:rPr>
+              <a:t> It is better suited for games in which a large number of objects are active at once. If a game has only a few objects, there aren't many potential collision tests to eliminate, and the added bookkeeping can exceed the gain</a:t>
+            </a:r>
+          </a:p>
+          <a:p>
+            <a:pPr marL="171450" indent="-171450">
+              <a:buFont typeface="Arial" charset="0"/>
+              <a:buChar char="•"/>
+            </a:pPr>
             <a:endParaRPr lang="en-US" sz="1200" kern="1200" dirty="0" smtClean="0">
               <a:solidFill>
                 <a:schemeClr val="tx1"/>
@@ -1040,7 +3374,916 @@
     </p:spTree>
     <p:extLst>
       <p:ext uri="{BB962C8B-B14F-4D97-AF65-F5344CB8AC3E}">
-        <p14:creationId xmlns:p14="http://schemas.microsoft.com/office/powerpoint/2010/main" val="1903211264"/>
+        <p14:creationId xmlns:p14="http://schemas.microsoft.com/office/powerpoint/2010/main" val="1555057760"/>
+      </p:ext>
+    </p:extLst>
+  </p:cSld>
+  <p:clrMapOvr>
+    <a:masterClrMapping/>
+  </p:clrMapOvr>
+</p:notes>
+</file>
+
+<file path=ppt/notesSlides/notesSlide5.xml><?xml version="1.0" encoding="utf-8"?>
+<p:notes xmlns:a="http://schemas.openxmlformats.org/drawingml/2006/main" xmlns:r="http://schemas.openxmlformats.org/officeDocument/2006/relationships" xmlns:p="http://schemas.openxmlformats.org/presentationml/2006/main">
+  <p:cSld>
+    <p:spTree>
+      <p:nvGrpSpPr>
+        <p:cNvPr id="1" name=""/>
+        <p:cNvGrpSpPr/>
+        <p:nvPr/>
+      </p:nvGrpSpPr>
+      <p:grpSpPr>
+        <a:xfrm>
+          <a:off x="0" y="0"/>
+          <a:ext cx="0" cy="0"/>
+          <a:chOff x="0" y="0"/>
+          <a:chExt cx="0" cy="0"/>
+        </a:xfrm>
+      </p:grpSpPr>
+      <p:sp>
+        <p:nvSpPr>
+          <p:cNvPr id="2" name="Slide Image Placeholder 1"/>
+          <p:cNvSpPr>
+            <a:spLocks noGrp="1" noRot="1" noChangeAspect="1"/>
+          </p:cNvSpPr>
+          <p:nvPr>
+            <p:ph type="sldImg"/>
+          </p:nvPr>
+        </p:nvSpPr>
+        <p:spPr/>
+      </p:sp>
+      <p:sp>
+        <p:nvSpPr>
+          <p:cNvPr id="3" name="Notes Placeholder 2"/>
+          <p:cNvSpPr>
+            <a:spLocks noGrp="1"/>
+          </p:cNvSpPr>
+          <p:nvPr>
+            <p:ph type="body" idx="1"/>
+          </p:nvPr>
+        </p:nvSpPr>
+        <p:spPr/>
+        <p:txBody>
+          <a:bodyPr/>
+          <a:lstStyle/>
+          <a:p>
+            <a:pPr marL="171450" indent="-171450">
+              <a:buFont typeface="Arial" charset="0"/>
+              <a:buChar char="•"/>
+            </a:pPr>
+            <a:r>
+              <a:rPr lang="en-NZ" sz="1200" kern="1200" dirty="0" smtClean="0">
+                <a:solidFill>
+                  <a:schemeClr val="tx1"/>
+                </a:solidFill>
+                <a:effectLst/>
+                <a:latin typeface="+mn-lt"/>
+                <a:ea typeface="+mn-ea"/>
+                <a:cs typeface="+mn-cs"/>
+              </a:rPr>
+              <a:t>Given that you have decided which pairs to test, how do you programmatically determine if a collision has occurred?</a:t>
+            </a:r>
+          </a:p>
+          <a:p>
+            <a:pPr marL="171450" indent="-171450">
+              <a:buFont typeface="Arial" charset="0"/>
+              <a:buChar char="•"/>
+            </a:pPr>
+            <a:endParaRPr lang="en-NZ" sz="1200" kern="1200" dirty="0" smtClean="0">
+              <a:solidFill>
+                <a:schemeClr val="tx1"/>
+              </a:solidFill>
+              <a:effectLst/>
+              <a:latin typeface="+mn-lt"/>
+              <a:ea typeface="+mn-ea"/>
+              <a:cs typeface="+mn-cs"/>
+            </a:endParaRPr>
+          </a:p>
+          <a:p>
+            <a:pPr marL="171450" indent="-171450">
+              <a:buFont typeface="Arial" charset="0"/>
+              <a:buChar char="•"/>
+            </a:pPr>
+            <a:r>
+              <a:rPr lang="en-NZ" sz="1200" kern="1200" dirty="0" smtClean="0">
+                <a:solidFill>
+                  <a:schemeClr val="tx1"/>
+                </a:solidFill>
+                <a:effectLst/>
+                <a:latin typeface="+mn-lt"/>
+                <a:ea typeface="+mn-ea"/>
+                <a:cs typeface="+mn-cs"/>
+              </a:rPr>
+              <a:t>Have these two objects collided?</a:t>
+            </a:r>
+          </a:p>
+          <a:p>
+            <a:pPr marL="171450" indent="-171450">
+              <a:buFont typeface="Arial" charset="0"/>
+              <a:buChar char="•"/>
+            </a:pPr>
+            <a:endParaRPr lang="en-NZ" sz="1200" kern="1200" dirty="0" smtClean="0">
+              <a:solidFill>
+                <a:schemeClr val="tx1"/>
+              </a:solidFill>
+              <a:effectLst/>
+              <a:latin typeface="+mn-lt"/>
+              <a:ea typeface="+mn-ea"/>
+              <a:cs typeface="+mn-cs"/>
+            </a:endParaRPr>
+          </a:p>
+          <a:p>
+            <a:pPr marL="171450" indent="-171450">
+              <a:buFont typeface="Arial" charset="0"/>
+              <a:buChar char="•"/>
+            </a:pPr>
+            <a:r>
+              <a:rPr lang="en-NZ" sz="1200" kern="1200" dirty="0" smtClean="0">
+                <a:solidFill>
+                  <a:schemeClr val="tx1"/>
+                </a:solidFill>
+                <a:effectLst/>
+                <a:latin typeface="+mn-lt"/>
+                <a:ea typeface="+mn-ea"/>
+                <a:cs typeface="+mn-cs"/>
+              </a:rPr>
+              <a:t>It depends.....</a:t>
+            </a:r>
+          </a:p>
+          <a:p>
+            <a:pPr marL="171450" indent="-171450">
+              <a:buFont typeface="Arial" charset="0"/>
+              <a:buChar char="•"/>
+            </a:pPr>
+            <a:endParaRPr lang="en-NZ" sz="1200" kern="1200" dirty="0" smtClean="0">
+              <a:solidFill>
+                <a:schemeClr val="tx1"/>
+              </a:solidFill>
+              <a:effectLst/>
+              <a:latin typeface="+mn-lt"/>
+              <a:ea typeface="+mn-ea"/>
+              <a:cs typeface="+mn-cs"/>
+            </a:endParaRPr>
+          </a:p>
+          <a:p>
+            <a:pPr marL="171450" indent="-171450">
+              <a:buFont typeface="Arial" charset="0"/>
+              <a:buChar char="•"/>
+            </a:pPr>
+            <a:endParaRPr lang="en-US" sz="1200" kern="1200" dirty="0" smtClean="0">
+              <a:solidFill>
+                <a:schemeClr val="tx1"/>
+              </a:solidFill>
+              <a:effectLst/>
+              <a:latin typeface="+mn-lt"/>
+              <a:ea typeface="+mn-ea"/>
+              <a:cs typeface="+mn-cs"/>
+            </a:endParaRPr>
+          </a:p>
+        </p:txBody>
+      </p:sp>
+      <p:sp>
+        <p:nvSpPr>
+          <p:cNvPr id="4" name="Slide Number Placeholder 3"/>
+          <p:cNvSpPr>
+            <a:spLocks noGrp="1"/>
+          </p:cNvSpPr>
+          <p:nvPr>
+            <p:ph type="sldNum" sz="quarter" idx="10"/>
+          </p:nvPr>
+        </p:nvSpPr>
+        <p:spPr/>
+        <p:txBody>
+          <a:bodyPr/>
+          <a:lstStyle/>
+          <a:p>
+            <a:fld id="{BBC1DE02-C006-4F38-873D-E62701AB1734}" type="slidenum">
+              <a:rPr lang="en-NZ" smtClean="0"/>
+              <a:t>6</a:t>
+            </a:fld>
+            <a:endParaRPr lang="en-NZ"/>
+          </a:p>
+        </p:txBody>
+      </p:sp>
+    </p:spTree>
+    <p:extLst>
+      <p:ext uri="{BB962C8B-B14F-4D97-AF65-F5344CB8AC3E}">
+        <p14:creationId xmlns:p14="http://schemas.microsoft.com/office/powerpoint/2010/main" val="1546382806"/>
+      </p:ext>
+    </p:extLst>
+  </p:cSld>
+  <p:clrMapOvr>
+    <a:masterClrMapping/>
+  </p:clrMapOvr>
+</p:notes>
+</file>
+
+<file path=ppt/notesSlides/notesSlide6.xml><?xml version="1.0" encoding="utf-8"?>
+<p:notes xmlns:a="http://schemas.openxmlformats.org/drawingml/2006/main" xmlns:r="http://schemas.openxmlformats.org/officeDocument/2006/relationships" xmlns:p="http://schemas.openxmlformats.org/presentationml/2006/main">
+  <p:cSld>
+    <p:spTree>
+      <p:nvGrpSpPr>
+        <p:cNvPr id="1" name=""/>
+        <p:cNvGrpSpPr/>
+        <p:nvPr/>
+      </p:nvGrpSpPr>
+      <p:grpSpPr>
+        <a:xfrm>
+          <a:off x="0" y="0"/>
+          <a:ext cx="0" cy="0"/>
+          <a:chOff x="0" y="0"/>
+          <a:chExt cx="0" cy="0"/>
+        </a:xfrm>
+      </p:grpSpPr>
+      <p:sp>
+        <p:nvSpPr>
+          <p:cNvPr id="2" name="Slide Image Placeholder 1"/>
+          <p:cNvSpPr>
+            <a:spLocks noGrp="1" noRot="1" noChangeAspect="1"/>
+          </p:cNvSpPr>
+          <p:nvPr>
+            <p:ph type="sldImg"/>
+          </p:nvPr>
+        </p:nvSpPr>
+        <p:spPr/>
+      </p:sp>
+      <p:sp>
+        <p:nvSpPr>
+          <p:cNvPr id="3" name="Notes Placeholder 2"/>
+          <p:cNvSpPr>
+            <a:spLocks noGrp="1"/>
+          </p:cNvSpPr>
+          <p:nvPr>
+            <p:ph type="body" idx="1"/>
+          </p:nvPr>
+        </p:nvSpPr>
+        <p:spPr/>
+        <p:txBody>
+          <a:bodyPr/>
+          <a:lstStyle/>
+          <a:p>
+            <a:pPr marL="171450" indent="-171450">
+              <a:buFont typeface="Arial" charset="0"/>
+              <a:buChar char="•"/>
+            </a:pPr>
+            <a:r>
+              <a:rPr lang="en-NZ" sz="1200" kern="1200" dirty="0" smtClean="0">
+                <a:solidFill>
+                  <a:schemeClr val="tx1"/>
+                </a:solidFill>
+                <a:effectLst/>
+                <a:latin typeface="+mn-lt"/>
+                <a:ea typeface="+mn-ea"/>
+                <a:cs typeface="+mn-cs"/>
+              </a:rPr>
+              <a:t>Have these two objects collided?</a:t>
+            </a:r>
+          </a:p>
+          <a:p>
+            <a:pPr marL="171450" indent="-171450">
+              <a:buFont typeface="Arial" charset="0"/>
+              <a:buChar char="•"/>
+            </a:pPr>
+            <a:endParaRPr lang="en-NZ" sz="1200" kern="1200" dirty="0" smtClean="0">
+              <a:solidFill>
+                <a:schemeClr val="tx1"/>
+              </a:solidFill>
+              <a:effectLst/>
+              <a:latin typeface="+mn-lt"/>
+              <a:ea typeface="+mn-ea"/>
+              <a:cs typeface="+mn-cs"/>
+            </a:endParaRPr>
+          </a:p>
+          <a:p>
+            <a:pPr marL="171450" indent="-171450">
+              <a:buFont typeface="Arial" charset="0"/>
+              <a:buChar char="•"/>
+            </a:pPr>
+            <a:r>
+              <a:rPr lang="en-NZ" sz="1200" kern="1200" dirty="0" smtClean="0">
+                <a:solidFill>
+                  <a:schemeClr val="tx1"/>
+                </a:solidFill>
+                <a:effectLst/>
+                <a:latin typeface="+mn-lt"/>
+                <a:ea typeface="+mn-ea"/>
+                <a:cs typeface="+mn-cs"/>
+              </a:rPr>
+              <a:t>It depends</a:t>
+            </a:r>
+          </a:p>
+          <a:p>
+            <a:pPr marL="171450" indent="-171450">
+              <a:buFont typeface="Arial" charset="0"/>
+              <a:buChar char="•"/>
+            </a:pPr>
+            <a:endParaRPr lang="en-NZ" sz="1200" kern="1200" dirty="0" smtClean="0">
+              <a:solidFill>
+                <a:schemeClr val="tx1"/>
+              </a:solidFill>
+              <a:effectLst/>
+              <a:latin typeface="+mn-lt"/>
+              <a:ea typeface="+mn-ea"/>
+              <a:cs typeface="+mn-cs"/>
+            </a:endParaRPr>
+          </a:p>
+          <a:p>
+            <a:pPr marL="171450" indent="-171450">
+              <a:buFont typeface="Arial" charset="0"/>
+              <a:buChar char="•"/>
+            </a:pPr>
+            <a:r>
+              <a:rPr lang="en-NZ" sz="1200" kern="1200" dirty="0" smtClean="0">
+                <a:solidFill>
+                  <a:schemeClr val="tx1"/>
+                </a:solidFill>
+                <a:effectLst/>
+                <a:latin typeface="+mn-lt"/>
+                <a:ea typeface="+mn-ea"/>
+                <a:cs typeface="+mn-cs"/>
+              </a:rPr>
+              <a:t>If you look at them, it appears that they have not. However, if you check for overlap of, for example, their bitmaps, you will determine that they have</a:t>
+            </a:r>
+          </a:p>
+          <a:p>
+            <a:pPr marL="171450" indent="-171450">
+              <a:buFont typeface="Arial" charset="0"/>
+              <a:buChar char="•"/>
+            </a:pPr>
+            <a:endParaRPr lang="en-US" sz="1200" kern="1200" dirty="0" smtClean="0">
+              <a:solidFill>
+                <a:schemeClr val="tx1"/>
+              </a:solidFill>
+              <a:effectLst/>
+              <a:latin typeface="+mn-lt"/>
+              <a:ea typeface="+mn-ea"/>
+              <a:cs typeface="+mn-cs"/>
+            </a:endParaRPr>
+          </a:p>
+        </p:txBody>
+      </p:sp>
+      <p:sp>
+        <p:nvSpPr>
+          <p:cNvPr id="4" name="Slide Number Placeholder 3"/>
+          <p:cNvSpPr>
+            <a:spLocks noGrp="1"/>
+          </p:cNvSpPr>
+          <p:nvPr>
+            <p:ph type="sldNum" sz="quarter" idx="10"/>
+          </p:nvPr>
+        </p:nvSpPr>
+        <p:spPr/>
+        <p:txBody>
+          <a:bodyPr/>
+          <a:lstStyle/>
+          <a:p>
+            <a:fld id="{BBC1DE02-C006-4F38-873D-E62701AB1734}" type="slidenum">
+              <a:rPr lang="en-NZ" smtClean="0"/>
+              <a:t>7</a:t>
+            </a:fld>
+            <a:endParaRPr lang="en-NZ"/>
+          </a:p>
+        </p:txBody>
+      </p:sp>
+    </p:spTree>
+    <p:extLst>
+      <p:ext uri="{BB962C8B-B14F-4D97-AF65-F5344CB8AC3E}">
+        <p14:creationId xmlns:p14="http://schemas.microsoft.com/office/powerpoint/2010/main" val="3407116899"/>
+      </p:ext>
+    </p:extLst>
+  </p:cSld>
+  <p:clrMapOvr>
+    <a:masterClrMapping/>
+  </p:clrMapOvr>
+</p:notes>
+</file>
+
+<file path=ppt/notesSlides/notesSlide7.xml><?xml version="1.0" encoding="utf-8"?>
+<p:notes xmlns:a="http://schemas.openxmlformats.org/drawingml/2006/main" xmlns:r="http://schemas.openxmlformats.org/officeDocument/2006/relationships" xmlns:p="http://schemas.openxmlformats.org/presentationml/2006/main">
+  <p:cSld>
+    <p:spTree>
+      <p:nvGrpSpPr>
+        <p:cNvPr id="1" name=""/>
+        <p:cNvGrpSpPr/>
+        <p:nvPr/>
+      </p:nvGrpSpPr>
+      <p:grpSpPr>
+        <a:xfrm>
+          <a:off x="0" y="0"/>
+          <a:ext cx="0" cy="0"/>
+          <a:chOff x="0" y="0"/>
+          <a:chExt cx="0" cy="0"/>
+        </a:xfrm>
+      </p:grpSpPr>
+      <p:sp>
+        <p:nvSpPr>
+          <p:cNvPr id="2" name="Slide Image Placeholder 1"/>
+          <p:cNvSpPr>
+            <a:spLocks noGrp="1" noRot="1" noChangeAspect="1"/>
+          </p:cNvSpPr>
+          <p:nvPr>
+            <p:ph type="sldImg"/>
+          </p:nvPr>
+        </p:nvSpPr>
+        <p:spPr/>
+      </p:sp>
+      <p:sp>
+        <p:nvSpPr>
+          <p:cNvPr id="3" name="Notes Placeholder 2"/>
+          <p:cNvSpPr>
+            <a:spLocks noGrp="1"/>
+          </p:cNvSpPr>
+          <p:nvPr>
+            <p:ph type="body" idx="1"/>
+          </p:nvPr>
+        </p:nvSpPr>
+        <p:spPr/>
+        <p:txBody>
+          <a:bodyPr/>
+          <a:lstStyle/>
+          <a:p>
+            <a:pPr marL="171450" indent="-171450">
+              <a:buFont typeface="Arial" charset="0"/>
+              <a:buChar char="•"/>
+            </a:pPr>
+            <a:r>
+              <a:rPr lang="en-US" sz="1200" kern="1200" dirty="0" smtClean="0">
+                <a:solidFill>
+                  <a:schemeClr val="tx1"/>
+                </a:solidFill>
+                <a:effectLst/>
+                <a:latin typeface="+mn-lt"/>
+                <a:ea typeface="+mn-ea"/>
+                <a:cs typeface="+mn-cs"/>
+              </a:rPr>
+              <a:t>You have two choices:</a:t>
+            </a:r>
+          </a:p>
+          <a:p>
+            <a:pPr marL="628650" lvl="1" indent="-171450">
+              <a:buFont typeface="Arial" charset="0"/>
+              <a:buChar char="•"/>
+            </a:pPr>
+            <a:r>
+              <a:rPr lang="en-US" sz="1200" kern="1200" dirty="0" smtClean="0">
+                <a:solidFill>
+                  <a:schemeClr val="tx1"/>
+                </a:solidFill>
+                <a:effectLst/>
+                <a:latin typeface="+mn-lt"/>
+                <a:ea typeface="+mn-ea"/>
+                <a:cs typeface="+mn-cs"/>
+              </a:rPr>
+              <a:t>Fast but inaccurate</a:t>
+            </a:r>
+          </a:p>
+          <a:p>
+            <a:pPr marL="628650" lvl="1" indent="-171450">
+              <a:buFont typeface="Arial" charset="0"/>
+              <a:buChar char="•"/>
+            </a:pPr>
+            <a:r>
+              <a:rPr lang="en-US" sz="1200" kern="1200" dirty="0" smtClean="0">
+                <a:solidFill>
+                  <a:schemeClr val="tx1"/>
+                </a:solidFill>
+                <a:effectLst/>
+                <a:latin typeface="+mn-lt"/>
+                <a:ea typeface="+mn-ea"/>
+                <a:cs typeface="+mn-cs"/>
+              </a:rPr>
+              <a:t>Accurate but</a:t>
+            </a:r>
+            <a:r>
+              <a:rPr lang="en-US" sz="1200" kern="1200" baseline="0" dirty="0" smtClean="0">
+                <a:solidFill>
+                  <a:schemeClr val="tx1"/>
+                </a:solidFill>
+                <a:effectLst/>
+                <a:latin typeface="+mn-lt"/>
+                <a:ea typeface="+mn-ea"/>
+                <a:cs typeface="+mn-cs"/>
+              </a:rPr>
+              <a:t> slow</a:t>
+            </a:r>
+            <a:endParaRPr lang="en-US" sz="1200" kern="1200" dirty="0" smtClean="0">
+              <a:solidFill>
+                <a:schemeClr val="tx1"/>
+              </a:solidFill>
+              <a:effectLst/>
+              <a:latin typeface="+mn-lt"/>
+              <a:ea typeface="+mn-ea"/>
+              <a:cs typeface="+mn-cs"/>
+            </a:endParaRPr>
+          </a:p>
+        </p:txBody>
+      </p:sp>
+      <p:sp>
+        <p:nvSpPr>
+          <p:cNvPr id="4" name="Slide Number Placeholder 3"/>
+          <p:cNvSpPr>
+            <a:spLocks noGrp="1"/>
+          </p:cNvSpPr>
+          <p:nvPr>
+            <p:ph type="sldNum" sz="quarter" idx="10"/>
+          </p:nvPr>
+        </p:nvSpPr>
+        <p:spPr/>
+        <p:txBody>
+          <a:bodyPr/>
+          <a:lstStyle/>
+          <a:p>
+            <a:fld id="{BBC1DE02-C006-4F38-873D-E62701AB1734}" type="slidenum">
+              <a:rPr lang="en-NZ" smtClean="0"/>
+              <a:t>8</a:t>
+            </a:fld>
+            <a:endParaRPr lang="en-NZ"/>
+          </a:p>
+        </p:txBody>
+      </p:sp>
+    </p:spTree>
+    <p:extLst>
+      <p:ext uri="{BB962C8B-B14F-4D97-AF65-F5344CB8AC3E}">
+        <p14:creationId xmlns:p14="http://schemas.microsoft.com/office/powerpoint/2010/main" val="4200993541"/>
+      </p:ext>
+    </p:extLst>
+  </p:cSld>
+  <p:clrMapOvr>
+    <a:masterClrMapping/>
+  </p:clrMapOvr>
+</p:notes>
+</file>
+
+<file path=ppt/notesSlides/notesSlide8.xml><?xml version="1.0" encoding="utf-8"?>
+<p:notes xmlns:a="http://schemas.openxmlformats.org/drawingml/2006/main" xmlns:r="http://schemas.openxmlformats.org/officeDocument/2006/relationships" xmlns:p="http://schemas.openxmlformats.org/presentationml/2006/main">
+  <p:cSld>
+    <p:spTree>
+      <p:nvGrpSpPr>
+        <p:cNvPr id="1" name=""/>
+        <p:cNvGrpSpPr/>
+        <p:nvPr/>
+      </p:nvGrpSpPr>
+      <p:grpSpPr>
+        <a:xfrm>
+          <a:off x="0" y="0"/>
+          <a:ext cx="0" cy="0"/>
+          <a:chOff x="0" y="0"/>
+          <a:chExt cx="0" cy="0"/>
+        </a:xfrm>
+      </p:grpSpPr>
+      <p:sp>
+        <p:nvSpPr>
+          <p:cNvPr id="2" name="Slide Image Placeholder 1"/>
+          <p:cNvSpPr>
+            <a:spLocks noGrp="1" noRot="1" noChangeAspect="1"/>
+          </p:cNvSpPr>
+          <p:nvPr>
+            <p:ph type="sldImg"/>
+          </p:nvPr>
+        </p:nvSpPr>
+        <p:spPr/>
+      </p:sp>
+      <p:sp>
+        <p:nvSpPr>
+          <p:cNvPr id="3" name="Notes Placeholder 2"/>
+          <p:cNvSpPr>
+            <a:spLocks noGrp="1"/>
+          </p:cNvSpPr>
+          <p:nvPr>
+            <p:ph type="body" idx="1"/>
+          </p:nvPr>
+        </p:nvSpPr>
+        <p:spPr/>
+        <p:txBody>
+          <a:bodyPr/>
+          <a:lstStyle/>
+          <a:p>
+            <a:pPr marL="171450" indent="-171450">
+              <a:buFont typeface="Arial" charset="0"/>
+              <a:buChar char="•"/>
+            </a:pPr>
+            <a:r>
+              <a:rPr lang="en-NZ" sz="1200" kern="1200" dirty="0" smtClean="0">
+                <a:solidFill>
+                  <a:schemeClr val="tx1"/>
+                </a:solidFill>
+                <a:effectLst/>
+                <a:latin typeface="+mn-lt"/>
+                <a:ea typeface="+mn-ea"/>
+                <a:cs typeface="+mn-cs"/>
+              </a:rPr>
+              <a:t>This computation is O(n2) in the number of pixels.</a:t>
+            </a:r>
+            <a:r>
+              <a:rPr lang="en-NZ" sz="1200" kern="1200" baseline="0" dirty="0" smtClean="0">
+                <a:solidFill>
+                  <a:schemeClr val="tx1"/>
+                </a:solidFill>
+                <a:effectLst/>
+                <a:latin typeface="+mn-lt"/>
+                <a:ea typeface="+mn-ea"/>
+                <a:cs typeface="+mn-cs"/>
+              </a:rPr>
+              <a:t> Terrible speed, b</a:t>
+            </a:r>
+            <a:r>
+              <a:rPr lang="en-NZ" sz="1200" kern="1200" dirty="0" smtClean="0">
+                <a:solidFill>
+                  <a:schemeClr val="tx1"/>
+                </a:solidFill>
+                <a:effectLst/>
+                <a:latin typeface="+mn-lt"/>
+                <a:ea typeface="+mn-ea"/>
+                <a:cs typeface="+mn-cs"/>
+              </a:rPr>
+              <a:t>ut it is very accurate</a:t>
+            </a:r>
+          </a:p>
+        </p:txBody>
+      </p:sp>
+      <p:sp>
+        <p:nvSpPr>
+          <p:cNvPr id="4" name="Slide Number Placeholder 3"/>
+          <p:cNvSpPr>
+            <a:spLocks noGrp="1"/>
+          </p:cNvSpPr>
+          <p:nvPr>
+            <p:ph type="sldNum" sz="quarter" idx="10"/>
+          </p:nvPr>
+        </p:nvSpPr>
+        <p:spPr/>
+        <p:txBody>
+          <a:bodyPr/>
+          <a:lstStyle/>
+          <a:p>
+            <a:fld id="{BBC1DE02-C006-4F38-873D-E62701AB1734}" type="slidenum">
+              <a:rPr lang="en-NZ" smtClean="0"/>
+              <a:t>9</a:t>
+            </a:fld>
+            <a:endParaRPr lang="en-NZ"/>
+          </a:p>
+        </p:txBody>
+      </p:sp>
+    </p:spTree>
+    <p:extLst>
+      <p:ext uri="{BB962C8B-B14F-4D97-AF65-F5344CB8AC3E}">
+        <p14:creationId xmlns:p14="http://schemas.microsoft.com/office/powerpoint/2010/main" val="2799823561"/>
+      </p:ext>
+    </p:extLst>
+  </p:cSld>
+  <p:clrMapOvr>
+    <a:masterClrMapping/>
+  </p:clrMapOvr>
+</p:notes>
+</file>
+
+<file path=ppt/notesSlides/notesSlide9.xml><?xml version="1.0" encoding="utf-8"?>
+<p:notes xmlns:a="http://schemas.openxmlformats.org/drawingml/2006/main" xmlns:r="http://schemas.openxmlformats.org/officeDocument/2006/relationships" xmlns:p="http://schemas.openxmlformats.org/presentationml/2006/main">
+  <p:cSld>
+    <p:spTree>
+      <p:nvGrpSpPr>
+        <p:cNvPr id="1" name=""/>
+        <p:cNvGrpSpPr/>
+        <p:nvPr/>
+      </p:nvGrpSpPr>
+      <p:grpSpPr>
+        <a:xfrm>
+          <a:off x="0" y="0"/>
+          <a:ext cx="0" cy="0"/>
+          <a:chOff x="0" y="0"/>
+          <a:chExt cx="0" cy="0"/>
+        </a:xfrm>
+      </p:grpSpPr>
+      <p:sp>
+        <p:nvSpPr>
+          <p:cNvPr id="2" name="Slide Image Placeholder 1"/>
+          <p:cNvSpPr>
+            <a:spLocks noGrp="1" noRot="1" noChangeAspect="1"/>
+          </p:cNvSpPr>
+          <p:nvPr>
+            <p:ph type="sldImg"/>
+          </p:nvPr>
+        </p:nvSpPr>
+        <p:spPr/>
+      </p:sp>
+      <p:sp>
+        <p:nvSpPr>
+          <p:cNvPr id="3" name="Notes Placeholder 2"/>
+          <p:cNvSpPr>
+            <a:spLocks noGrp="1"/>
+          </p:cNvSpPr>
+          <p:nvPr>
+            <p:ph type="body" idx="1"/>
+          </p:nvPr>
+        </p:nvSpPr>
+        <p:spPr/>
+        <p:txBody>
+          <a:bodyPr/>
+          <a:lstStyle/>
+          <a:p>
+            <a:pPr marL="171450" indent="-171450">
+              <a:buFont typeface="Arial" charset="0"/>
+              <a:buChar char="•"/>
+            </a:pPr>
+            <a:r>
+              <a:rPr lang="en-NZ" sz="1200" kern="1200" dirty="0" smtClean="0">
+                <a:solidFill>
+                  <a:schemeClr val="tx1"/>
+                </a:solidFill>
+                <a:effectLst/>
+                <a:latin typeface="+mn-lt"/>
+                <a:ea typeface="+mn-ea"/>
+                <a:cs typeface="+mn-cs"/>
+              </a:rPr>
+              <a:t>An interesting technique</a:t>
+            </a:r>
+          </a:p>
+          <a:p>
+            <a:pPr marL="171450" indent="-171450">
+              <a:buFont typeface="Arial" charset="0"/>
+              <a:buChar char="•"/>
+            </a:pPr>
+            <a:endParaRPr lang="en-NZ" sz="1200" kern="1200" dirty="0" smtClean="0">
+              <a:solidFill>
+                <a:schemeClr val="tx1"/>
+              </a:solidFill>
+              <a:effectLst/>
+              <a:latin typeface="+mn-lt"/>
+              <a:ea typeface="+mn-ea"/>
+              <a:cs typeface="+mn-cs"/>
+            </a:endParaRPr>
+          </a:p>
+          <a:p>
+            <a:pPr marL="171450" indent="-171450">
+              <a:buFont typeface="Arial" charset="0"/>
+              <a:buChar char="•"/>
+            </a:pPr>
+            <a:r>
+              <a:rPr lang="en-NZ" sz="1200" kern="1200" dirty="0" smtClean="0">
+                <a:solidFill>
+                  <a:schemeClr val="tx1"/>
+                </a:solidFill>
+                <a:effectLst/>
+                <a:latin typeface="+mn-lt"/>
+                <a:ea typeface="+mn-ea"/>
+                <a:cs typeface="+mn-cs"/>
+              </a:rPr>
+              <a:t>A collision map can speed up this process</a:t>
+            </a:r>
+          </a:p>
+          <a:p>
+            <a:pPr marL="171450" indent="-171450">
+              <a:buFont typeface="Arial" charset="0"/>
+              <a:buChar char="•"/>
+            </a:pPr>
+            <a:endParaRPr lang="en-NZ" sz="1200" kern="1200" dirty="0" smtClean="0">
+              <a:solidFill>
+                <a:schemeClr val="tx1"/>
+              </a:solidFill>
+              <a:effectLst/>
+              <a:latin typeface="+mn-lt"/>
+              <a:ea typeface="+mn-ea"/>
+              <a:cs typeface="+mn-cs"/>
+            </a:endParaRPr>
+          </a:p>
+          <a:p>
+            <a:pPr marL="171450" indent="-171450">
+              <a:buFont typeface="Arial" charset="0"/>
+              <a:buChar char="•"/>
+            </a:pPr>
+            <a:r>
+              <a:rPr lang="en-NZ" sz="1200" kern="1200" dirty="0" smtClean="0">
+                <a:solidFill>
+                  <a:schemeClr val="tx1"/>
+                </a:solidFill>
+                <a:effectLst/>
+                <a:latin typeface="+mn-lt"/>
+                <a:ea typeface="+mn-ea"/>
+                <a:cs typeface="+mn-cs"/>
+              </a:rPr>
+              <a:t>Set it up in the sprite’s constructor</a:t>
+            </a:r>
+          </a:p>
+          <a:p>
+            <a:pPr marL="171450" indent="-171450">
+              <a:buFont typeface="Arial" charset="0"/>
+              <a:buChar char="•"/>
+            </a:pPr>
+            <a:endParaRPr lang="en-NZ" sz="1200" kern="1200" dirty="0" smtClean="0">
+              <a:solidFill>
+                <a:schemeClr val="tx1"/>
+              </a:solidFill>
+              <a:effectLst/>
+              <a:latin typeface="+mn-lt"/>
+              <a:ea typeface="+mn-ea"/>
+              <a:cs typeface="+mn-cs"/>
+            </a:endParaRPr>
+          </a:p>
+          <a:p>
+            <a:pPr marL="171450" indent="-171450">
+              <a:buFont typeface="Arial" charset="0"/>
+              <a:buChar char="•"/>
+            </a:pPr>
+            <a:r>
+              <a:rPr lang="en-NZ" sz="1200" kern="1200" dirty="0" smtClean="0">
+                <a:solidFill>
+                  <a:schemeClr val="tx1"/>
+                </a:solidFill>
+                <a:effectLst/>
+                <a:latin typeface="+mn-lt"/>
+                <a:ea typeface="+mn-ea"/>
+                <a:cs typeface="+mn-cs"/>
+              </a:rPr>
+              <a:t>Here you don’t have to keep calling the </a:t>
+            </a:r>
+            <a:r>
+              <a:rPr lang="en-NZ" sz="1200" kern="1200" dirty="0" err="1" smtClean="0">
+                <a:solidFill>
+                  <a:schemeClr val="tx1"/>
+                </a:solidFill>
+                <a:effectLst/>
+                <a:latin typeface="+mn-lt"/>
+                <a:ea typeface="+mn-ea"/>
+                <a:cs typeface="+mn-cs"/>
+              </a:rPr>
+              <a:t>GetPixel</a:t>
+            </a:r>
+            <a:r>
+              <a:rPr lang="en-NZ" sz="1200" kern="1200" dirty="0" smtClean="0">
+                <a:solidFill>
+                  <a:schemeClr val="tx1"/>
+                </a:solidFill>
+                <a:effectLst/>
+                <a:latin typeface="+mn-lt"/>
+                <a:ea typeface="+mn-ea"/>
+                <a:cs typeface="+mn-cs"/>
+              </a:rPr>
+              <a:t> method and comparing the colours all the time, you just grab the bit</a:t>
+            </a:r>
+          </a:p>
+          <a:p>
+            <a:pPr marL="171450" indent="-171450">
+              <a:buFont typeface="Arial" charset="0"/>
+              <a:buChar char="•"/>
+            </a:pPr>
+            <a:endParaRPr lang="en-NZ" sz="1200" kern="1200" dirty="0" smtClean="0">
+              <a:solidFill>
+                <a:schemeClr val="tx1"/>
+              </a:solidFill>
+              <a:effectLst/>
+              <a:latin typeface="+mn-lt"/>
+              <a:ea typeface="+mn-ea"/>
+              <a:cs typeface="+mn-cs"/>
+            </a:endParaRPr>
+          </a:p>
+          <a:p>
+            <a:pPr marL="171450" indent="-171450">
+              <a:buFont typeface="Arial" charset="0"/>
+              <a:buChar char="•"/>
+            </a:pPr>
+            <a:r>
+              <a:rPr lang="en-NZ" sz="1200" kern="1200" dirty="0" smtClean="0">
+                <a:solidFill>
+                  <a:schemeClr val="tx1"/>
+                </a:solidFill>
+                <a:effectLst/>
+                <a:latin typeface="+mn-lt"/>
+                <a:ea typeface="+mn-ea"/>
+                <a:cs typeface="+mn-cs"/>
+              </a:rPr>
+              <a:t>Still O(n**2) though</a:t>
+            </a:r>
+          </a:p>
+        </p:txBody>
+      </p:sp>
+      <p:sp>
+        <p:nvSpPr>
+          <p:cNvPr id="4" name="Slide Number Placeholder 3"/>
+          <p:cNvSpPr>
+            <a:spLocks noGrp="1"/>
+          </p:cNvSpPr>
+          <p:nvPr>
+            <p:ph type="sldNum" sz="quarter" idx="10"/>
+          </p:nvPr>
+        </p:nvSpPr>
+        <p:spPr/>
+        <p:txBody>
+          <a:bodyPr/>
+          <a:lstStyle/>
+          <a:p>
+            <a:fld id="{BBC1DE02-C006-4F38-873D-E62701AB1734}" type="slidenum">
+              <a:rPr lang="en-NZ" smtClean="0"/>
+              <a:t>10</a:t>
+            </a:fld>
+            <a:endParaRPr lang="en-NZ"/>
+          </a:p>
+        </p:txBody>
+      </p:sp>
+    </p:spTree>
+    <p:extLst>
+      <p:ext uri="{BB962C8B-B14F-4D97-AF65-F5344CB8AC3E}">
+        <p14:creationId xmlns:p14="http://schemas.microsoft.com/office/powerpoint/2010/main" val="2631312831"/>
       </p:ext>
     </p:extLst>
   </p:cSld>
@@ -1231,7 +4474,7 @@
           <a:p>
             <a:fld id="{F8166F1F-CE9B-4651-A6AA-CD717754106B}" type="datetimeFigureOut">
               <a:rPr lang="en-US" smtClean="0"/>
-              <a:t>9/15/19</a:t>
+              <a:t>9/17/2019</a:t>
             </a:fld>
             <a:endParaRPr lang="en-US"/>
           </a:p>
@@ -1396,7 +4639,7 @@
           <a:p>
             <a:fld id="{A76116CE-C4A3-4A05-B2D7-7C2E9A889C0F}" type="datetimeFigureOut">
               <a:rPr lang="en-US" smtClean="0"/>
-              <a:t>9/15/19</a:t>
+              <a:t>9/17/2019</a:t>
             </a:fld>
             <a:endParaRPr lang="en-US"/>
           </a:p>
@@ -1571,7 +4814,7 @@
           <a:p>
             <a:fld id="{A76116CE-C4A3-4A05-B2D7-7C2E9A889C0F}" type="datetimeFigureOut">
               <a:rPr lang="en-US" smtClean="0"/>
-              <a:t>9/15/19</a:t>
+              <a:t>9/17/2019</a:t>
             </a:fld>
             <a:endParaRPr lang="en-US"/>
           </a:p>
@@ -1738,7 +4981,7 @@
           <a:p>
             <a:fld id="{A76116CE-C4A3-4A05-B2D7-7C2E9A889C0F}" type="datetimeFigureOut">
               <a:rPr lang="en-US" smtClean="0"/>
-              <a:t>9/15/19</a:t>
+              <a:t>9/17/2019</a:t>
             </a:fld>
             <a:endParaRPr lang="en-US"/>
           </a:p>
@@ -1979,7 +5222,7 @@
           <a:p>
             <a:fld id="{A76116CE-C4A3-4A05-B2D7-7C2E9A889C0F}" type="datetimeFigureOut">
               <a:rPr lang="en-US" smtClean="0"/>
-              <a:t>9/15/19</a:t>
+              <a:t>9/17/2019</a:t>
             </a:fld>
             <a:endParaRPr lang="en-US"/>
           </a:p>
@@ -2262,7 +5505,7 @@
           <a:p>
             <a:fld id="{A76116CE-C4A3-4A05-B2D7-7C2E9A889C0F}" type="datetimeFigureOut">
               <a:rPr lang="en-US" smtClean="0"/>
-              <a:t>9/15/19</a:t>
+              <a:t>9/17/2019</a:t>
             </a:fld>
             <a:endParaRPr lang="en-US"/>
           </a:p>
@@ -2679,7 +5922,7 @@
           <a:p>
             <a:fld id="{A76116CE-C4A3-4A05-B2D7-7C2E9A889C0F}" type="datetimeFigureOut">
               <a:rPr lang="en-US" smtClean="0"/>
-              <a:t>9/15/19</a:t>
+              <a:t>9/17/2019</a:t>
             </a:fld>
             <a:endParaRPr lang="en-US"/>
           </a:p>
@@ -2792,7 +6035,7 @@
           <a:p>
             <a:fld id="{A76116CE-C4A3-4A05-B2D7-7C2E9A889C0F}" type="datetimeFigureOut">
               <a:rPr lang="en-US" smtClean="0"/>
-              <a:t>9/15/19</a:t>
+              <a:t>9/17/2019</a:t>
             </a:fld>
             <a:endParaRPr lang="en-US"/>
           </a:p>
@@ -2882,7 +6125,7 @@
           <a:p>
             <a:fld id="{A76116CE-C4A3-4A05-B2D7-7C2E9A889C0F}" type="datetimeFigureOut">
               <a:rPr lang="en-US" smtClean="0"/>
-              <a:t>9/15/19</a:t>
+              <a:t>9/17/2019</a:t>
             </a:fld>
             <a:endParaRPr lang="en-US"/>
           </a:p>
@@ -3154,7 +6397,7 @@
           <a:p>
             <a:fld id="{A76116CE-C4A3-4A05-B2D7-7C2E9A889C0F}" type="datetimeFigureOut">
               <a:rPr lang="en-US" smtClean="0"/>
-              <a:t>9/15/19</a:t>
+              <a:t>9/17/2019</a:t>
             </a:fld>
             <a:endParaRPr lang="en-US"/>
           </a:p>
@@ -3402,7 +6645,7 @@
           <a:p>
             <a:fld id="{A76116CE-C4A3-4A05-B2D7-7C2E9A889C0F}" type="datetimeFigureOut">
               <a:rPr lang="en-US" smtClean="0"/>
-              <a:t>9/15/19</a:t>
+              <a:t>9/17/2019</a:t>
             </a:fld>
             <a:endParaRPr lang="en-US"/>
           </a:p>
@@ -3610,7 +6853,7 @@
           <a:p>
             <a:fld id="{F8166F1F-CE9B-4651-A6AA-CD717754106B}" type="datetimeFigureOut">
               <a:rPr lang="en-US" smtClean="0"/>
-              <a:t>9/15/19</a:t>
+              <a:t>9/17/2019</a:t>
             </a:fld>
             <a:endParaRPr lang="en-US"/>
           </a:p>
@@ -3966,6 +7209,17 @@
 <file path=ppt/slides/slide1.xml><?xml version="1.0" encoding="utf-8"?>
 <p:sld xmlns:a="http://schemas.openxmlformats.org/drawingml/2006/main" xmlns:r="http://schemas.openxmlformats.org/officeDocument/2006/relationships" xmlns:p="http://schemas.openxmlformats.org/presentationml/2006/main">
   <p:cSld>
+    <p:bg>
+      <p:bgPr>
+        <a:solidFill>
+          <a:schemeClr val="accent5">
+            <a:lumMod val="60000"/>
+            <a:lumOff val="40000"/>
+          </a:schemeClr>
+        </a:solidFill>
+        <a:effectLst/>
+      </p:bgPr>
+    </p:bg>
     <p:spTree>
       <p:nvGrpSpPr>
         <p:cNvPr id="1" name=""/>
@@ -4061,9 +7315,2333 @@
 </p:sld>
 </file>
 
+<file path=ppt/slides/slide10.xml><?xml version="1.0" encoding="utf-8"?>
+<p:sld xmlns:a="http://schemas.openxmlformats.org/drawingml/2006/main" xmlns:r="http://schemas.openxmlformats.org/officeDocument/2006/relationships" xmlns:p="http://schemas.openxmlformats.org/presentationml/2006/main">
+  <p:cSld>
+    <p:bg>
+      <p:bgPr>
+        <a:solidFill>
+          <a:schemeClr val="accent5">
+            <a:lumMod val="60000"/>
+            <a:lumOff val="40000"/>
+          </a:schemeClr>
+        </a:solidFill>
+        <a:effectLst/>
+      </p:bgPr>
+    </p:bg>
+    <p:spTree>
+      <p:nvGrpSpPr>
+        <p:cNvPr id="1" name=""/>
+        <p:cNvGrpSpPr/>
+        <p:nvPr/>
+      </p:nvGrpSpPr>
+      <p:grpSpPr>
+        <a:xfrm>
+          <a:off x="0" y="0"/>
+          <a:ext cx="0" cy="0"/>
+          <a:chOff x="0" y="0"/>
+          <a:chExt cx="0" cy="0"/>
+        </a:xfrm>
+      </p:grpSpPr>
+      <p:sp>
+        <p:nvSpPr>
+          <p:cNvPr id="3" name="Rectangle 2"/>
+          <p:cNvSpPr/>
+          <p:nvPr/>
+        </p:nvSpPr>
+        <p:spPr>
+          <a:xfrm>
+            <a:off x="0" y="0"/>
+            <a:ext cx="9144000" cy="4632037"/>
+          </a:xfrm>
+          <a:prstGeom prst="rect">
+            <a:avLst/>
+          </a:prstGeom>
+        </p:spPr>
+        <p:txBody>
+          <a:bodyPr wrap="square">
+            <a:spAutoFit/>
+          </a:bodyPr>
+          <a:lstStyle/>
+          <a:p>
+            <a:pPr algn="ctr"/>
+            <a:endParaRPr lang="en-US" sz="4000" b="1" dirty="0"/>
+          </a:p>
+          <a:p>
+            <a:pPr lvl="1"/>
+            <a:r>
+              <a:rPr lang="en-NZ" sz="3500" b="1" dirty="0" smtClean="0"/>
+              <a:t>Accurate collision detection</a:t>
+            </a:r>
+            <a:endParaRPr lang="en-US" sz="3500" b="1" dirty="0" smtClean="0"/>
+          </a:p>
+          <a:p>
+            <a:pPr marL="1657350" lvl="2" indent="-742950">
+              <a:buFont typeface="Arial" panose="020B0604020202020204" pitchFamily="34" charset="0"/>
+              <a:buChar char="•"/>
+            </a:pPr>
+            <a:endParaRPr lang="en-US" sz="2500" dirty="0" smtClean="0"/>
+          </a:p>
+          <a:p>
+            <a:pPr marL="1657350" lvl="2" indent="-742950">
+              <a:buFont typeface="Arial" panose="020B0604020202020204" pitchFamily="34" charset="0"/>
+              <a:buChar char="•"/>
+            </a:pPr>
+            <a:r>
+              <a:rPr lang="en-NZ" sz="2500" dirty="0" smtClean="0"/>
+              <a:t>Collision map</a:t>
+            </a:r>
+          </a:p>
+          <a:p>
+            <a:pPr marL="2114550" lvl="3" indent="-742950">
+              <a:buFont typeface="Arial" panose="020B0604020202020204" pitchFamily="34" charset="0"/>
+              <a:buChar char="•"/>
+            </a:pPr>
+            <a:r>
+              <a:rPr lang="en-NZ" sz="2000" dirty="0"/>
+              <a:t>For each sprite, construct a grid of bits the same size as </a:t>
+            </a:r>
+            <a:endParaRPr lang="en-NZ" sz="2000" dirty="0" smtClean="0"/>
+          </a:p>
+          <a:p>
+            <a:pPr lvl="3"/>
+            <a:r>
+              <a:rPr lang="en-NZ" sz="2000" dirty="0"/>
+              <a:t>	</a:t>
+            </a:r>
+            <a:r>
+              <a:rPr lang="en-NZ" sz="2000" dirty="0" smtClean="0"/>
+              <a:t>     the </a:t>
+            </a:r>
+            <a:r>
+              <a:rPr lang="en-NZ" sz="2000" dirty="0"/>
+              <a:t>image in pixels</a:t>
+            </a:r>
+          </a:p>
+          <a:p>
+            <a:pPr marL="2114550" lvl="3" indent="-742950">
+              <a:buFont typeface="Arial" panose="020B0604020202020204" pitchFamily="34" charset="0"/>
+              <a:buChar char="•"/>
+            </a:pPr>
+            <a:r>
+              <a:rPr lang="en-NZ" sz="2000" dirty="0"/>
+              <a:t>Bit = 1 if the corresponding pixel is solid</a:t>
+            </a:r>
+          </a:p>
+          <a:p>
+            <a:pPr marL="2114550" lvl="3" indent="-742950">
+              <a:buFont typeface="Arial" panose="020B0604020202020204" pitchFamily="34" charset="0"/>
+              <a:buChar char="•"/>
+            </a:pPr>
+            <a:r>
+              <a:rPr lang="en-NZ" sz="2000" dirty="0"/>
+              <a:t>Bit = 0 if the corresponding pixel is transparent</a:t>
+            </a:r>
+          </a:p>
+          <a:p>
+            <a:pPr marL="2114550" lvl="3" indent="-742950">
+              <a:buFont typeface="Arial" panose="020B0604020202020204" pitchFamily="34" charset="0"/>
+              <a:buChar char="•"/>
+            </a:pPr>
+            <a:r>
+              <a:rPr lang="en-NZ" sz="2000" dirty="0"/>
+              <a:t>Comparison uses logical AND</a:t>
+            </a:r>
+          </a:p>
+          <a:p>
+            <a:pPr lvl="2"/>
+            <a:endParaRPr lang="en-US" sz="2000" dirty="0" smtClean="0"/>
+          </a:p>
+          <a:p>
+            <a:pPr marL="1657350" lvl="2" indent="-742950">
+              <a:buFont typeface="Arial" panose="020B0604020202020204" pitchFamily="34" charset="0"/>
+              <a:buChar char="•"/>
+            </a:pPr>
+            <a:endParaRPr lang="en-US" sz="2500" dirty="0" smtClean="0"/>
+          </a:p>
+          <a:p>
+            <a:pPr marL="1657350" lvl="2" indent="-742950">
+              <a:buFont typeface="Arial" panose="020B0604020202020204" pitchFamily="34" charset="0"/>
+              <a:buChar char="•"/>
+            </a:pPr>
+            <a:endParaRPr lang="en-US" sz="2500" dirty="0" smtClean="0"/>
+          </a:p>
+        </p:txBody>
+      </p:sp>
+    </p:spTree>
+    <p:extLst>
+      <p:ext uri="{BB962C8B-B14F-4D97-AF65-F5344CB8AC3E}">
+        <p14:creationId xmlns:p14="http://schemas.microsoft.com/office/powerpoint/2010/main" val="57847957"/>
+      </p:ext>
+    </p:extLst>
+  </p:cSld>
+  <p:clrMapOvr>
+    <a:masterClrMapping/>
+  </p:clrMapOvr>
+  <p:timing>
+    <p:tnLst>
+      <p:par>
+        <p:cTn id="1" dur="indefinite" restart="never" nodeType="tmRoot"/>
+      </p:par>
+    </p:tnLst>
+  </p:timing>
+</p:sld>
+</file>
+
+<file path=ppt/slides/slide11.xml><?xml version="1.0" encoding="utf-8"?>
+<p:sld xmlns:a="http://schemas.openxmlformats.org/drawingml/2006/main" xmlns:r="http://schemas.openxmlformats.org/officeDocument/2006/relationships" xmlns:p="http://schemas.openxmlformats.org/presentationml/2006/main">
+  <p:cSld>
+    <p:bg>
+      <p:bgPr>
+        <a:solidFill>
+          <a:schemeClr val="accent5">
+            <a:lumMod val="60000"/>
+            <a:lumOff val="40000"/>
+          </a:schemeClr>
+        </a:solidFill>
+        <a:effectLst/>
+      </p:bgPr>
+    </p:bg>
+    <p:spTree>
+      <p:nvGrpSpPr>
+        <p:cNvPr id="1" name=""/>
+        <p:cNvGrpSpPr/>
+        <p:nvPr/>
+      </p:nvGrpSpPr>
+      <p:grpSpPr>
+        <a:xfrm>
+          <a:off x="0" y="0"/>
+          <a:ext cx="0" cy="0"/>
+          <a:chOff x="0" y="0"/>
+          <a:chExt cx="0" cy="0"/>
+        </a:xfrm>
+      </p:grpSpPr>
+      <p:sp>
+        <p:nvSpPr>
+          <p:cNvPr id="3" name="Rectangle 2"/>
+          <p:cNvSpPr/>
+          <p:nvPr/>
+        </p:nvSpPr>
+        <p:spPr>
+          <a:xfrm>
+            <a:off x="0" y="0"/>
+            <a:ext cx="9144000" cy="2015936"/>
+          </a:xfrm>
+          <a:prstGeom prst="rect">
+            <a:avLst/>
+          </a:prstGeom>
+        </p:spPr>
+        <p:txBody>
+          <a:bodyPr wrap="square">
+            <a:spAutoFit/>
+          </a:bodyPr>
+          <a:lstStyle/>
+          <a:p>
+            <a:pPr lvl="1"/>
+            <a:endParaRPr lang="en-US" sz="4000" b="1" dirty="0"/>
+          </a:p>
+          <a:p>
+            <a:pPr lvl="1"/>
+            <a:r>
+              <a:rPr lang="en-NZ" sz="3500" b="1" dirty="0" smtClean="0"/>
+              <a:t>Accurate </a:t>
+            </a:r>
+            <a:r>
+              <a:rPr lang="en-NZ" sz="3500" b="1" dirty="0"/>
+              <a:t>collision detection</a:t>
+            </a:r>
+            <a:endParaRPr lang="en-US" sz="3500" b="1" dirty="0"/>
+          </a:p>
+          <a:p>
+            <a:pPr marL="1657350" lvl="2" indent="-742950">
+              <a:buFont typeface="Arial" panose="020B0604020202020204" pitchFamily="34" charset="0"/>
+              <a:buChar char="•"/>
+            </a:pPr>
+            <a:endParaRPr lang="en-US" sz="2500" dirty="0" smtClean="0"/>
+          </a:p>
+          <a:p>
+            <a:pPr marL="1657350" lvl="2" indent="-742950">
+              <a:buFont typeface="Arial" panose="020B0604020202020204" pitchFamily="34" charset="0"/>
+              <a:buChar char="•"/>
+            </a:pPr>
+            <a:r>
+              <a:rPr lang="en-NZ" sz="2500" dirty="0" smtClean="0"/>
+              <a:t>Bounding areas</a:t>
+            </a:r>
+            <a:endParaRPr lang="en-NZ" sz="2000" dirty="0"/>
+          </a:p>
+        </p:txBody>
+      </p:sp>
+      <p:pic>
+        <p:nvPicPr>
+          <p:cNvPr id="6" name="Picture 4" descr="anim_msword_flyingwraith"/>
+          <p:cNvPicPr>
+            <a:picLocks noChangeAspect="1" noChangeArrowheads="1" noCrop="1"/>
+          </p:cNvPicPr>
+          <p:nvPr/>
+        </p:nvPicPr>
+        <p:blipFill>
+          <a:blip r:embed="rId3" cstate="print"/>
+          <a:srcRect/>
+          <a:stretch>
+            <a:fillRect/>
+          </a:stretch>
+        </p:blipFill>
+        <p:spPr>
+          <a:xfrm>
+            <a:off x="4140200" y="3136900"/>
+            <a:ext cx="2767012" cy="1543050"/>
+          </a:xfrm>
+          <a:prstGeom prst="rect">
+            <a:avLst/>
+          </a:prstGeom>
+          <a:noFill/>
+          <a:ln/>
+        </p:spPr>
+      </p:pic>
+      <p:pic>
+        <p:nvPicPr>
+          <p:cNvPr id="7" name="Picture 5" descr="Diablo"/>
+          <p:cNvPicPr>
+            <a:picLocks noChangeAspect="1" noChangeArrowheads="1" noCrop="1"/>
+          </p:cNvPicPr>
+          <p:nvPr/>
+        </p:nvPicPr>
+        <p:blipFill>
+          <a:blip r:embed="rId4" cstate="print"/>
+          <a:srcRect/>
+          <a:stretch>
+            <a:fillRect/>
+          </a:stretch>
+        </p:blipFill>
+        <p:spPr>
+          <a:xfrm>
+            <a:off x="1981200" y="2590800"/>
+            <a:ext cx="2303462" cy="2303463"/>
+          </a:xfrm>
+          <a:prstGeom prst="rect">
+            <a:avLst/>
+          </a:prstGeom>
+          <a:noFill/>
+          <a:ln/>
+        </p:spPr>
+      </p:pic>
+      <p:sp>
+        <p:nvSpPr>
+          <p:cNvPr id="8" name="Rectangle 6"/>
+          <p:cNvSpPr>
+            <a:spLocks noChangeArrowheads="1"/>
+          </p:cNvSpPr>
+          <p:nvPr/>
+        </p:nvSpPr>
+        <p:spPr bwMode="auto">
+          <a:xfrm>
+            <a:off x="1979612" y="2590800"/>
+            <a:ext cx="2376488" cy="2376488"/>
+          </a:xfrm>
+          <a:prstGeom prst="rect">
+            <a:avLst/>
+          </a:prstGeom>
+          <a:noFill/>
+          <a:ln w="9525">
+            <a:solidFill>
+              <a:schemeClr val="tx1"/>
+            </a:solidFill>
+            <a:miter lim="800000"/>
+            <a:headEnd/>
+            <a:tailEnd/>
+          </a:ln>
+          <a:effectLst/>
+        </p:spPr>
+        <p:txBody>
+          <a:bodyPr wrap="none" anchor="ctr"/>
+          <a:lstStyle/>
+          <a:p>
+            <a:endParaRPr lang="en-NZ"/>
+          </a:p>
+        </p:txBody>
+      </p:sp>
+      <p:sp>
+        <p:nvSpPr>
+          <p:cNvPr id="9" name="Rectangle 8"/>
+          <p:cNvSpPr>
+            <a:spLocks noChangeArrowheads="1"/>
+          </p:cNvSpPr>
+          <p:nvPr/>
+        </p:nvSpPr>
+        <p:spPr bwMode="auto">
+          <a:xfrm>
+            <a:off x="4140200" y="3095625"/>
+            <a:ext cx="2808287" cy="1655763"/>
+          </a:xfrm>
+          <a:prstGeom prst="rect">
+            <a:avLst/>
+          </a:prstGeom>
+          <a:noFill/>
+          <a:ln w="9525">
+            <a:solidFill>
+              <a:schemeClr val="tx1"/>
+            </a:solidFill>
+            <a:miter lim="800000"/>
+            <a:headEnd/>
+            <a:tailEnd/>
+          </a:ln>
+          <a:effectLst/>
+        </p:spPr>
+        <p:txBody>
+          <a:bodyPr wrap="none" anchor="ctr"/>
+          <a:lstStyle/>
+          <a:p>
+            <a:endParaRPr lang="en-NZ"/>
+          </a:p>
+        </p:txBody>
+      </p:sp>
+    </p:spTree>
+    <p:extLst>
+      <p:ext uri="{BB962C8B-B14F-4D97-AF65-F5344CB8AC3E}">
+        <p14:creationId xmlns:p14="http://schemas.microsoft.com/office/powerpoint/2010/main" val="4038163892"/>
+      </p:ext>
+    </p:extLst>
+  </p:cSld>
+  <p:clrMapOvr>
+    <a:masterClrMapping/>
+  </p:clrMapOvr>
+  <p:timing>
+    <p:tnLst>
+      <p:par>
+        <p:cTn id="1" dur="indefinite" restart="never" nodeType="tmRoot"/>
+      </p:par>
+    </p:tnLst>
+  </p:timing>
+</p:sld>
+</file>
+
+<file path=ppt/slides/slide12.xml><?xml version="1.0" encoding="utf-8"?>
+<p:sld xmlns:a="http://schemas.openxmlformats.org/drawingml/2006/main" xmlns:r="http://schemas.openxmlformats.org/officeDocument/2006/relationships" xmlns:p="http://schemas.openxmlformats.org/presentationml/2006/main">
+  <p:cSld>
+    <p:bg>
+      <p:bgPr>
+        <a:solidFill>
+          <a:schemeClr val="accent5">
+            <a:lumMod val="60000"/>
+            <a:lumOff val="40000"/>
+          </a:schemeClr>
+        </a:solidFill>
+        <a:effectLst/>
+      </p:bgPr>
+    </p:bg>
+    <p:spTree>
+      <p:nvGrpSpPr>
+        <p:cNvPr id="1" name=""/>
+        <p:cNvGrpSpPr/>
+        <p:nvPr/>
+      </p:nvGrpSpPr>
+      <p:grpSpPr>
+        <a:xfrm>
+          <a:off x="0" y="0"/>
+          <a:ext cx="0" cy="0"/>
+          <a:chOff x="0" y="0"/>
+          <a:chExt cx="0" cy="0"/>
+        </a:xfrm>
+      </p:grpSpPr>
+      <p:sp>
+        <p:nvSpPr>
+          <p:cNvPr id="3" name="Rectangle 2"/>
+          <p:cNvSpPr/>
+          <p:nvPr/>
+        </p:nvSpPr>
+        <p:spPr>
+          <a:xfrm>
+            <a:off x="0" y="0"/>
+            <a:ext cx="9144000" cy="2015936"/>
+          </a:xfrm>
+          <a:prstGeom prst="rect">
+            <a:avLst/>
+          </a:prstGeom>
+        </p:spPr>
+        <p:txBody>
+          <a:bodyPr wrap="square">
+            <a:spAutoFit/>
+          </a:bodyPr>
+          <a:lstStyle/>
+          <a:p>
+            <a:pPr lvl="1"/>
+            <a:endParaRPr lang="en-US" sz="4000" b="1" dirty="0"/>
+          </a:p>
+          <a:p>
+            <a:pPr lvl="1"/>
+            <a:r>
+              <a:rPr lang="en-NZ" sz="3500" b="1" dirty="0" smtClean="0"/>
+              <a:t>Collision using bounding rectangles</a:t>
+            </a:r>
+            <a:endParaRPr lang="en-US" sz="3500" b="1" dirty="0"/>
+          </a:p>
+          <a:p>
+            <a:pPr marL="1657350" lvl="2" indent="-742950">
+              <a:buFont typeface="Arial" panose="020B0604020202020204" pitchFamily="34" charset="0"/>
+              <a:buChar char="•"/>
+            </a:pPr>
+            <a:endParaRPr lang="en-US" sz="2500" dirty="0" smtClean="0"/>
+          </a:p>
+          <a:p>
+            <a:pPr marL="1657350" lvl="2" indent="-742950">
+              <a:buFont typeface="Arial" panose="020B0604020202020204" pitchFamily="34" charset="0"/>
+              <a:buChar char="•"/>
+            </a:pPr>
+            <a:r>
+              <a:rPr lang="en-NZ" sz="2500" dirty="0" smtClean="0"/>
+              <a:t>Assume Sprite1 and Sprite2</a:t>
+            </a:r>
+            <a:endParaRPr lang="en-NZ" sz="2000" dirty="0"/>
+          </a:p>
+        </p:txBody>
+      </p:sp>
+      <p:pic>
+        <p:nvPicPr>
+          <p:cNvPr id="6" name="Picture 4" descr="anim_msword_flyingwraith"/>
+          <p:cNvPicPr>
+            <a:picLocks noChangeAspect="1" noChangeArrowheads="1" noCrop="1"/>
+          </p:cNvPicPr>
+          <p:nvPr/>
+        </p:nvPicPr>
+        <p:blipFill>
+          <a:blip r:embed="rId3" cstate="print"/>
+          <a:srcRect/>
+          <a:stretch>
+            <a:fillRect/>
+          </a:stretch>
+        </p:blipFill>
+        <p:spPr>
+          <a:xfrm>
+            <a:off x="5029200" y="2438400"/>
+            <a:ext cx="2767012" cy="1543050"/>
+          </a:xfrm>
+          <a:prstGeom prst="rect">
+            <a:avLst/>
+          </a:prstGeom>
+          <a:noFill/>
+          <a:ln/>
+        </p:spPr>
+      </p:pic>
+      <p:pic>
+        <p:nvPicPr>
+          <p:cNvPr id="7" name="Picture 5" descr="Diablo"/>
+          <p:cNvPicPr>
+            <a:picLocks noChangeAspect="1" noChangeArrowheads="1" noCrop="1"/>
+          </p:cNvPicPr>
+          <p:nvPr/>
+        </p:nvPicPr>
+        <p:blipFill>
+          <a:blip r:embed="rId4" cstate="print"/>
+          <a:srcRect/>
+          <a:stretch>
+            <a:fillRect/>
+          </a:stretch>
+        </p:blipFill>
+        <p:spPr>
+          <a:xfrm>
+            <a:off x="1828800" y="3352800"/>
+            <a:ext cx="2303462" cy="2303463"/>
+          </a:xfrm>
+          <a:prstGeom prst="rect">
+            <a:avLst/>
+          </a:prstGeom>
+          <a:noFill/>
+          <a:ln/>
+        </p:spPr>
+      </p:pic>
+      <p:sp>
+        <p:nvSpPr>
+          <p:cNvPr id="8" name="Rectangle 6"/>
+          <p:cNvSpPr>
+            <a:spLocks noChangeArrowheads="1"/>
+          </p:cNvSpPr>
+          <p:nvPr/>
+        </p:nvSpPr>
+        <p:spPr bwMode="auto">
+          <a:xfrm>
+            <a:off x="1827212" y="3352800"/>
+            <a:ext cx="2376488" cy="2376488"/>
+          </a:xfrm>
+          <a:prstGeom prst="rect">
+            <a:avLst/>
+          </a:prstGeom>
+          <a:noFill/>
+          <a:ln w="9525">
+            <a:solidFill>
+              <a:schemeClr val="tx1"/>
+            </a:solidFill>
+            <a:miter lim="800000"/>
+            <a:headEnd/>
+            <a:tailEnd/>
+          </a:ln>
+          <a:effectLst/>
+        </p:spPr>
+        <p:txBody>
+          <a:bodyPr wrap="none" anchor="ctr"/>
+          <a:lstStyle/>
+          <a:p>
+            <a:endParaRPr lang="en-NZ"/>
+          </a:p>
+        </p:txBody>
+      </p:sp>
+      <p:sp>
+        <p:nvSpPr>
+          <p:cNvPr id="9" name="Rectangle 8"/>
+          <p:cNvSpPr>
+            <a:spLocks noChangeArrowheads="1"/>
+          </p:cNvSpPr>
+          <p:nvPr/>
+        </p:nvSpPr>
+        <p:spPr bwMode="auto">
+          <a:xfrm>
+            <a:off x="5029200" y="2397125"/>
+            <a:ext cx="2808287" cy="1655763"/>
+          </a:xfrm>
+          <a:prstGeom prst="rect">
+            <a:avLst/>
+          </a:prstGeom>
+          <a:noFill/>
+          <a:ln w="9525">
+            <a:solidFill>
+              <a:schemeClr val="tx1"/>
+            </a:solidFill>
+            <a:miter lim="800000"/>
+            <a:headEnd/>
+            <a:tailEnd/>
+          </a:ln>
+          <a:effectLst/>
+        </p:spPr>
+        <p:txBody>
+          <a:bodyPr wrap="none" anchor="ctr"/>
+          <a:lstStyle/>
+          <a:p>
+            <a:endParaRPr lang="en-NZ"/>
+          </a:p>
+        </p:txBody>
+      </p:sp>
+    </p:spTree>
+    <p:extLst>
+      <p:ext uri="{BB962C8B-B14F-4D97-AF65-F5344CB8AC3E}">
+        <p14:creationId xmlns:p14="http://schemas.microsoft.com/office/powerpoint/2010/main" val="2667584538"/>
+      </p:ext>
+    </p:extLst>
+  </p:cSld>
+  <p:clrMapOvr>
+    <a:masterClrMapping/>
+  </p:clrMapOvr>
+  <p:timing>
+    <p:tnLst>
+      <p:par>
+        <p:cTn id="1" dur="indefinite" restart="never" nodeType="tmRoot"/>
+      </p:par>
+    </p:tnLst>
+  </p:timing>
+</p:sld>
+</file>
+
+<file path=ppt/slides/slide13.xml><?xml version="1.0" encoding="utf-8"?>
+<p:sld xmlns:a="http://schemas.openxmlformats.org/drawingml/2006/main" xmlns:r="http://schemas.openxmlformats.org/officeDocument/2006/relationships" xmlns:p="http://schemas.openxmlformats.org/presentationml/2006/main">
+  <p:cSld>
+    <p:bg>
+      <p:bgPr>
+        <a:solidFill>
+          <a:schemeClr val="accent5">
+            <a:lumMod val="60000"/>
+            <a:lumOff val="40000"/>
+          </a:schemeClr>
+        </a:solidFill>
+        <a:effectLst/>
+      </p:bgPr>
+    </p:bg>
+    <p:spTree>
+      <p:nvGrpSpPr>
+        <p:cNvPr id="1" name=""/>
+        <p:cNvGrpSpPr/>
+        <p:nvPr/>
+      </p:nvGrpSpPr>
+      <p:grpSpPr>
+        <a:xfrm>
+          <a:off x="0" y="0"/>
+          <a:ext cx="0" cy="0"/>
+          <a:chOff x="0" y="0"/>
+          <a:chExt cx="0" cy="0"/>
+        </a:xfrm>
+      </p:grpSpPr>
+      <p:sp>
+        <p:nvSpPr>
+          <p:cNvPr id="3" name="Rectangle 2"/>
+          <p:cNvSpPr/>
+          <p:nvPr/>
+        </p:nvSpPr>
+        <p:spPr>
+          <a:xfrm>
+            <a:off x="0" y="0"/>
+            <a:ext cx="9144000" cy="5170646"/>
+          </a:xfrm>
+          <a:prstGeom prst="rect">
+            <a:avLst/>
+          </a:prstGeom>
+        </p:spPr>
+        <p:txBody>
+          <a:bodyPr wrap="square">
+            <a:spAutoFit/>
+          </a:bodyPr>
+          <a:lstStyle/>
+          <a:p>
+            <a:pPr algn="ctr"/>
+            <a:endParaRPr lang="en-US" sz="4000" b="1" dirty="0"/>
+          </a:p>
+          <a:p>
+            <a:pPr lvl="1"/>
+            <a:r>
+              <a:rPr lang="en-NZ" sz="3500" b="1" dirty="0" smtClean="0"/>
+              <a:t>Collision using bounding rectangles</a:t>
+            </a:r>
+            <a:endParaRPr lang="en-US" sz="3500" b="1" dirty="0" smtClean="0"/>
+          </a:p>
+          <a:p>
+            <a:pPr marL="1657350" lvl="2" indent="-742950">
+              <a:buFont typeface="Arial" panose="020B0604020202020204" pitchFamily="34" charset="0"/>
+              <a:buChar char="•"/>
+            </a:pPr>
+            <a:endParaRPr lang="en-US" sz="2500" dirty="0" smtClean="0"/>
+          </a:p>
+          <a:p>
+            <a:pPr lvl="2"/>
+            <a:r>
+              <a:rPr lang="en-NZ" sz="2000" dirty="0"/>
+              <a:t>collided = true</a:t>
+            </a:r>
+          </a:p>
+          <a:p>
+            <a:pPr lvl="2"/>
+            <a:endParaRPr lang="en-NZ" sz="2000" dirty="0"/>
+          </a:p>
+          <a:p>
+            <a:pPr lvl="2"/>
+            <a:r>
+              <a:rPr lang="en-NZ" sz="2000" dirty="0"/>
+              <a:t>  if Sprite1’s </a:t>
+            </a:r>
+            <a:r>
+              <a:rPr lang="en-NZ" sz="2000" dirty="0" err="1"/>
+              <a:t>BottomEdge</a:t>
+            </a:r>
+            <a:r>
+              <a:rPr lang="en-NZ" sz="2000" dirty="0"/>
+              <a:t> &lt; Sprite2’s </a:t>
+            </a:r>
+            <a:r>
+              <a:rPr lang="en-NZ" sz="2000" dirty="0" err="1"/>
+              <a:t>TopEdge</a:t>
+            </a:r>
+            <a:r>
+              <a:rPr lang="en-NZ" sz="2000" dirty="0"/>
+              <a:t> Collided = false</a:t>
+            </a:r>
+          </a:p>
+          <a:p>
+            <a:pPr lvl="2"/>
+            <a:r>
+              <a:rPr lang="en-NZ" sz="2000" dirty="0"/>
+              <a:t>  if Sprite1’s </a:t>
+            </a:r>
+            <a:r>
+              <a:rPr lang="en-NZ" sz="2000" dirty="0" err="1"/>
+              <a:t>TopEdge</a:t>
+            </a:r>
+            <a:r>
+              <a:rPr lang="en-NZ" sz="2000" dirty="0"/>
+              <a:t> &gt; Sprite2’s </a:t>
+            </a:r>
+            <a:r>
+              <a:rPr lang="en-NZ" sz="2000" dirty="0" err="1"/>
+              <a:t>BottomEdge</a:t>
+            </a:r>
+            <a:r>
+              <a:rPr lang="en-NZ" sz="2000" dirty="0"/>
+              <a:t> Collided = false</a:t>
+            </a:r>
+          </a:p>
+          <a:p>
+            <a:pPr lvl="2"/>
+            <a:r>
+              <a:rPr lang="en-NZ" sz="2000" dirty="0"/>
+              <a:t>  if Sprite1’s </a:t>
+            </a:r>
+            <a:r>
+              <a:rPr lang="en-NZ" sz="2000" dirty="0" err="1"/>
+              <a:t>RightEdge</a:t>
+            </a:r>
+            <a:r>
+              <a:rPr lang="en-NZ" sz="2000" dirty="0"/>
+              <a:t> &lt; Sprite2’s </a:t>
+            </a:r>
+            <a:r>
+              <a:rPr lang="en-NZ" sz="2000" dirty="0" err="1"/>
+              <a:t>LeftEdge</a:t>
+            </a:r>
+            <a:r>
+              <a:rPr lang="en-NZ" sz="2000" dirty="0"/>
+              <a:t> Collided = false</a:t>
+            </a:r>
+          </a:p>
+          <a:p>
+            <a:pPr lvl="2"/>
+            <a:r>
+              <a:rPr lang="en-NZ" sz="2000" dirty="0"/>
+              <a:t>  if Sprite1’s </a:t>
+            </a:r>
+            <a:r>
+              <a:rPr lang="en-NZ" sz="2000" dirty="0" err="1"/>
+              <a:t>LeftEdge</a:t>
+            </a:r>
+            <a:r>
+              <a:rPr lang="en-NZ" sz="2000" dirty="0"/>
+              <a:t> &gt; Sprite2’s </a:t>
+            </a:r>
+            <a:r>
+              <a:rPr lang="en-NZ" sz="2000" dirty="0" err="1"/>
+              <a:t>RightEdge</a:t>
+            </a:r>
+            <a:r>
+              <a:rPr lang="en-NZ" sz="2000" dirty="0"/>
+              <a:t> Collided = false</a:t>
+            </a:r>
+          </a:p>
+          <a:p>
+            <a:pPr lvl="2"/>
+            <a:endParaRPr lang="en-NZ" sz="2000" dirty="0"/>
+          </a:p>
+          <a:p>
+            <a:pPr lvl="2"/>
+            <a:r>
+              <a:rPr lang="en-NZ" sz="2000" dirty="0"/>
+              <a:t>  return  collided</a:t>
+            </a:r>
+          </a:p>
+          <a:p>
+            <a:pPr lvl="2"/>
+            <a:endParaRPr lang="en-US" sz="2000" dirty="0" smtClean="0"/>
+          </a:p>
+          <a:p>
+            <a:pPr marL="1657350" lvl="2" indent="-742950">
+              <a:buFont typeface="Arial" panose="020B0604020202020204" pitchFamily="34" charset="0"/>
+              <a:buChar char="•"/>
+            </a:pPr>
+            <a:endParaRPr lang="en-US" sz="2500" dirty="0" smtClean="0"/>
+          </a:p>
+          <a:p>
+            <a:pPr marL="1657350" lvl="2" indent="-742950">
+              <a:buFont typeface="Arial" panose="020B0604020202020204" pitchFamily="34" charset="0"/>
+              <a:buChar char="•"/>
+            </a:pPr>
+            <a:endParaRPr lang="en-US" sz="2500" dirty="0" smtClean="0"/>
+          </a:p>
+        </p:txBody>
+      </p:sp>
+    </p:spTree>
+    <p:extLst>
+      <p:ext uri="{BB962C8B-B14F-4D97-AF65-F5344CB8AC3E}">
+        <p14:creationId xmlns:p14="http://schemas.microsoft.com/office/powerpoint/2010/main" val="3401263424"/>
+      </p:ext>
+    </p:extLst>
+  </p:cSld>
+  <p:clrMapOvr>
+    <a:masterClrMapping/>
+  </p:clrMapOvr>
+  <p:timing>
+    <p:tnLst>
+      <p:par>
+        <p:cTn id="1" dur="indefinite" restart="never" nodeType="tmRoot"/>
+      </p:par>
+    </p:tnLst>
+  </p:timing>
+</p:sld>
+</file>
+
+<file path=ppt/slides/slide14.xml><?xml version="1.0" encoding="utf-8"?>
+<p:sld xmlns:a="http://schemas.openxmlformats.org/drawingml/2006/main" xmlns:r="http://schemas.openxmlformats.org/officeDocument/2006/relationships" xmlns:p="http://schemas.openxmlformats.org/presentationml/2006/main">
+  <p:cSld>
+    <p:bg>
+      <p:bgPr>
+        <a:solidFill>
+          <a:schemeClr val="accent5">
+            <a:lumMod val="60000"/>
+            <a:lumOff val="40000"/>
+          </a:schemeClr>
+        </a:solidFill>
+        <a:effectLst/>
+      </p:bgPr>
+    </p:bg>
+    <p:spTree>
+      <p:nvGrpSpPr>
+        <p:cNvPr id="1" name=""/>
+        <p:cNvGrpSpPr/>
+        <p:nvPr/>
+      </p:nvGrpSpPr>
+      <p:grpSpPr>
+        <a:xfrm>
+          <a:off x="0" y="0"/>
+          <a:ext cx="0" cy="0"/>
+          <a:chOff x="0" y="0"/>
+          <a:chExt cx="0" cy="0"/>
+        </a:xfrm>
+      </p:grpSpPr>
+      <p:sp>
+        <p:nvSpPr>
+          <p:cNvPr id="3" name="Rectangle 2"/>
+          <p:cNvSpPr/>
+          <p:nvPr/>
+        </p:nvSpPr>
+        <p:spPr>
+          <a:xfrm>
+            <a:off x="0" y="0"/>
+            <a:ext cx="9144000" cy="3093154"/>
+          </a:xfrm>
+          <a:prstGeom prst="rect">
+            <a:avLst/>
+          </a:prstGeom>
+        </p:spPr>
+        <p:txBody>
+          <a:bodyPr wrap="square">
+            <a:spAutoFit/>
+          </a:bodyPr>
+          <a:lstStyle/>
+          <a:p>
+            <a:pPr algn="ctr"/>
+            <a:endParaRPr lang="en-US" sz="4000" b="1" smtClean="0"/>
+          </a:p>
+          <a:p>
+            <a:pPr lvl="1"/>
+            <a:r>
+              <a:rPr lang="en-NZ" sz="3500" b="1" smtClean="0"/>
+              <a:t>Whose method is it?</a:t>
+            </a:r>
+            <a:endParaRPr lang="en-US" sz="3500" b="1" smtClean="0"/>
+          </a:p>
+          <a:p>
+            <a:pPr marL="1657350" lvl="2" indent="-742950">
+              <a:buFont typeface="Arial" panose="020B0604020202020204" pitchFamily="34" charset="0"/>
+              <a:buChar char="•"/>
+            </a:pPr>
+            <a:endParaRPr lang="en-US" sz="2500" smtClean="0"/>
+          </a:p>
+          <a:p>
+            <a:pPr marL="1657350" lvl="2" indent="-742950">
+              <a:buFont typeface="Arial" panose="020B0604020202020204" pitchFamily="34" charset="0"/>
+              <a:buChar char="•"/>
+            </a:pPr>
+            <a:r>
+              <a:rPr lang="en-NZ" sz="2500" smtClean="0"/>
+              <a:t>bool Sprite::CollidedWithMe(Sprite^ otherSprite)</a:t>
+            </a:r>
+          </a:p>
+          <a:p>
+            <a:pPr lvl="2"/>
+            <a:endParaRPr lang="en-US" sz="2000" smtClean="0"/>
+          </a:p>
+          <a:p>
+            <a:pPr marL="1657350" lvl="2" indent="-742950">
+              <a:buFont typeface="Arial" panose="020B0604020202020204" pitchFamily="34" charset="0"/>
+              <a:buChar char="•"/>
+            </a:pPr>
+            <a:endParaRPr lang="en-US" sz="2500" smtClean="0"/>
+          </a:p>
+          <a:p>
+            <a:pPr marL="1657350" lvl="2" indent="-742950">
+              <a:buFont typeface="Arial" panose="020B0604020202020204" pitchFamily="34" charset="0"/>
+              <a:buChar char="•"/>
+            </a:pPr>
+            <a:endParaRPr lang="en-US" sz="2500" dirty="0" smtClean="0"/>
+          </a:p>
+        </p:txBody>
+      </p:sp>
+    </p:spTree>
+    <p:extLst>
+      <p:ext uri="{BB962C8B-B14F-4D97-AF65-F5344CB8AC3E}">
+        <p14:creationId xmlns:p14="http://schemas.microsoft.com/office/powerpoint/2010/main" val="3372519649"/>
+      </p:ext>
+    </p:extLst>
+  </p:cSld>
+  <p:clrMapOvr>
+    <a:masterClrMapping/>
+  </p:clrMapOvr>
+  <p:timing>
+    <p:tnLst>
+      <p:par>
+        <p:cTn id="1" dur="indefinite" restart="never" nodeType="tmRoot"/>
+      </p:par>
+    </p:tnLst>
+  </p:timing>
+</p:sld>
+</file>
+
+<file path=ppt/slides/slide15.xml><?xml version="1.0" encoding="utf-8"?>
+<p:sld xmlns:a="http://schemas.openxmlformats.org/drawingml/2006/main" xmlns:r="http://schemas.openxmlformats.org/officeDocument/2006/relationships" xmlns:p="http://schemas.openxmlformats.org/presentationml/2006/main">
+  <p:cSld>
+    <p:bg>
+      <p:bgPr>
+        <a:solidFill>
+          <a:schemeClr val="accent5">
+            <a:lumMod val="60000"/>
+            <a:lumOff val="40000"/>
+          </a:schemeClr>
+        </a:solidFill>
+        <a:effectLst/>
+      </p:bgPr>
+    </p:bg>
+    <p:spTree>
+      <p:nvGrpSpPr>
+        <p:cNvPr id="1" name=""/>
+        <p:cNvGrpSpPr/>
+        <p:nvPr/>
+      </p:nvGrpSpPr>
+      <p:grpSpPr>
+        <a:xfrm>
+          <a:off x="0" y="0"/>
+          <a:ext cx="0" cy="0"/>
+          <a:chOff x="0" y="0"/>
+          <a:chExt cx="0" cy="0"/>
+        </a:xfrm>
+      </p:grpSpPr>
+      <p:sp>
+        <p:nvSpPr>
+          <p:cNvPr id="3" name="Rectangle 2"/>
+          <p:cNvSpPr/>
+          <p:nvPr/>
+        </p:nvSpPr>
+        <p:spPr>
+          <a:xfrm>
+            <a:off x="0" y="0"/>
+            <a:ext cx="9144000" cy="4632037"/>
+          </a:xfrm>
+          <a:prstGeom prst="rect">
+            <a:avLst/>
+          </a:prstGeom>
+        </p:spPr>
+        <p:txBody>
+          <a:bodyPr wrap="square">
+            <a:spAutoFit/>
+          </a:bodyPr>
+          <a:lstStyle/>
+          <a:p>
+            <a:pPr algn="ctr"/>
+            <a:endParaRPr lang="en-US" sz="4000" b="1" dirty="0" smtClean="0"/>
+          </a:p>
+          <a:p>
+            <a:pPr lvl="1"/>
+            <a:r>
+              <a:rPr lang="en-NZ" sz="3500" b="1" dirty="0" smtClean="0"/>
+              <a:t>What about </a:t>
+            </a:r>
+            <a:r>
+              <a:rPr lang="en-NZ" sz="3500" b="1" dirty="0" err="1" smtClean="0"/>
+              <a:t>SpriteList</a:t>
+            </a:r>
+            <a:r>
+              <a:rPr lang="en-NZ" sz="3500" b="1" dirty="0" smtClean="0"/>
+              <a:t>?</a:t>
+            </a:r>
+            <a:endParaRPr lang="en-US" sz="3500" b="1" dirty="0" smtClean="0"/>
+          </a:p>
+          <a:p>
+            <a:pPr marL="1657350" lvl="2" indent="-742950">
+              <a:buFont typeface="Arial" panose="020B0604020202020204" pitchFamily="34" charset="0"/>
+              <a:buChar char="•"/>
+            </a:pPr>
+            <a:endParaRPr lang="en-US" sz="2500" dirty="0" smtClean="0"/>
+          </a:p>
+          <a:p>
+            <a:pPr marL="1657350" lvl="2" indent="-742950">
+              <a:buFont typeface="Arial" panose="020B0604020202020204" pitchFamily="34" charset="0"/>
+              <a:buChar char="•"/>
+            </a:pPr>
+            <a:r>
+              <a:rPr lang="en-NZ" sz="2500" dirty="0"/>
+              <a:t>Sprite^ </a:t>
+            </a:r>
+            <a:r>
+              <a:rPr lang="en-NZ" sz="2500" dirty="0" err="1"/>
+              <a:t>SpriteList</a:t>
+            </a:r>
+            <a:r>
+              <a:rPr lang="en-NZ" sz="2500" dirty="0" smtClean="0"/>
+              <a:t>::</a:t>
+            </a:r>
+            <a:r>
+              <a:rPr lang="en-NZ" sz="2500" dirty="0" err="1" smtClean="0"/>
+              <a:t>CheckCollisions</a:t>
+            </a:r>
+            <a:r>
+              <a:rPr lang="en-NZ" sz="2500" dirty="0" smtClean="0"/>
+              <a:t>(Sprite</a:t>
+            </a:r>
+            <a:r>
+              <a:rPr lang="en-NZ" sz="2500" dirty="0"/>
+              <a:t>^ </a:t>
+            </a:r>
+            <a:r>
+              <a:rPr lang="en-NZ" sz="2500" dirty="0" err="1" smtClean="0"/>
+              <a:t>otherSprite</a:t>
+            </a:r>
+            <a:r>
+              <a:rPr lang="en-NZ" sz="2500" dirty="0" smtClean="0"/>
+              <a:t>)</a:t>
+            </a:r>
+            <a:endParaRPr lang="en-NZ" sz="2500" dirty="0"/>
+          </a:p>
+          <a:p>
+            <a:pPr marL="1657350" lvl="2" indent="-742950">
+              <a:buFont typeface="Arial" panose="020B0604020202020204" pitchFamily="34" charset="0"/>
+              <a:buChar char="•"/>
+            </a:pPr>
+            <a:r>
+              <a:rPr lang="en-NZ" sz="2500" dirty="0"/>
+              <a:t>Traverse the list, passing </a:t>
+            </a:r>
+            <a:r>
+              <a:rPr lang="en-NZ" sz="2500" dirty="0" err="1" smtClean="0"/>
+              <a:t>otherSprite</a:t>
+            </a:r>
+            <a:r>
+              <a:rPr lang="en-NZ" sz="2500" dirty="0" smtClean="0"/>
+              <a:t> </a:t>
+            </a:r>
+            <a:r>
+              <a:rPr lang="en-NZ" sz="2500" dirty="0"/>
+              <a:t>to the </a:t>
+            </a:r>
+            <a:r>
+              <a:rPr lang="en-NZ" sz="2500" dirty="0" err="1" smtClean="0"/>
+              <a:t>CollidedWithMe</a:t>
+            </a:r>
+            <a:r>
+              <a:rPr lang="en-NZ" sz="2500" dirty="0" smtClean="0"/>
+              <a:t> </a:t>
+            </a:r>
+            <a:r>
+              <a:rPr lang="en-NZ" sz="2500" dirty="0"/>
+              <a:t>method of each Sprite in the list</a:t>
+            </a:r>
+          </a:p>
+          <a:p>
+            <a:pPr marL="1657350" lvl="2" indent="-742950">
+              <a:buFont typeface="Arial" panose="020B0604020202020204" pitchFamily="34" charset="0"/>
+              <a:buChar char="•"/>
+            </a:pPr>
+            <a:r>
+              <a:rPr lang="en-NZ" sz="2500" dirty="0"/>
+              <a:t>Return the first Sprite hit, or null if there are no collisions</a:t>
+            </a:r>
+          </a:p>
+          <a:p>
+            <a:pPr lvl="2"/>
+            <a:endParaRPr lang="en-US" sz="2000" dirty="0" smtClean="0"/>
+          </a:p>
+          <a:p>
+            <a:pPr marL="1657350" lvl="2" indent="-742950">
+              <a:buFont typeface="Arial" panose="020B0604020202020204" pitchFamily="34" charset="0"/>
+              <a:buChar char="•"/>
+            </a:pPr>
+            <a:endParaRPr lang="en-US" sz="2500" dirty="0" smtClean="0"/>
+          </a:p>
+          <a:p>
+            <a:pPr marL="1657350" lvl="2" indent="-742950">
+              <a:buFont typeface="Arial" panose="020B0604020202020204" pitchFamily="34" charset="0"/>
+              <a:buChar char="•"/>
+            </a:pPr>
+            <a:endParaRPr lang="en-US" sz="2500" dirty="0" smtClean="0"/>
+          </a:p>
+        </p:txBody>
+      </p:sp>
+    </p:spTree>
+    <p:extLst>
+      <p:ext uri="{BB962C8B-B14F-4D97-AF65-F5344CB8AC3E}">
+        <p14:creationId xmlns:p14="http://schemas.microsoft.com/office/powerpoint/2010/main" val="1229675454"/>
+      </p:ext>
+    </p:extLst>
+  </p:cSld>
+  <p:clrMapOvr>
+    <a:masterClrMapping/>
+  </p:clrMapOvr>
+  <p:timing>
+    <p:tnLst>
+      <p:par>
+        <p:cTn id="1" dur="indefinite" restart="never" nodeType="tmRoot"/>
+      </p:par>
+    </p:tnLst>
+  </p:timing>
+</p:sld>
+</file>
+
+<file path=ppt/slides/slide16.xml><?xml version="1.0" encoding="utf-8"?>
+<p:sld xmlns:a="http://schemas.openxmlformats.org/drawingml/2006/main" xmlns:r="http://schemas.openxmlformats.org/officeDocument/2006/relationships" xmlns:p="http://schemas.openxmlformats.org/presentationml/2006/main">
+  <p:cSld>
+    <p:bg>
+      <p:bgPr>
+        <a:solidFill>
+          <a:schemeClr val="accent5">
+            <a:lumMod val="60000"/>
+            <a:lumOff val="40000"/>
+          </a:schemeClr>
+        </a:solidFill>
+        <a:effectLst/>
+      </p:bgPr>
+    </p:bg>
+    <p:spTree>
+      <p:nvGrpSpPr>
+        <p:cNvPr id="1" name=""/>
+        <p:cNvGrpSpPr/>
+        <p:nvPr/>
+      </p:nvGrpSpPr>
+      <p:grpSpPr>
+        <a:xfrm>
+          <a:off x="0" y="0"/>
+          <a:ext cx="0" cy="0"/>
+          <a:chOff x="0" y="0"/>
+          <a:chExt cx="0" cy="0"/>
+        </a:xfrm>
+      </p:grpSpPr>
+      <p:sp>
+        <p:nvSpPr>
+          <p:cNvPr id="3" name="Rectangle 2"/>
+          <p:cNvSpPr/>
+          <p:nvPr/>
+        </p:nvSpPr>
+        <p:spPr>
+          <a:xfrm>
+            <a:off x="0" y="0"/>
+            <a:ext cx="9144000" cy="1246495"/>
+          </a:xfrm>
+          <a:prstGeom prst="rect">
+            <a:avLst/>
+          </a:prstGeom>
+        </p:spPr>
+        <p:txBody>
+          <a:bodyPr wrap="square">
+            <a:spAutoFit/>
+          </a:bodyPr>
+          <a:lstStyle/>
+          <a:p>
+            <a:pPr algn="ctr"/>
+            <a:endParaRPr lang="en-US" sz="4000" b="1" dirty="0" smtClean="0"/>
+          </a:p>
+          <a:p>
+            <a:pPr lvl="1"/>
+            <a:r>
+              <a:rPr lang="en-NZ" sz="3500" b="1" dirty="0" smtClean="0"/>
+              <a:t>Improving bounding rectangle detection</a:t>
+            </a:r>
+            <a:endParaRPr lang="en-US" sz="3500" b="1" dirty="0" smtClean="0"/>
+          </a:p>
+        </p:txBody>
+      </p:sp>
+      <p:pic>
+        <p:nvPicPr>
+          <p:cNvPr id="4" name="Picture 22" descr="anim_msword_flyingwraith"/>
+          <p:cNvPicPr>
+            <a:picLocks noChangeAspect="1" noChangeArrowheads="1" noCrop="1"/>
+          </p:cNvPicPr>
+          <p:nvPr/>
+        </p:nvPicPr>
+        <p:blipFill>
+          <a:blip r:embed="rId3" cstate="print"/>
+          <a:srcRect/>
+          <a:stretch>
+            <a:fillRect/>
+          </a:stretch>
+        </p:blipFill>
+        <p:spPr bwMode="auto">
+          <a:xfrm>
+            <a:off x="2373313" y="2566988"/>
+            <a:ext cx="2239962" cy="1249362"/>
+          </a:xfrm>
+          <a:prstGeom prst="rect">
+            <a:avLst/>
+          </a:prstGeom>
+          <a:noFill/>
+          <a:ln w="9525">
+            <a:noFill/>
+            <a:miter lim="800000"/>
+            <a:headEnd/>
+            <a:tailEnd/>
+          </a:ln>
+        </p:spPr>
+      </p:pic>
+      <p:pic>
+        <p:nvPicPr>
+          <p:cNvPr id="5" name="Picture 23" descr="Diablo"/>
+          <p:cNvPicPr>
+            <a:picLocks noChangeAspect="1" noChangeArrowheads="1" noCrop="1"/>
+          </p:cNvPicPr>
+          <p:nvPr/>
+        </p:nvPicPr>
+        <p:blipFill>
+          <a:blip r:embed="rId4" cstate="print"/>
+          <a:srcRect/>
+          <a:stretch>
+            <a:fillRect/>
+          </a:stretch>
+        </p:blipFill>
+        <p:spPr bwMode="auto">
+          <a:xfrm>
+            <a:off x="573088" y="2286000"/>
+            <a:ext cx="1865312" cy="1865313"/>
+          </a:xfrm>
+          <a:prstGeom prst="rect">
+            <a:avLst/>
+          </a:prstGeom>
+          <a:noFill/>
+          <a:ln w="9525">
+            <a:noFill/>
+            <a:miter lim="800000"/>
+            <a:headEnd/>
+            <a:tailEnd/>
+          </a:ln>
+        </p:spPr>
+      </p:pic>
+      <p:sp>
+        <p:nvSpPr>
+          <p:cNvPr id="6" name="Rectangle 24"/>
+          <p:cNvSpPr>
+            <a:spLocks noChangeArrowheads="1"/>
+          </p:cNvSpPr>
+          <p:nvPr/>
+        </p:nvSpPr>
+        <p:spPr bwMode="auto">
+          <a:xfrm>
+            <a:off x="571500" y="2319338"/>
+            <a:ext cx="1924050" cy="1905000"/>
+          </a:xfrm>
+          <a:prstGeom prst="rect">
+            <a:avLst/>
+          </a:prstGeom>
+          <a:noFill/>
+          <a:ln w="9525">
+            <a:solidFill>
+              <a:schemeClr val="tx1"/>
+            </a:solidFill>
+            <a:miter lim="800000"/>
+            <a:headEnd/>
+            <a:tailEnd/>
+          </a:ln>
+          <a:effectLst/>
+        </p:spPr>
+        <p:txBody>
+          <a:bodyPr wrap="none" anchor="ctr"/>
+          <a:lstStyle/>
+          <a:p>
+            <a:endParaRPr lang="en-NZ"/>
+          </a:p>
+        </p:txBody>
+      </p:sp>
+      <p:sp>
+        <p:nvSpPr>
+          <p:cNvPr id="7" name="Rectangle 25"/>
+          <p:cNvSpPr>
+            <a:spLocks noChangeArrowheads="1"/>
+          </p:cNvSpPr>
+          <p:nvPr/>
+        </p:nvSpPr>
+        <p:spPr bwMode="auto">
+          <a:xfrm>
+            <a:off x="2332038" y="2560638"/>
+            <a:ext cx="2273300" cy="1327150"/>
+          </a:xfrm>
+          <a:prstGeom prst="rect">
+            <a:avLst/>
+          </a:prstGeom>
+          <a:noFill/>
+          <a:ln w="9525">
+            <a:solidFill>
+              <a:schemeClr val="tx1"/>
+            </a:solidFill>
+            <a:miter lim="800000"/>
+            <a:headEnd/>
+            <a:tailEnd/>
+          </a:ln>
+          <a:effectLst/>
+        </p:spPr>
+        <p:txBody>
+          <a:bodyPr wrap="none" anchor="ctr"/>
+          <a:lstStyle/>
+          <a:p>
+            <a:endParaRPr lang="en-NZ"/>
+          </a:p>
+        </p:txBody>
+      </p:sp>
+      <p:sp>
+        <p:nvSpPr>
+          <p:cNvPr id="8" name="Rectangle 26"/>
+          <p:cNvSpPr>
+            <a:spLocks noChangeArrowheads="1"/>
+          </p:cNvSpPr>
+          <p:nvPr/>
+        </p:nvSpPr>
+        <p:spPr bwMode="auto">
+          <a:xfrm>
+            <a:off x="860425" y="2424113"/>
+            <a:ext cx="1368425" cy="1655762"/>
+          </a:xfrm>
+          <a:prstGeom prst="rect">
+            <a:avLst/>
+          </a:prstGeom>
+          <a:noFill/>
+          <a:ln w="9525">
+            <a:solidFill>
+              <a:srgbClr val="FF0000"/>
+            </a:solidFill>
+            <a:miter lim="800000"/>
+            <a:headEnd/>
+            <a:tailEnd/>
+          </a:ln>
+          <a:effectLst/>
+        </p:spPr>
+        <p:txBody>
+          <a:bodyPr wrap="none" anchor="ctr"/>
+          <a:lstStyle/>
+          <a:p>
+            <a:endParaRPr lang="en-NZ"/>
+          </a:p>
+        </p:txBody>
+      </p:sp>
+      <p:sp>
+        <p:nvSpPr>
+          <p:cNvPr id="9" name="Rectangle 27"/>
+          <p:cNvSpPr>
+            <a:spLocks noChangeArrowheads="1"/>
+          </p:cNvSpPr>
+          <p:nvPr/>
+        </p:nvSpPr>
+        <p:spPr bwMode="auto">
+          <a:xfrm>
+            <a:off x="2660650" y="2640013"/>
+            <a:ext cx="1728788" cy="1079500"/>
+          </a:xfrm>
+          <a:prstGeom prst="rect">
+            <a:avLst/>
+          </a:prstGeom>
+          <a:noFill/>
+          <a:ln w="9525">
+            <a:solidFill>
+              <a:srgbClr val="FF0000"/>
+            </a:solidFill>
+            <a:miter lim="800000"/>
+            <a:headEnd/>
+            <a:tailEnd/>
+          </a:ln>
+          <a:effectLst/>
+        </p:spPr>
+        <p:txBody>
+          <a:bodyPr wrap="none" anchor="ctr"/>
+          <a:lstStyle/>
+          <a:p>
+            <a:endParaRPr lang="en-NZ"/>
+          </a:p>
+        </p:txBody>
+      </p:sp>
+      <p:pic>
+        <p:nvPicPr>
+          <p:cNvPr id="10" name="Picture 28" descr="anim_msword_flyingwraith"/>
+          <p:cNvPicPr>
+            <a:picLocks noChangeAspect="1" noChangeArrowheads="1" noCrop="1"/>
+          </p:cNvPicPr>
+          <p:nvPr/>
+        </p:nvPicPr>
+        <p:blipFill>
+          <a:blip r:embed="rId3" cstate="print"/>
+          <a:srcRect/>
+          <a:stretch>
+            <a:fillRect/>
+          </a:stretch>
+        </p:blipFill>
+        <p:spPr bwMode="auto">
+          <a:xfrm>
+            <a:off x="6302375" y="2566988"/>
+            <a:ext cx="2239963" cy="1249362"/>
+          </a:xfrm>
+          <a:prstGeom prst="rect">
+            <a:avLst/>
+          </a:prstGeom>
+          <a:noFill/>
+          <a:ln w="9525">
+            <a:noFill/>
+            <a:miter lim="800000"/>
+            <a:headEnd/>
+            <a:tailEnd/>
+          </a:ln>
+        </p:spPr>
+      </p:pic>
+      <p:pic>
+        <p:nvPicPr>
+          <p:cNvPr id="11" name="Picture 29" descr="Diablo"/>
+          <p:cNvPicPr>
+            <a:picLocks noChangeAspect="1" noChangeArrowheads="1" noCrop="1"/>
+          </p:cNvPicPr>
+          <p:nvPr/>
+        </p:nvPicPr>
+        <p:blipFill>
+          <a:blip r:embed="rId4" cstate="print"/>
+          <a:srcRect/>
+          <a:stretch>
+            <a:fillRect/>
+          </a:stretch>
+        </p:blipFill>
+        <p:spPr bwMode="auto">
+          <a:xfrm>
+            <a:off x="5029200" y="2286000"/>
+            <a:ext cx="1865313" cy="1865313"/>
+          </a:xfrm>
+          <a:prstGeom prst="rect">
+            <a:avLst/>
+          </a:prstGeom>
+          <a:noFill/>
+          <a:ln w="9525">
+            <a:noFill/>
+            <a:miter lim="800000"/>
+            <a:headEnd/>
+            <a:tailEnd/>
+          </a:ln>
+        </p:spPr>
+      </p:pic>
+      <p:sp>
+        <p:nvSpPr>
+          <p:cNvPr id="12" name="Rectangle 30"/>
+          <p:cNvSpPr>
+            <a:spLocks noChangeArrowheads="1"/>
+          </p:cNvSpPr>
+          <p:nvPr/>
+        </p:nvSpPr>
+        <p:spPr bwMode="auto">
+          <a:xfrm>
+            <a:off x="5027613" y="2319338"/>
+            <a:ext cx="1924050" cy="1905000"/>
+          </a:xfrm>
+          <a:prstGeom prst="rect">
+            <a:avLst/>
+          </a:prstGeom>
+          <a:noFill/>
+          <a:ln w="9525">
+            <a:solidFill>
+              <a:schemeClr val="tx1"/>
+            </a:solidFill>
+            <a:miter lim="800000"/>
+            <a:headEnd/>
+            <a:tailEnd/>
+          </a:ln>
+          <a:effectLst/>
+        </p:spPr>
+        <p:txBody>
+          <a:bodyPr wrap="none" anchor="ctr"/>
+          <a:lstStyle/>
+          <a:p>
+            <a:endParaRPr lang="en-NZ"/>
+          </a:p>
+        </p:txBody>
+      </p:sp>
+      <p:sp>
+        <p:nvSpPr>
+          <p:cNvPr id="13" name="Rectangle 31"/>
+          <p:cNvSpPr>
+            <a:spLocks noChangeArrowheads="1"/>
+          </p:cNvSpPr>
+          <p:nvPr/>
+        </p:nvSpPr>
+        <p:spPr bwMode="auto">
+          <a:xfrm>
+            <a:off x="6261100" y="2560638"/>
+            <a:ext cx="2273300" cy="1327150"/>
+          </a:xfrm>
+          <a:prstGeom prst="rect">
+            <a:avLst/>
+          </a:prstGeom>
+          <a:noFill/>
+          <a:ln w="9525">
+            <a:solidFill>
+              <a:schemeClr val="tx1"/>
+            </a:solidFill>
+            <a:miter lim="800000"/>
+            <a:headEnd/>
+            <a:tailEnd/>
+          </a:ln>
+          <a:effectLst/>
+        </p:spPr>
+        <p:txBody>
+          <a:bodyPr wrap="none" anchor="ctr"/>
+          <a:lstStyle/>
+          <a:p>
+            <a:endParaRPr lang="en-NZ"/>
+          </a:p>
+        </p:txBody>
+      </p:sp>
+      <p:sp>
+        <p:nvSpPr>
+          <p:cNvPr id="14" name="Rectangle 32"/>
+          <p:cNvSpPr>
+            <a:spLocks noChangeArrowheads="1"/>
+          </p:cNvSpPr>
+          <p:nvPr/>
+        </p:nvSpPr>
+        <p:spPr bwMode="auto">
+          <a:xfrm>
+            <a:off x="5316538" y="2424113"/>
+            <a:ext cx="1368425" cy="1655762"/>
+          </a:xfrm>
+          <a:prstGeom prst="rect">
+            <a:avLst/>
+          </a:prstGeom>
+          <a:noFill/>
+          <a:ln w="9525">
+            <a:solidFill>
+              <a:srgbClr val="FF0000"/>
+            </a:solidFill>
+            <a:miter lim="800000"/>
+            <a:headEnd/>
+            <a:tailEnd/>
+          </a:ln>
+          <a:effectLst/>
+        </p:spPr>
+        <p:txBody>
+          <a:bodyPr wrap="none" anchor="ctr"/>
+          <a:lstStyle/>
+          <a:p>
+            <a:endParaRPr lang="en-NZ"/>
+          </a:p>
+        </p:txBody>
+      </p:sp>
+      <p:sp>
+        <p:nvSpPr>
+          <p:cNvPr id="15" name="Rectangle 33"/>
+          <p:cNvSpPr>
+            <a:spLocks noChangeArrowheads="1"/>
+          </p:cNvSpPr>
+          <p:nvPr/>
+        </p:nvSpPr>
+        <p:spPr bwMode="auto">
+          <a:xfrm>
+            <a:off x="6589713" y="2640013"/>
+            <a:ext cx="1728787" cy="1079500"/>
+          </a:xfrm>
+          <a:prstGeom prst="rect">
+            <a:avLst/>
+          </a:prstGeom>
+          <a:noFill/>
+          <a:ln w="9525">
+            <a:solidFill>
+              <a:srgbClr val="FF0000"/>
+            </a:solidFill>
+            <a:miter lim="800000"/>
+            <a:headEnd/>
+            <a:tailEnd/>
+          </a:ln>
+          <a:effectLst/>
+        </p:spPr>
+        <p:txBody>
+          <a:bodyPr wrap="none" anchor="ctr"/>
+          <a:lstStyle/>
+          <a:p>
+            <a:endParaRPr lang="en-NZ"/>
+          </a:p>
+        </p:txBody>
+      </p:sp>
+    </p:spTree>
+    <p:extLst>
+      <p:ext uri="{BB962C8B-B14F-4D97-AF65-F5344CB8AC3E}">
+        <p14:creationId xmlns:p14="http://schemas.microsoft.com/office/powerpoint/2010/main" val="3204836491"/>
+      </p:ext>
+    </p:extLst>
+  </p:cSld>
+  <p:clrMapOvr>
+    <a:masterClrMapping/>
+  </p:clrMapOvr>
+  <p:timing>
+    <p:tnLst>
+      <p:par>
+        <p:cTn id="1" dur="indefinite" restart="never" nodeType="tmRoot">
+          <p:childTnLst>
+            <p:seq concurrent="1" nextAc="seek">
+              <p:cTn id="2" dur="indefinite" nodeType="mainSeq">
+                <p:childTnLst>
+                  <p:par>
+                    <p:cTn id="3" fill="hold">
+                      <p:stCondLst>
+                        <p:cond delay="indefinite"/>
+                      </p:stCondLst>
+                      <p:childTnLst>
+                        <p:par>
+                          <p:cTn id="4" fill="hold">
+                            <p:stCondLst>
+                              <p:cond delay="0"/>
+                            </p:stCondLst>
+                            <p:childTnLst>
+                              <p:par>
+                                <p:cTn id="5" presetID="1" presetClass="entr" presetSubtype="0" fill="hold" grpId="0" nodeType="clickEffect">
+                                  <p:stCondLst>
+                                    <p:cond delay="0"/>
+                                  </p:stCondLst>
+                                  <p:childTnLst>
+                                    <p:set>
+                                      <p:cBhvr>
+                                        <p:cTn id="6" dur="1" fill="hold">
+                                          <p:stCondLst>
+                                            <p:cond delay="0"/>
+                                          </p:stCondLst>
+                                        </p:cTn>
+                                        <p:tgtEl>
+                                          <p:spTgt spid="6"/>
+                                        </p:tgtEl>
+                                        <p:attrNameLst>
+                                          <p:attrName>style.visibility</p:attrName>
+                                        </p:attrNameLst>
+                                      </p:cBhvr>
+                                      <p:to>
+                                        <p:strVal val="visible"/>
+                                      </p:to>
+                                    </p:set>
+                                  </p:childTnLst>
+                                </p:cTn>
+                              </p:par>
+                              <p:par>
+                                <p:cTn id="7" presetID="1" presetClass="entr" presetSubtype="0" fill="hold" nodeType="withEffect">
+                                  <p:stCondLst>
+                                    <p:cond delay="0"/>
+                                  </p:stCondLst>
+                                  <p:childTnLst>
+                                    <p:set>
+                                      <p:cBhvr>
+                                        <p:cTn id="8" dur="1" fill="hold">
+                                          <p:stCondLst>
+                                            <p:cond delay="0"/>
+                                          </p:stCondLst>
+                                        </p:cTn>
+                                        <p:tgtEl>
+                                          <p:spTgt spid="5"/>
+                                        </p:tgtEl>
+                                        <p:attrNameLst>
+                                          <p:attrName>style.visibility</p:attrName>
+                                        </p:attrNameLst>
+                                      </p:cBhvr>
+                                      <p:to>
+                                        <p:strVal val="visible"/>
+                                      </p:to>
+                                    </p:set>
+                                  </p:childTnLst>
+                                </p:cTn>
+                              </p:par>
+                              <p:par>
+                                <p:cTn id="9" presetID="1" presetClass="entr" presetSubtype="0" fill="hold" nodeType="withEffect">
+                                  <p:stCondLst>
+                                    <p:cond delay="0"/>
+                                  </p:stCondLst>
+                                  <p:childTnLst>
+                                    <p:set>
+                                      <p:cBhvr>
+                                        <p:cTn id="10" dur="1" fill="hold">
+                                          <p:stCondLst>
+                                            <p:cond delay="0"/>
+                                          </p:stCondLst>
+                                        </p:cTn>
+                                        <p:tgtEl>
+                                          <p:spTgt spid="4"/>
+                                        </p:tgtEl>
+                                        <p:attrNameLst>
+                                          <p:attrName>style.visibility</p:attrName>
+                                        </p:attrNameLst>
+                                      </p:cBhvr>
+                                      <p:to>
+                                        <p:strVal val="visible"/>
+                                      </p:to>
+                                    </p:set>
+                                  </p:childTnLst>
+                                </p:cTn>
+                              </p:par>
+                              <p:par>
+                                <p:cTn id="11" presetID="1" presetClass="entr" presetSubtype="0" fill="hold" grpId="0" nodeType="withEffect">
+                                  <p:stCondLst>
+                                    <p:cond delay="0"/>
+                                  </p:stCondLst>
+                                  <p:childTnLst>
+                                    <p:set>
+                                      <p:cBhvr>
+                                        <p:cTn id="12" dur="1" fill="hold">
+                                          <p:stCondLst>
+                                            <p:cond delay="0"/>
+                                          </p:stCondLst>
+                                        </p:cTn>
+                                        <p:tgtEl>
+                                          <p:spTgt spid="7"/>
+                                        </p:tgtEl>
+                                        <p:attrNameLst>
+                                          <p:attrName>style.visibility</p:attrName>
+                                        </p:attrNameLst>
+                                      </p:cBhvr>
+                                      <p:to>
+                                        <p:strVal val="visible"/>
+                                      </p:to>
+                                    </p:set>
+                                  </p:childTnLst>
+                                </p:cTn>
+                              </p:par>
+                            </p:childTnLst>
+                          </p:cTn>
+                        </p:par>
+                      </p:childTnLst>
+                    </p:cTn>
+                  </p:par>
+                  <p:par>
+                    <p:cTn id="13" fill="hold">
+                      <p:stCondLst>
+                        <p:cond delay="indefinite"/>
+                      </p:stCondLst>
+                      <p:childTnLst>
+                        <p:par>
+                          <p:cTn id="14" fill="hold">
+                            <p:stCondLst>
+                              <p:cond delay="0"/>
+                            </p:stCondLst>
+                            <p:childTnLst>
+                              <p:par>
+                                <p:cTn id="15" presetID="1" presetClass="entr" presetSubtype="0" fill="hold" grpId="0" nodeType="clickEffect">
+                                  <p:stCondLst>
+                                    <p:cond delay="0"/>
+                                  </p:stCondLst>
+                                  <p:childTnLst>
+                                    <p:set>
+                                      <p:cBhvr>
+                                        <p:cTn id="16" dur="1" fill="hold">
+                                          <p:stCondLst>
+                                            <p:cond delay="0"/>
+                                          </p:stCondLst>
+                                        </p:cTn>
+                                        <p:tgtEl>
+                                          <p:spTgt spid="8"/>
+                                        </p:tgtEl>
+                                        <p:attrNameLst>
+                                          <p:attrName>style.visibility</p:attrName>
+                                        </p:attrNameLst>
+                                      </p:cBhvr>
+                                      <p:to>
+                                        <p:strVal val="visible"/>
+                                      </p:to>
+                                    </p:set>
+                                  </p:childTnLst>
+                                </p:cTn>
+                              </p:par>
+                              <p:par>
+                                <p:cTn id="17" presetID="1" presetClass="entr" presetSubtype="0" fill="hold" grpId="0" nodeType="withEffect">
+                                  <p:stCondLst>
+                                    <p:cond delay="0"/>
+                                  </p:stCondLst>
+                                  <p:childTnLst>
+                                    <p:set>
+                                      <p:cBhvr>
+                                        <p:cTn id="18" dur="1" fill="hold">
+                                          <p:stCondLst>
+                                            <p:cond delay="0"/>
+                                          </p:stCondLst>
+                                        </p:cTn>
+                                        <p:tgtEl>
+                                          <p:spTgt spid="9"/>
+                                        </p:tgtEl>
+                                        <p:attrNameLst>
+                                          <p:attrName>style.visibility</p:attrName>
+                                        </p:attrNameLst>
+                                      </p:cBhvr>
+                                      <p:to>
+                                        <p:strVal val="visible"/>
+                                      </p:to>
+                                    </p:set>
+                                  </p:childTnLst>
+                                </p:cTn>
+                              </p:par>
+                            </p:childTnLst>
+                          </p:cTn>
+                        </p:par>
+                      </p:childTnLst>
+                    </p:cTn>
+                  </p:par>
+                  <p:par>
+                    <p:cTn id="19" fill="hold">
+                      <p:stCondLst>
+                        <p:cond delay="indefinite"/>
+                      </p:stCondLst>
+                      <p:childTnLst>
+                        <p:par>
+                          <p:cTn id="20" fill="hold">
+                            <p:stCondLst>
+                              <p:cond delay="0"/>
+                            </p:stCondLst>
+                            <p:childTnLst>
+                              <p:par>
+                                <p:cTn id="21" presetID="1" presetClass="entr" presetSubtype="0" fill="hold" nodeType="clickEffect">
+                                  <p:stCondLst>
+                                    <p:cond delay="0"/>
+                                  </p:stCondLst>
+                                  <p:childTnLst>
+                                    <p:set>
+                                      <p:cBhvr>
+                                        <p:cTn id="22" dur="1" fill="hold">
+                                          <p:stCondLst>
+                                            <p:cond delay="0"/>
+                                          </p:stCondLst>
+                                        </p:cTn>
+                                        <p:tgtEl>
+                                          <p:spTgt spid="11"/>
+                                        </p:tgtEl>
+                                        <p:attrNameLst>
+                                          <p:attrName>style.visibility</p:attrName>
+                                        </p:attrNameLst>
+                                      </p:cBhvr>
+                                      <p:to>
+                                        <p:strVal val="visible"/>
+                                      </p:to>
+                                    </p:set>
+                                  </p:childTnLst>
+                                </p:cTn>
+                              </p:par>
+                              <p:par>
+                                <p:cTn id="23" presetID="1" presetClass="entr" presetSubtype="0" fill="hold" grpId="0" nodeType="withEffect">
+                                  <p:stCondLst>
+                                    <p:cond delay="0"/>
+                                  </p:stCondLst>
+                                  <p:childTnLst>
+                                    <p:set>
+                                      <p:cBhvr>
+                                        <p:cTn id="24" dur="1" fill="hold">
+                                          <p:stCondLst>
+                                            <p:cond delay="0"/>
+                                          </p:stCondLst>
+                                        </p:cTn>
+                                        <p:tgtEl>
+                                          <p:spTgt spid="12"/>
+                                        </p:tgtEl>
+                                        <p:attrNameLst>
+                                          <p:attrName>style.visibility</p:attrName>
+                                        </p:attrNameLst>
+                                      </p:cBhvr>
+                                      <p:to>
+                                        <p:strVal val="visible"/>
+                                      </p:to>
+                                    </p:set>
+                                  </p:childTnLst>
+                                </p:cTn>
+                              </p:par>
+                              <p:par>
+                                <p:cTn id="25" presetID="1" presetClass="entr" presetSubtype="0" fill="hold" nodeType="withEffect">
+                                  <p:stCondLst>
+                                    <p:cond delay="0"/>
+                                  </p:stCondLst>
+                                  <p:childTnLst>
+                                    <p:set>
+                                      <p:cBhvr>
+                                        <p:cTn id="26" dur="1" fill="hold">
+                                          <p:stCondLst>
+                                            <p:cond delay="0"/>
+                                          </p:stCondLst>
+                                        </p:cTn>
+                                        <p:tgtEl>
+                                          <p:spTgt spid="10"/>
+                                        </p:tgtEl>
+                                        <p:attrNameLst>
+                                          <p:attrName>style.visibility</p:attrName>
+                                        </p:attrNameLst>
+                                      </p:cBhvr>
+                                      <p:to>
+                                        <p:strVal val="visible"/>
+                                      </p:to>
+                                    </p:set>
+                                  </p:childTnLst>
+                                </p:cTn>
+                              </p:par>
+                              <p:par>
+                                <p:cTn id="27" presetID="1" presetClass="entr" presetSubtype="0" fill="hold" grpId="0" nodeType="withEffect">
+                                  <p:stCondLst>
+                                    <p:cond delay="0"/>
+                                  </p:stCondLst>
+                                  <p:childTnLst>
+                                    <p:set>
+                                      <p:cBhvr>
+                                        <p:cTn id="28" dur="1" fill="hold">
+                                          <p:stCondLst>
+                                            <p:cond delay="0"/>
+                                          </p:stCondLst>
+                                        </p:cTn>
+                                        <p:tgtEl>
+                                          <p:spTgt spid="13"/>
+                                        </p:tgtEl>
+                                        <p:attrNameLst>
+                                          <p:attrName>style.visibility</p:attrName>
+                                        </p:attrNameLst>
+                                      </p:cBhvr>
+                                      <p:to>
+                                        <p:strVal val="visible"/>
+                                      </p:to>
+                                    </p:set>
+                                  </p:childTnLst>
+                                </p:cTn>
+                              </p:par>
+                            </p:childTnLst>
+                          </p:cTn>
+                        </p:par>
+                      </p:childTnLst>
+                    </p:cTn>
+                  </p:par>
+                  <p:par>
+                    <p:cTn id="29" fill="hold">
+                      <p:stCondLst>
+                        <p:cond delay="indefinite"/>
+                      </p:stCondLst>
+                      <p:childTnLst>
+                        <p:par>
+                          <p:cTn id="30" fill="hold">
+                            <p:stCondLst>
+                              <p:cond delay="0"/>
+                            </p:stCondLst>
+                            <p:childTnLst>
+                              <p:par>
+                                <p:cTn id="31" presetID="1" presetClass="entr" presetSubtype="0" fill="hold" grpId="0" nodeType="clickEffect">
+                                  <p:stCondLst>
+                                    <p:cond delay="0"/>
+                                  </p:stCondLst>
+                                  <p:childTnLst>
+                                    <p:set>
+                                      <p:cBhvr>
+                                        <p:cTn id="32" dur="1" fill="hold">
+                                          <p:stCondLst>
+                                            <p:cond delay="0"/>
+                                          </p:stCondLst>
+                                        </p:cTn>
+                                        <p:tgtEl>
+                                          <p:spTgt spid="15"/>
+                                        </p:tgtEl>
+                                        <p:attrNameLst>
+                                          <p:attrName>style.visibility</p:attrName>
+                                        </p:attrNameLst>
+                                      </p:cBhvr>
+                                      <p:to>
+                                        <p:strVal val="visible"/>
+                                      </p:to>
+                                    </p:set>
+                                  </p:childTnLst>
+                                </p:cTn>
+                              </p:par>
+                              <p:par>
+                                <p:cTn id="33" presetID="1" presetClass="entr" presetSubtype="0" fill="hold" grpId="0" nodeType="withEffect">
+                                  <p:stCondLst>
+                                    <p:cond delay="0"/>
+                                  </p:stCondLst>
+                                  <p:childTnLst>
+                                    <p:set>
+                                      <p:cBhvr>
+                                        <p:cTn id="34" dur="1" fill="hold">
+                                          <p:stCondLst>
+                                            <p:cond delay="0"/>
+                                          </p:stCondLst>
+                                        </p:cTn>
+                                        <p:tgtEl>
+                                          <p:spTgt spid="14"/>
+                                        </p:tgtEl>
+                                        <p:attrNameLst>
+                                          <p:attrName>style.visibility</p:attrName>
+                                        </p:attrNameLst>
+                                      </p:cBhvr>
+                                      <p:to>
+                                        <p:strVal val="visible"/>
+                                      </p:to>
+                                    </p:set>
+                                  </p:childTnLst>
+                                </p:cTn>
+                              </p:par>
+                            </p:childTnLst>
+                          </p:cTn>
+                        </p:par>
+                      </p:childTnLst>
+                    </p:cTn>
+                  </p:par>
+                </p:childTnLst>
+              </p:cTn>
+              <p:prevCondLst>
+                <p:cond evt="onPrev" delay="0">
+                  <p:tgtEl>
+                    <p:sldTgt/>
+                  </p:tgtEl>
+                </p:cond>
+              </p:prevCondLst>
+              <p:nextCondLst>
+                <p:cond evt="onNext" delay="0">
+                  <p:tgtEl>
+                    <p:sldTgt/>
+                  </p:tgtEl>
+                </p:cond>
+              </p:nextCondLst>
+            </p:seq>
+          </p:childTnLst>
+        </p:cTn>
+      </p:par>
+    </p:tnLst>
+    <p:bldLst>
+      <p:bldP spid="6" grpId="0" animBg="1"/>
+      <p:bldP spid="7" grpId="0" animBg="1"/>
+      <p:bldP spid="8" grpId="0" animBg="1"/>
+      <p:bldP spid="9" grpId="0" animBg="1"/>
+      <p:bldP spid="12" grpId="0" animBg="1"/>
+      <p:bldP spid="13" grpId="0" animBg="1"/>
+      <p:bldP spid="14" grpId="0" animBg="1"/>
+      <p:bldP spid="15" grpId="0" animBg="1"/>
+    </p:bldLst>
+  </p:timing>
+</p:sld>
+</file>
+
+<file path=ppt/slides/slide17.xml><?xml version="1.0" encoding="utf-8"?>
+<p:sld xmlns:a="http://schemas.openxmlformats.org/drawingml/2006/main" xmlns:r="http://schemas.openxmlformats.org/officeDocument/2006/relationships" xmlns:p="http://schemas.openxmlformats.org/presentationml/2006/main">
+  <p:cSld>
+    <p:bg>
+      <p:bgPr>
+        <a:solidFill>
+          <a:schemeClr val="accent5">
+            <a:lumMod val="60000"/>
+            <a:lumOff val="40000"/>
+          </a:schemeClr>
+        </a:solidFill>
+        <a:effectLst/>
+      </p:bgPr>
+    </p:bg>
+    <p:spTree>
+      <p:nvGrpSpPr>
+        <p:cNvPr id="1" name=""/>
+        <p:cNvGrpSpPr/>
+        <p:nvPr/>
+      </p:nvGrpSpPr>
+      <p:grpSpPr>
+        <a:xfrm>
+          <a:off x="0" y="0"/>
+          <a:ext cx="0" cy="0"/>
+          <a:chOff x="0" y="0"/>
+          <a:chExt cx="0" cy="0"/>
+        </a:xfrm>
+      </p:grpSpPr>
+      <p:sp>
+        <p:nvSpPr>
+          <p:cNvPr id="3" name="Rectangle 2"/>
+          <p:cNvSpPr/>
+          <p:nvPr/>
+        </p:nvSpPr>
+        <p:spPr>
+          <a:xfrm>
+            <a:off x="0" y="0"/>
+            <a:ext cx="9144000" cy="3170099"/>
+          </a:xfrm>
+          <a:prstGeom prst="rect">
+            <a:avLst/>
+          </a:prstGeom>
+        </p:spPr>
+        <p:txBody>
+          <a:bodyPr wrap="square">
+            <a:spAutoFit/>
+          </a:bodyPr>
+          <a:lstStyle/>
+          <a:p>
+            <a:pPr algn="ctr"/>
+            <a:endParaRPr lang="en-US" sz="4000" b="1" dirty="0" smtClean="0"/>
+          </a:p>
+          <a:p>
+            <a:pPr lvl="1"/>
+            <a:r>
+              <a:rPr lang="en-NZ" sz="3500" b="1" dirty="0" smtClean="0"/>
+              <a:t>Combining approaches</a:t>
+            </a:r>
+            <a:endParaRPr lang="en-US" sz="3500" b="1" dirty="0" smtClean="0"/>
+          </a:p>
+          <a:p>
+            <a:pPr marL="1657350" lvl="2" indent="-742950">
+              <a:buFont typeface="Arial" panose="020B0604020202020204" pitchFamily="34" charset="0"/>
+              <a:buChar char="•"/>
+            </a:pPr>
+            <a:endParaRPr lang="en-US" sz="2500" dirty="0" smtClean="0"/>
+          </a:p>
+          <a:p>
+            <a:pPr marL="1657350" lvl="2" indent="-742950">
+              <a:buFont typeface="+mj-lt"/>
+              <a:buAutoNum type="arabicPeriod"/>
+            </a:pPr>
+            <a:r>
+              <a:rPr lang="en-NZ" sz="2500" dirty="0" smtClean="0"/>
+              <a:t>Use bounding Rectangles to determine image overlap</a:t>
+            </a:r>
+          </a:p>
+          <a:p>
+            <a:pPr marL="1657350" lvl="2" indent="-742950">
+              <a:buFont typeface="+mj-lt"/>
+              <a:buAutoNum type="arabicPeriod"/>
+            </a:pPr>
+            <a:r>
+              <a:rPr lang="en-NZ" sz="2500" dirty="0" smtClean="0"/>
+              <a:t>Use pixel comparisons to determine real overlap if  </a:t>
+            </a:r>
+          </a:p>
+          <a:p>
+            <a:pPr lvl="2"/>
+            <a:r>
+              <a:rPr lang="en-NZ" sz="2500" dirty="0"/>
+              <a:t> </a:t>
+            </a:r>
+            <a:r>
+              <a:rPr lang="en-NZ" sz="2500" dirty="0" smtClean="0"/>
+              <a:t>          step two indicates a collision</a:t>
+            </a:r>
+            <a:endParaRPr lang="en-US" sz="2500" dirty="0" smtClean="0"/>
+          </a:p>
+          <a:p>
+            <a:pPr marL="1657350" lvl="2" indent="-742950">
+              <a:buFont typeface="Arial" panose="020B0604020202020204" pitchFamily="34" charset="0"/>
+              <a:buChar char="•"/>
+            </a:pPr>
+            <a:endParaRPr lang="en-US" sz="2500" dirty="0" smtClean="0"/>
+          </a:p>
+        </p:txBody>
+      </p:sp>
+    </p:spTree>
+    <p:extLst>
+      <p:ext uri="{BB962C8B-B14F-4D97-AF65-F5344CB8AC3E}">
+        <p14:creationId xmlns:p14="http://schemas.microsoft.com/office/powerpoint/2010/main" val="876079334"/>
+      </p:ext>
+    </p:extLst>
+  </p:cSld>
+  <p:clrMapOvr>
+    <a:masterClrMapping/>
+  </p:clrMapOvr>
+  <p:timing>
+    <p:tnLst>
+      <p:par>
+        <p:cTn id="1" dur="indefinite" restart="never" nodeType="tmRoot"/>
+      </p:par>
+    </p:tnLst>
+  </p:timing>
+</p:sld>
+</file>
+
+<file path=ppt/slides/slide18.xml><?xml version="1.0" encoding="utf-8"?>
+<p:sld xmlns:a="http://schemas.openxmlformats.org/drawingml/2006/main" xmlns:r="http://schemas.openxmlformats.org/officeDocument/2006/relationships" xmlns:p="http://schemas.openxmlformats.org/presentationml/2006/main">
+  <p:cSld>
+    <p:bg>
+      <p:bgPr>
+        <a:solidFill>
+          <a:schemeClr val="accent5">
+            <a:lumMod val="60000"/>
+            <a:lumOff val="40000"/>
+          </a:schemeClr>
+        </a:solidFill>
+        <a:effectLst/>
+      </p:bgPr>
+    </p:bg>
+    <p:spTree>
+      <p:nvGrpSpPr>
+        <p:cNvPr id="1" name=""/>
+        <p:cNvGrpSpPr/>
+        <p:nvPr/>
+      </p:nvGrpSpPr>
+      <p:grpSpPr>
+        <a:xfrm>
+          <a:off x="0" y="0"/>
+          <a:ext cx="0" cy="0"/>
+          <a:chOff x="0" y="0"/>
+          <a:chExt cx="0" cy="0"/>
+        </a:xfrm>
+      </p:grpSpPr>
+      <p:sp>
+        <p:nvSpPr>
+          <p:cNvPr id="3" name="Rectangle 2"/>
+          <p:cNvSpPr/>
+          <p:nvPr/>
+        </p:nvSpPr>
+        <p:spPr>
+          <a:xfrm>
+            <a:off x="0" y="0"/>
+            <a:ext cx="9144000" cy="1246495"/>
+          </a:xfrm>
+          <a:prstGeom prst="rect">
+            <a:avLst/>
+          </a:prstGeom>
+        </p:spPr>
+        <p:txBody>
+          <a:bodyPr wrap="square">
+            <a:spAutoFit/>
+          </a:bodyPr>
+          <a:lstStyle/>
+          <a:p>
+            <a:pPr algn="ctr"/>
+            <a:endParaRPr lang="en-US" sz="4000" b="1" dirty="0" smtClean="0"/>
+          </a:p>
+          <a:p>
+            <a:pPr lvl="1"/>
+            <a:r>
+              <a:rPr lang="en-NZ" sz="3500" b="1" dirty="0" smtClean="0"/>
+              <a:t>Practical</a:t>
+            </a:r>
+            <a:endParaRPr lang="en-US" sz="3500" b="1" dirty="0" smtClean="0"/>
+          </a:p>
+        </p:txBody>
+      </p:sp>
+      <p:pic>
+        <p:nvPicPr>
+          <p:cNvPr id="4" name="Picture 3"/>
+          <p:cNvPicPr>
+            <a:picLocks noChangeAspect="1"/>
+          </p:cNvPicPr>
+          <p:nvPr/>
+        </p:nvPicPr>
+        <p:blipFill rotWithShape="1">
+          <a:blip r:embed="rId3"/>
+          <a:srcRect l="3699" t="6003" r="3348"/>
+          <a:stretch/>
+        </p:blipFill>
+        <p:spPr>
+          <a:xfrm>
+            <a:off x="1409700" y="1524000"/>
+            <a:ext cx="6324600" cy="4772835"/>
+          </a:xfrm>
+          <a:prstGeom prst="rect">
+            <a:avLst/>
+          </a:prstGeom>
+        </p:spPr>
+      </p:pic>
+    </p:spTree>
+    <p:extLst>
+      <p:ext uri="{BB962C8B-B14F-4D97-AF65-F5344CB8AC3E}">
+        <p14:creationId xmlns:p14="http://schemas.microsoft.com/office/powerpoint/2010/main" val="242902391"/>
+      </p:ext>
+    </p:extLst>
+  </p:cSld>
+  <p:clrMapOvr>
+    <a:masterClrMapping/>
+  </p:clrMapOvr>
+  <p:timing>
+    <p:tnLst>
+      <p:par>
+        <p:cTn id="1" dur="indefinite" restart="never" nodeType="tmRoot"/>
+      </p:par>
+    </p:tnLst>
+  </p:timing>
+</p:sld>
+</file>
+
 <file path=ppt/slides/slide2.xml><?xml version="1.0" encoding="utf-8"?>
 <p:sld xmlns:a="http://schemas.openxmlformats.org/drawingml/2006/main" xmlns:r="http://schemas.openxmlformats.org/officeDocument/2006/relationships" xmlns:p="http://schemas.openxmlformats.org/presentationml/2006/main">
   <p:cSld>
+    <p:bg>
+      <p:bgPr>
+        <a:solidFill>
+          <a:schemeClr val="accent5">
+            <a:lumMod val="60000"/>
+            <a:lumOff val="40000"/>
+          </a:schemeClr>
+        </a:solidFill>
+        <a:effectLst/>
+      </p:bgPr>
+    </p:bg>
     <p:spTree>
       <p:nvGrpSpPr>
         <p:cNvPr id="1" name=""/>
@@ -4219,6 +9797,17 @@
 <file path=ppt/slides/slide3.xml><?xml version="1.0" encoding="utf-8"?>
 <p:sld xmlns:a="http://schemas.openxmlformats.org/drawingml/2006/main" xmlns:r="http://schemas.openxmlformats.org/officeDocument/2006/relationships" xmlns:p="http://schemas.openxmlformats.org/presentationml/2006/main">
   <p:cSld>
+    <p:bg>
+      <p:bgPr>
+        <a:solidFill>
+          <a:schemeClr val="accent5">
+            <a:lumMod val="60000"/>
+            <a:lumOff val="40000"/>
+          </a:schemeClr>
+        </a:solidFill>
+        <a:effectLst/>
+      </p:bgPr>
+    </p:bg>
     <p:spTree>
       <p:nvGrpSpPr>
         <p:cNvPr id="1" name=""/>
@@ -4391,6 +9980,17 @@
 <file path=ppt/slides/slide4.xml><?xml version="1.0" encoding="utf-8"?>
 <p:sld xmlns:a="http://schemas.openxmlformats.org/drawingml/2006/main" xmlns:r="http://schemas.openxmlformats.org/officeDocument/2006/relationships" xmlns:p="http://schemas.openxmlformats.org/presentationml/2006/main">
   <p:cSld>
+    <p:bg>
+      <p:bgPr>
+        <a:solidFill>
+          <a:schemeClr val="accent5">
+            <a:lumMod val="60000"/>
+            <a:lumOff val="40000"/>
+          </a:schemeClr>
+        </a:solidFill>
+        <a:effectLst/>
+      </p:bgPr>
+    </p:bg>
     <p:spTree>
       <p:nvGrpSpPr>
         <p:cNvPr id="1" name=""/>
@@ -4471,7 +10071,6 @@
               <a:rPr lang="en-US" sz="2000" dirty="0" smtClean="0"/>
               <a:t> A to B</a:t>
             </a:r>
-            <a:endParaRPr lang="en-US" sz="2000" dirty="0" smtClean="0"/>
           </a:p>
           <a:p>
             <a:pPr marL="1657350" lvl="2" indent="-742950">
@@ -4490,7 +10089,15 @@
             </a:pPr>
             <a:r>
               <a:rPr lang="en-US" sz="2000" dirty="0" smtClean="0"/>
-              <a:t>Three comparisons- AB, AC, BC</a:t>
+              <a:t>Three </a:t>
+            </a:r>
+            <a:r>
+              <a:rPr lang="en-US" sz="2000" dirty="0" smtClean="0"/>
+              <a:t>comparisons – </a:t>
+            </a:r>
+            <a:r>
+              <a:rPr lang="en-US" sz="2000" dirty="0" smtClean="0"/>
+              <a:t>AB, AC, BC</a:t>
             </a:r>
           </a:p>
           <a:p>
@@ -4512,7 +10119,6 @@
               <a:rPr lang="en-US" sz="2000" dirty="0" smtClean="0"/>
               <a:t>Six comparisons</a:t>
             </a:r>
-            <a:endParaRPr lang="en-US" sz="2000" dirty="0" smtClean="0"/>
           </a:p>
           <a:p>
             <a:pPr marL="1657350" lvl="2" indent="-742950">
@@ -4590,6 +10196,17 @@
 <file path=ppt/slides/slide5.xml><?xml version="1.0" encoding="utf-8"?>
 <p:sld xmlns:a="http://schemas.openxmlformats.org/drawingml/2006/main" xmlns:r="http://schemas.openxmlformats.org/officeDocument/2006/relationships" xmlns:p="http://schemas.openxmlformats.org/presentationml/2006/main">
   <p:cSld>
+    <p:bg>
+      <p:bgPr>
+        <a:solidFill>
+          <a:schemeClr val="accent5">
+            <a:lumMod val="60000"/>
+            <a:lumOff val="40000"/>
+          </a:schemeClr>
+        </a:solidFill>
+        <a:effectLst/>
+      </p:bgPr>
+    </p:bg>
     <p:spTree>
       <p:nvGrpSpPr>
         <p:cNvPr id="1" name=""/>
@@ -4613,7 +10230,7 @@
         <p:spPr>
           <a:xfrm>
             <a:off x="0" y="0"/>
-            <a:ext cx="9144000" cy="4247317"/>
+            <a:ext cx="9144000" cy="6401753"/>
           </a:xfrm>
           <a:prstGeom prst="rect">
             <a:avLst/>
@@ -4632,15 +10249,7 @@
             <a:pPr lvl="1"/>
             <a:r>
               <a:rPr lang="en-AU" sz="3500" b="1" dirty="0" smtClean="0"/>
-              <a:t>Reducing the n</a:t>
-            </a:r>
-            <a:r>
-              <a:rPr lang="en-AU" sz="3500" b="1" dirty="0" smtClean="0"/>
-              <a:t>umber </a:t>
-            </a:r>
-            <a:r>
-              <a:rPr lang="en-AU" sz="3500" b="1" dirty="0" smtClean="0"/>
-              <a:t>of comparisons</a:t>
+              <a:t>Reducing the number of comparisons</a:t>
             </a:r>
             <a:endParaRPr lang="en-US" sz="3500" b="1" dirty="0" smtClean="0"/>
           </a:p>
@@ -4667,8 +10276,51 @@
               <a:buChar char="•"/>
             </a:pPr>
             <a:r>
+              <a:rPr lang="en-NZ" sz="2000" dirty="0"/>
+              <a:t>When a collision between two objects is not </a:t>
+            </a:r>
+            <a:r>
+              <a:rPr lang="en-NZ" sz="2000" dirty="0" smtClean="0"/>
+              <a:t>relevant </a:t>
+            </a:r>
+            <a:r>
+              <a:rPr lang="en-NZ" sz="2000" dirty="0"/>
+              <a:t>to the </a:t>
+            </a:r>
+            <a:endParaRPr lang="en-NZ" sz="2000" dirty="0" smtClean="0"/>
+          </a:p>
+          <a:p>
+            <a:pPr lvl="3"/>
+            <a:r>
+              <a:rPr lang="en-NZ" sz="2000" dirty="0"/>
+              <a:t> </a:t>
+            </a:r>
+            <a:r>
+              <a:rPr lang="en-NZ" sz="2000" dirty="0" smtClean="0"/>
+              <a:t>            game</a:t>
+            </a:r>
+            <a:r>
+              <a:rPr lang="en-NZ" sz="2000" dirty="0"/>
+              <a:t>, don’t test for </a:t>
+            </a:r>
+            <a:r>
+              <a:rPr lang="en-NZ" sz="2000" dirty="0" smtClean="0"/>
+              <a:t>it</a:t>
+            </a:r>
+            <a:endParaRPr lang="en-NZ" sz="2000" dirty="0"/>
+          </a:p>
+          <a:p>
+            <a:pPr marL="1657350" lvl="2" indent="-742950">
+              <a:buFont typeface="Arial" panose="020B0604020202020204" pitchFamily="34" charset="0"/>
+              <a:buChar char="•"/>
+            </a:pPr>
+            <a:r>
               <a:rPr lang="en-AU" sz="2500" dirty="0" smtClean="0"/>
-              <a:t>When a collision between two objects is not</a:t>
+              <a:t>Spatial </a:t>
+            </a:r>
+            <a:r>
+              <a:rPr lang="en-AU" sz="2500" dirty="0" smtClean="0"/>
+              <a:t>elimination</a:t>
             </a:r>
           </a:p>
           <a:p>
@@ -4677,19 +10329,62 @@
               <a:buChar char="•"/>
             </a:pPr>
             <a:r>
-              <a:rPr lang="en-AU" sz="2500" dirty="0" smtClean="0"/>
-              <a:t>Relevant to the game, don’t test for it</a:t>
-            </a:r>
-            <a:endParaRPr lang="en-AU" sz="2500" dirty="0" smtClean="0"/>
-          </a:p>
-          <a:p>
-            <a:pPr marL="1657350" lvl="2" indent="-742950">
+              <a:rPr lang="en-NZ" sz="2000" dirty="0"/>
+              <a:t>When two objects are so far apart (in </a:t>
+            </a:r>
+            <a:r>
+              <a:rPr lang="en-NZ" sz="2000" dirty="0" smtClean="0"/>
+              <a:t>world coordinates</a:t>
+            </a:r>
+            <a:r>
+              <a:rPr lang="en-NZ" sz="2000" dirty="0"/>
+              <a:t>) that </a:t>
+            </a:r>
+            <a:endParaRPr lang="en-NZ" sz="2000" dirty="0" smtClean="0"/>
+          </a:p>
+          <a:p>
+            <a:pPr lvl="3"/>
+            <a:r>
+              <a:rPr lang="en-NZ" sz="2000" dirty="0"/>
+              <a:t> </a:t>
+            </a:r>
+            <a:r>
+              <a:rPr lang="en-NZ" sz="2000" dirty="0" smtClean="0"/>
+              <a:t>            they </a:t>
+            </a:r>
+            <a:r>
+              <a:rPr lang="en-NZ" sz="2000" dirty="0"/>
+              <a:t>can’t collide, don’t test them.</a:t>
+            </a:r>
+          </a:p>
+          <a:p>
+            <a:pPr marL="2114550" lvl="3" indent="-742950">
               <a:buFont typeface="Arial" panose="020B0604020202020204" pitchFamily="34" charset="0"/>
               <a:buChar char="•"/>
             </a:pPr>
             <a:r>
-              <a:rPr lang="en-AU" sz="2500" smtClean="0"/>
-              <a:t>Spatial elimination</a:t>
+              <a:rPr lang="en-NZ" sz="2000" dirty="0"/>
+              <a:t>Sort all objects according to their position on one axis.</a:t>
+            </a:r>
+          </a:p>
+          <a:p>
+            <a:pPr marL="2114550" lvl="3" indent="-742950">
+              <a:buFont typeface="Arial" panose="020B0604020202020204" pitchFamily="34" charset="0"/>
+              <a:buChar char="•"/>
+            </a:pPr>
+            <a:r>
+              <a:rPr lang="en-NZ" sz="2000" dirty="0"/>
+              <a:t>Only making comparisons between objects that are close enough to each other that they could collide.</a:t>
+            </a:r>
+          </a:p>
+          <a:p>
+            <a:pPr marL="2114550" lvl="3" indent="-742950">
+              <a:buFont typeface="Arial" panose="020B0604020202020204" pitchFamily="34" charset="0"/>
+              <a:buChar char="•"/>
+            </a:pPr>
+            <a:r>
+              <a:rPr lang="en-NZ" sz="2000" dirty="0"/>
+              <a:t>Extra computation for maintaining sorted lists needs to be less than the extra computation required for collision detection</a:t>
             </a:r>
           </a:p>
           <a:p>
@@ -4718,7 +10413,683 @@
     </p:spTree>
     <p:extLst>
       <p:ext uri="{BB962C8B-B14F-4D97-AF65-F5344CB8AC3E}">
-        <p14:creationId xmlns:p14="http://schemas.microsoft.com/office/powerpoint/2010/main" val="1724156605"/>
+        <p14:creationId xmlns:p14="http://schemas.microsoft.com/office/powerpoint/2010/main" val="205820251"/>
+      </p:ext>
+    </p:extLst>
+  </p:cSld>
+  <p:clrMapOvr>
+    <a:masterClrMapping/>
+  </p:clrMapOvr>
+  <p:timing>
+    <p:tnLst>
+      <p:par>
+        <p:cTn id="1" dur="indefinite" restart="never" nodeType="tmRoot"/>
+      </p:par>
+    </p:tnLst>
+  </p:timing>
+</p:sld>
+</file>
+
+<file path=ppt/slides/slide6.xml><?xml version="1.0" encoding="utf-8"?>
+<p:sld xmlns:a="http://schemas.openxmlformats.org/drawingml/2006/main" xmlns:r="http://schemas.openxmlformats.org/officeDocument/2006/relationships" xmlns:p="http://schemas.openxmlformats.org/presentationml/2006/main">
+  <p:cSld>
+    <p:bg>
+      <p:bgPr>
+        <a:solidFill>
+          <a:schemeClr val="accent5">
+            <a:lumMod val="60000"/>
+            <a:lumOff val="40000"/>
+          </a:schemeClr>
+        </a:solidFill>
+        <a:effectLst/>
+      </p:bgPr>
+    </p:bg>
+    <p:spTree>
+      <p:nvGrpSpPr>
+        <p:cNvPr id="1" name=""/>
+        <p:cNvGrpSpPr/>
+        <p:nvPr/>
+      </p:nvGrpSpPr>
+      <p:grpSpPr>
+        <a:xfrm>
+          <a:off x="0" y="0"/>
+          <a:ext cx="0" cy="0"/>
+          <a:chOff x="0" y="0"/>
+          <a:chExt cx="0" cy="0"/>
+        </a:xfrm>
+      </p:grpSpPr>
+      <p:sp>
+        <p:nvSpPr>
+          <p:cNvPr id="3" name="Rectangle 2"/>
+          <p:cNvSpPr/>
+          <p:nvPr/>
+        </p:nvSpPr>
+        <p:spPr>
+          <a:xfrm>
+            <a:off x="0" y="0"/>
+            <a:ext cx="9144000" cy="1246495"/>
+          </a:xfrm>
+          <a:prstGeom prst="rect">
+            <a:avLst/>
+          </a:prstGeom>
+        </p:spPr>
+        <p:txBody>
+          <a:bodyPr wrap="square">
+            <a:spAutoFit/>
+          </a:bodyPr>
+          <a:lstStyle/>
+          <a:p>
+            <a:pPr algn="ctr"/>
+            <a:endParaRPr lang="en-US" sz="4000" b="1" dirty="0"/>
+          </a:p>
+          <a:p>
+            <a:pPr lvl="1"/>
+            <a:r>
+              <a:rPr lang="en-NZ" sz="3500" b="1" dirty="0" smtClean="0"/>
+              <a:t>Determining collisions</a:t>
+            </a:r>
+            <a:endParaRPr lang="en-US" sz="3500" b="1" dirty="0" smtClean="0"/>
+          </a:p>
+        </p:txBody>
+      </p:sp>
+      <p:pic>
+        <p:nvPicPr>
+          <p:cNvPr id="4" name="Picture 4" descr="anim_msword_flyingwraith"/>
+          <p:cNvPicPr>
+            <a:picLocks noChangeAspect="1" noChangeArrowheads="1" noCrop="1"/>
+          </p:cNvPicPr>
+          <p:nvPr/>
+        </p:nvPicPr>
+        <p:blipFill>
+          <a:blip r:embed="rId3" cstate="print"/>
+          <a:srcRect/>
+          <a:stretch>
+            <a:fillRect/>
+          </a:stretch>
+        </p:blipFill>
+        <p:spPr>
+          <a:xfrm>
+            <a:off x="3995738" y="2822575"/>
+            <a:ext cx="2767012" cy="1543050"/>
+          </a:xfrm>
+          <a:prstGeom prst="rect">
+            <a:avLst/>
+          </a:prstGeom>
+          <a:noFill/>
+          <a:ln/>
+        </p:spPr>
+      </p:pic>
+      <p:pic>
+        <p:nvPicPr>
+          <p:cNvPr id="5" name="Picture 6" descr="Diablo"/>
+          <p:cNvPicPr>
+            <a:picLocks noChangeAspect="1" noChangeArrowheads="1" noCrop="1"/>
+          </p:cNvPicPr>
+          <p:nvPr/>
+        </p:nvPicPr>
+        <p:blipFill>
+          <a:blip r:embed="rId4" cstate="print"/>
+          <a:srcRect/>
+          <a:stretch>
+            <a:fillRect/>
+          </a:stretch>
+        </p:blipFill>
+        <p:spPr>
+          <a:xfrm>
+            <a:off x="1836738" y="2276475"/>
+            <a:ext cx="2303462" cy="2303463"/>
+          </a:xfrm>
+          <a:prstGeom prst="rect">
+            <a:avLst/>
+          </a:prstGeom>
+          <a:noFill/>
+          <a:ln/>
+        </p:spPr>
+      </p:pic>
+    </p:spTree>
+    <p:extLst>
+      <p:ext uri="{BB962C8B-B14F-4D97-AF65-F5344CB8AC3E}">
+        <p14:creationId xmlns:p14="http://schemas.microsoft.com/office/powerpoint/2010/main" val="2108643527"/>
+      </p:ext>
+    </p:extLst>
+  </p:cSld>
+  <p:clrMapOvr>
+    <a:masterClrMapping/>
+  </p:clrMapOvr>
+  <p:timing>
+    <p:tnLst>
+      <p:par>
+        <p:cTn id="1" dur="indefinite" restart="never" nodeType="tmRoot"/>
+      </p:par>
+    </p:tnLst>
+  </p:timing>
+</p:sld>
+</file>
+
+<file path=ppt/slides/slide7.xml><?xml version="1.0" encoding="utf-8"?>
+<p:sld xmlns:a="http://schemas.openxmlformats.org/drawingml/2006/main" xmlns:r="http://schemas.openxmlformats.org/officeDocument/2006/relationships" xmlns:p="http://schemas.openxmlformats.org/presentationml/2006/main">
+  <p:cSld>
+    <p:bg>
+      <p:bgPr>
+        <a:solidFill>
+          <a:schemeClr val="accent5">
+            <a:lumMod val="60000"/>
+            <a:lumOff val="40000"/>
+          </a:schemeClr>
+        </a:solidFill>
+        <a:effectLst/>
+      </p:bgPr>
+    </p:bg>
+    <p:spTree>
+      <p:nvGrpSpPr>
+        <p:cNvPr id="1" name=""/>
+        <p:cNvGrpSpPr/>
+        <p:nvPr/>
+      </p:nvGrpSpPr>
+      <p:grpSpPr>
+        <a:xfrm>
+          <a:off x="0" y="0"/>
+          <a:ext cx="0" cy="0"/>
+          <a:chOff x="0" y="0"/>
+          <a:chExt cx="0" cy="0"/>
+        </a:xfrm>
+      </p:grpSpPr>
+      <p:sp>
+        <p:nvSpPr>
+          <p:cNvPr id="3" name="Rectangle 2"/>
+          <p:cNvSpPr/>
+          <p:nvPr/>
+        </p:nvSpPr>
+        <p:spPr>
+          <a:xfrm>
+            <a:off x="0" y="0"/>
+            <a:ext cx="9144000" cy="1246495"/>
+          </a:xfrm>
+          <a:prstGeom prst="rect">
+            <a:avLst/>
+          </a:prstGeom>
+        </p:spPr>
+        <p:txBody>
+          <a:bodyPr wrap="square">
+            <a:spAutoFit/>
+          </a:bodyPr>
+          <a:lstStyle/>
+          <a:p>
+            <a:pPr algn="ctr"/>
+            <a:endParaRPr lang="en-US" sz="4000" b="1" dirty="0"/>
+          </a:p>
+          <a:p>
+            <a:pPr lvl="1"/>
+            <a:r>
+              <a:rPr lang="en-NZ" sz="3500" b="1" dirty="0" smtClean="0"/>
+              <a:t>Determining collisions</a:t>
+            </a:r>
+            <a:endParaRPr lang="en-US" sz="3500" b="1" dirty="0" smtClean="0"/>
+          </a:p>
+        </p:txBody>
+      </p:sp>
+      <p:pic>
+        <p:nvPicPr>
+          <p:cNvPr id="6" name="Picture 4" descr="anim_msword_flyingwraith"/>
+          <p:cNvPicPr>
+            <a:picLocks noChangeAspect="1" noChangeArrowheads="1" noCrop="1"/>
+          </p:cNvPicPr>
+          <p:nvPr/>
+        </p:nvPicPr>
+        <p:blipFill>
+          <a:blip r:embed="rId3" cstate="print"/>
+          <a:srcRect/>
+          <a:stretch>
+            <a:fillRect/>
+          </a:stretch>
+        </p:blipFill>
+        <p:spPr>
+          <a:xfrm>
+            <a:off x="3995738" y="2822575"/>
+            <a:ext cx="2767012" cy="1543050"/>
+          </a:xfrm>
+          <a:prstGeom prst="rect">
+            <a:avLst/>
+          </a:prstGeom>
+          <a:noFill/>
+          <a:ln/>
+        </p:spPr>
+      </p:pic>
+      <p:pic>
+        <p:nvPicPr>
+          <p:cNvPr id="7" name="Picture 5" descr="Diablo"/>
+          <p:cNvPicPr>
+            <a:picLocks noChangeAspect="1" noChangeArrowheads="1" noCrop="1"/>
+          </p:cNvPicPr>
+          <p:nvPr/>
+        </p:nvPicPr>
+        <p:blipFill>
+          <a:blip r:embed="rId4" cstate="print"/>
+          <a:srcRect/>
+          <a:stretch>
+            <a:fillRect/>
+          </a:stretch>
+        </p:blipFill>
+        <p:spPr>
+          <a:xfrm>
+            <a:off x="1836738" y="2276475"/>
+            <a:ext cx="2303462" cy="2303463"/>
+          </a:xfrm>
+          <a:prstGeom prst="rect">
+            <a:avLst/>
+          </a:prstGeom>
+          <a:noFill/>
+          <a:ln/>
+        </p:spPr>
+      </p:pic>
+      <p:sp>
+        <p:nvSpPr>
+          <p:cNvPr id="8" name="Rectangle 6"/>
+          <p:cNvSpPr>
+            <a:spLocks noChangeArrowheads="1"/>
+          </p:cNvSpPr>
+          <p:nvPr/>
+        </p:nvSpPr>
+        <p:spPr bwMode="auto">
+          <a:xfrm>
+            <a:off x="1835150" y="2276475"/>
+            <a:ext cx="2376488" cy="2376488"/>
+          </a:xfrm>
+          <a:prstGeom prst="rect">
+            <a:avLst/>
+          </a:prstGeom>
+          <a:noFill/>
+          <a:ln w="9525">
+            <a:solidFill>
+              <a:schemeClr val="tx1"/>
+            </a:solidFill>
+            <a:miter lim="800000"/>
+            <a:headEnd/>
+            <a:tailEnd/>
+          </a:ln>
+          <a:effectLst/>
+        </p:spPr>
+        <p:txBody>
+          <a:bodyPr wrap="none" anchor="ctr"/>
+          <a:lstStyle/>
+          <a:p>
+            <a:endParaRPr lang="en-NZ"/>
+          </a:p>
+        </p:txBody>
+      </p:sp>
+      <p:sp>
+        <p:nvSpPr>
+          <p:cNvPr id="9" name="Rectangle 8"/>
+          <p:cNvSpPr>
+            <a:spLocks noChangeArrowheads="1"/>
+          </p:cNvSpPr>
+          <p:nvPr/>
+        </p:nvSpPr>
+        <p:spPr bwMode="auto">
+          <a:xfrm>
+            <a:off x="3995738" y="2781300"/>
+            <a:ext cx="2808287" cy="1655763"/>
+          </a:xfrm>
+          <a:prstGeom prst="rect">
+            <a:avLst/>
+          </a:prstGeom>
+          <a:noFill/>
+          <a:ln w="9525">
+            <a:solidFill>
+              <a:schemeClr val="tx1"/>
+            </a:solidFill>
+            <a:miter lim="800000"/>
+            <a:headEnd/>
+            <a:tailEnd/>
+          </a:ln>
+          <a:effectLst/>
+        </p:spPr>
+        <p:txBody>
+          <a:bodyPr wrap="none" anchor="ctr"/>
+          <a:lstStyle/>
+          <a:p>
+            <a:endParaRPr lang="en-NZ"/>
+          </a:p>
+        </p:txBody>
+      </p:sp>
+    </p:spTree>
+    <p:extLst>
+      <p:ext uri="{BB962C8B-B14F-4D97-AF65-F5344CB8AC3E}">
+        <p14:creationId xmlns:p14="http://schemas.microsoft.com/office/powerpoint/2010/main" val="2224928199"/>
+      </p:ext>
+    </p:extLst>
+  </p:cSld>
+  <p:clrMapOvr>
+    <a:masterClrMapping/>
+  </p:clrMapOvr>
+  <p:timing>
+    <p:tnLst>
+      <p:par>
+        <p:cTn id="1" dur="indefinite" restart="never" nodeType="tmRoot"/>
+      </p:par>
+    </p:tnLst>
+  </p:timing>
+</p:sld>
+</file>
+
+<file path=ppt/slides/slide8.xml><?xml version="1.0" encoding="utf-8"?>
+<p:sld xmlns:a="http://schemas.openxmlformats.org/drawingml/2006/main" xmlns:r="http://schemas.openxmlformats.org/officeDocument/2006/relationships" xmlns:p="http://schemas.openxmlformats.org/presentationml/2006/main">
+  <p:cSld>
+    <p:bg>
+      <p:bgPr>
+        <a:solidFill>
+          <a:schemeClr val="accent5">
+            <a:lumMod val="60000"/>
+            <a:lumOff val="40000"/>
+          </a:schemeClr>
+        </a:solidFill>
+        <a:effectLst/>
+      </p:bgPr>
+    </p:bg>
+    <p:spTree>
+      <p:nvGrpSpPr>
+        <p:cNvPr id="1" name=""/>
+        <p:cNvGrpSpPr/>
+        <p:nvPr/>
+      </p:nvGrpSpPr>
+      <p:grpSpPr>
+        <a:xfrm>
+          <a:off x="0" y="0"/>
+          <a:ext cx="0" cy="0"/>
+          <a:chOff x="0" y="0"/>
+          <a:chExt cx="0" cy="0"/>
+        </a:xfrm>
+      </p:grpSpPr>
+      <p:sp>
+        <p:nvSpPr>
+          <p:cNvPr id="3" name="Rectangle 2"/>
+          <p:cNvSpPr/>
+          <p:nvPr/>
+        </p:nvSpPr>
+        <p:spPr>
+          <a:xfrm>
+            <a:off x="0" y="0"/>
+            <a:ext cx="9144000" cy="3477875"/>
+          </a:xfrm>
+          <a:prstGeom prst="rect">
+            <a:avLst/>
+          </a:prstGeom>
+        </p:spPr>
+        <p:txBody>
+          <a:bodyPr wrap="square">
+            <a:spAutoFit/>
+          </a:bodyPr>
+          <a:lstStyle/>
+          <a:p>
+            <a:pPr algn="ctr"/>
+            <a:endParaRPr lang="en-US" sz="4000" b="1" dirty="0"/>
+          </a:p>
+          <a:p>
+            <a:pPr lvl="1"/>
+            <a:r>
+              <a:rPr lang="en-NZ" sz="3500" b="1" dirty="0" smtClean="0"/>
+              <a:t>Determining collisions</a:t>
+            </a:r>
+            <a:endParaRPr lang="en-US" sz="3500" b="1" dirty="0" smtClean="0"/>
+          </a:p>
+          <a:p>
+            <a:pPr marL="1657350" lvl="2" indent="-742950">
+              <a:buFont typeface="Arial" panose="020B0604020202020204" pitchFamily="34" charset="0"/>
+              <a:buChar char="•"/>
+            </a:pPr>
+            <a:endParaRPr lang="en-US" sz="2500" dirty="0" smtClean="0"/>
+          </a:p>
+          <a:p>
+            <a:pPr marL="1657350" lvl="2" indent="-742950">
+              <a:buFont typeface="Arial" panose="020B0604020202020204" pitchFamily="34" charset="0"/>
+              <a:buChar char="•"/>
+            </a:pPr>
+            <a:r>
+              <a:rPr lang="en-NZ" sz="2500" dirty="0" smtClean="0"/>
+              <a:t>Fast methods</a:t>
+            </a:r>
+          </a:p>
+          <a:p>
+            <a:pPr marL="1657350" lvl="2" indent="-742950">
+              <a:buFont typeface="Arial" panose="020B0604020202020204" pitchFamily="34" charset="0"/>
+              <a:buChar char="•"/>
+            </a:pPr>
+            <a:r>
+              <a:rPr lang="en-NZ" sz="2500" dirty="0" smtClean="0"/>
+              <a:t>Accurate methods</a:t>
+            </a:r>
+            <a:endParaRPr lang="en-NZ" sz="2000" dirty="0"/>
+          </a:p>
+          <a:p>
+            <a:pPr marL="2114550" lvl="3" indent="-742950">
+              <a:buFont typeface="Arial" panose="020B0604020202020204" pitchFamily="34" charset="0"/>
+              <a:buChar char="•"/>
+            </a:pPr>
+            <a:endParaRPr lang="en-US" sz="2000" dirty="0" smtClean="0"/>
+          </a:p>
+          <a:p>
+            <a:pPr marL="1657350" lvl="2" indent="-742950">
+              <a:buFont typeface="Arial" panose="020B0604020202020204" pitchFamily="34" charset="0"/>
+              <a:buChar char="•"/>
+            </a:pPr>
+            <a:endParaRPr lang="en-US" sz="2500" dirty="0" smtClean="0"/>
+          </a:p>
+          <a:p>
+            <a:pPr marL="1657350" lvl="2" indent="-742950">
+              <a:buFont typeface="Arial" panose="020B0604020202020204" pitchFamily="34" charset="0"/>
+              <a:buChar char="•"/>
+            </a:pPr>
+            <a:endParaRPr lang="en-US" sz="2500" dirty="0" smtClean="0"/>
+          </a:p>
+        </p:txBody>
+      </p:sp>
+    </p:spTree>
+    <p:extLst>
+      <p:ext uri="{BB962C8B-B14F-4D97-AF65-F5344CB8AC3E}">
+        <p14:creationId xmlns:p14="http://schemas.microsoft.com/office/powerpoint/2010/main" val="2377994636"/>
+      </p:ext>
+    </p:extLst>
+  </p:cSld>
+  <p:clrMapOvr>
+    <a:masterClrMapping/>
+  </p:clrMapOvr>
+  <p:timing>
+    <p:tnLst>
+      <p:par>
+        <p:cTn id="1" dur="indefinite" restart="never" nodeType="tmRoot"/>
+      </p:par>
+    </p:tnLst>
+  </p:timing>
+</p:sld>
+</file>
+
+<file path=ppt/slides/slide9.xml><?xml version="1.0" encoding="utf-8"?>
+<p:sld xmlns:a="http://schemas.openxmlformats.org/drawingml/2006/main" xmlns:r="http://schemas.openxmlformats.org/officeDocument/2006/relationships" xmlns:p="http://schemas.openxmlformats.org/presentationml/2006/main">
+  <p:cSld>
+    <p:bg>
+      <p:bgPr>
+        <a:solidFill>
+          <a:schemeClr val="accent5">
+            <a:lumMod val="60000"/>
+            <a:lumOff val="40000"/>
+          </a:schemeClr>
+        </a:solidFill>
+        <a:effectLst/>
+      </p:bgPr>
+    </p:bg>
+    <p:spTree>
+      <p:nvGrpSpPr>
+        <p:cNvPr id="1" name=""/>
+        <p:cNvGrpSpPr/>
+        <p:nvPr/>
+      </p:nvGrpSpPr>
+      <p:grpSpPr>
+        <a:xfrm>
+          <a:off x="0" y="0"/>
+          <a:ext cx="0" cy="0"/>
+          <a:chOff x="0" y="0"/>
+          <a:chExt cx="0" cy="0"/>
+        </a:xfrm>
+      </p:grpSpPr>
+      <p:sp>
+        <p:nvSpPr>
+          <p:cNvPr id="3" name="Rectangle 2"/>
+          <p:cNvSpPr/>
+          <p:nvPr/>
+        </p:nvSpPr>
+        <p:spPr>
+          <a:xfrm>
+            <a:off x="0" y="0"/>
+            <a:ext cx="9144000" cy="5247590"/>
+          </a:xfrm>
+          <a:prstGeom prst="rect">
+            <a:avLst/>
+          </a:prstGeom>
+        </p:spPr>
+        <p:txBody>
+          <a:bodyPr wrap="square">
+            <a:spAutoFit/>
+          </a:bodyPr>
+          <a:lstStyle/>
+          <a:p>
+            <a:pPr algn="ctr"/>
+            <a:endParaRPr lang="en-US" sz="4000" b="1" dirty="0"/>
+          </a:p>
+          <a:p>
+            <a:pPr lvl="1"/>
+            <a:r>
+              <a:rPr lang="en-NZ" sz="3500" b="1" dirty="0" smtClean="0"/>
+              <a:t>Accurate collision detection</a:t>
+            </a:r>
+            <a:endParaRPr lang="en-US" sz="3500" b="1" dirty="0" smtClean="0"/>
+          </a:p>
+          <a:p>
+            <a:pPr marL="1657350" lvl="2" indent="-742950">
+              <a:buFont typeface="Arial" panose="020B0604020202020204" pitchFamily="34" charset="0"/>
+              <a:buChar char="•"/>
+            </a:pPr>
+            <a:endParaRPr lang="en-US" sz="2500" dirty="0" smtClean="0"/>
+          </a:p>
+          <a:p>
+            <a:pPr marL="1657350" lvl="2" indent="-742950">
+              <a:buFont typeface="Arial" panose="020B0604020202020204" pitchFamily="34" charset="0"/>
+              <a:buChar char="•"/>
+            </a:pPr>
+            <a:r>
+              <a:rPr lang="en-NZ" sz="2500" dirty="0" smtClean="0"/>
+              <a:t>Pixel-based detection</a:t>
+            </a:r>
+          </a:p>
+          <a:p>
+            <a:pPr lvl="3"/>
+            <a:endParaRPr lang="en-NZ" sz="2000" dirty="0" smtClean="0"/>
+          </a:p>
+          <a:p>
+            <a:pPr lvl="3"/>
+            <a:r>
+              <a:rPr lang="en-NZ" sz="2000" dirty="0" smtClean="0"/>
+              <a:t>For </a:t>
+            </a:r>
+            <a:r>
+              <a:rPr lang="en-NZ" sz="2000" dirty="0"/>
+              <a:t>each Pixel pa  of  Sprite1</a:t>
+            </a:r>
+          </a:p>
+          <a:p>
+            <a:pPr lvl="3"/>
+            <a:r>
+              <a:rPr lang="en-NZ" sz="2000" dirty="0" smtClean="0"/>
+              <a:t>	For </a:t>
+            </a:r>
+            <a:r>
+              <a:rPr lang="en-NZ" sz="2000" dirty="0"/>
+              <a:t>each Pixel </a:t>
+            </a:r>
+            <a:r>
+              <a:rPr lang="en-NZ" sz="2000" dirty="0" err="1"/>
+              <a:t>pb</a:t>
+            </a:r>
+            <a:r>
+              <a:rPr lang="en-NZ" sz="2000" dirty="0"/>
+              <a:t> in Sprite2</a:t>
+            </a:r>
+          </a:p>
+          <a:p>
+            <a:pPr lvl="6"/>
+            <a:r>
+              <a:rPr lang="en-NZ" sz="2000" dirty="0"/>
+              <a:t>If pa is not Sprite1’s transparent colour and</a:t>
+            </a:r>
+          </a:p>
+          <a:p>
+            <a:pPr lvl="6"/>
+            <a:r>
+              <a:rPr lang="en-NZ" sz="2000" dirty="0"/>
+              <a:t>If </a:t>
+            </a:r>
+            <a:r>
+              <a:rPr lang="en-NZ" sz="2000" dirty="0" err="1"/>
+              <a:t>pb</a:t>
+            </a:r>
+            <a:r>
+              <a:rPr lang="en-NZ" sz="2000" dirty="0"/>
+              <a:t> is not Sprite2’s transparent colour and</a:t>
+            </a:r>
+          </a:p>
+          <a:p>
+            <a:pPr lvl="3"/>
+            <a:r>
+              <a:rPr lang="en-NZ" sz="2000" dirty="0" smtClean="0"/>
+              <a:t>	        They </a:t>
+            </a:r>
+            <a:r>
+              <a:rPr lang="en-NZ" sz="2000" dirty="0"/>
+              <a:t>are at the same pixel location in the </a:t>
+            </a:r>
+            <a:r>
+              <a:rPr lang="en-NZ" sz="2000" dirty="0" smtClean="0"/>
+              <a:t>world</a:t>
+            </a:r>
+          </a:p>
+          <a:p>
+            <a:pPr lvl="3"/>
+            <a:r>
+              <a:rPr lang="en-NZ" sz="2000" dirty="0"/>
+              <a:t>	</a:t>
+            </a:r>
+            <a:r>
+              <a:rPr lang="en-NZ" sz="2000" dirty="0" smtClean="0"/>
+              <a:t>Collision </a:t>
+            </a:r>
+            <a:r>
+              <a:rPr lang="en-NZ" sz="2000" dirty="0"/>
+              <a:t>= true;</a:t>
+            </a:r>
+          </a:p>
+          <a:p>
+            <a:pPr lvl="2"/>
+            <a:endParaRPr lang="en-US" sz="2000" dirty="0" smtClean="0"/>
+          </a:p>
+          <a:p>
+            <a:pPr marL="1657350" lvl="2" indent="-742950">
+              <a:buFont typeface="Arial" panose="020B0604020202020204" pitchFamily="34" charset="0"/>
+              <a:buChar char="•"/>
+            </a:pPr>
+            <a:endParaRPr lang="en-US" sz="2500" dirty="0" smtClean="0"/>
+          </a:p>
+          <a:p>
+            <a:pPr marL="1657350" lvl="2" indent="-742950">
+              <a:buFont typeface="Arial" panose="020B0604020202020204" pitchFamily="34" charset="0"/>
+              <a:buChar char="•"/>
+            </a:pPr>
+            <a:endParaRPr lang="en-US" sz="2500" dirty="0" smtClean="0"/>
+          </a:p>
+        </p:txBody>
+      </p:sp>
+    </p:spTree>
+    <p:extLst>
+      <p:ext uri="{BB962C8B-B14F-4D97-AF65-F5344CB8AC3E}">
+        <p14:creationId xmlns:p14="http://schemas.microsoft.com/office/powerpoint/2010/main" val="365367845"/>
       </p:ext>
     </p:extLst>
   </p:cSld>

--- a/Programming 4/08.2 NPC Collision/08.2 NPC Collision.pptx
+++ b/Programming 4/08.2 NPC Collision/08.2 NPC Collision.pptx
@@ -225,7 +225,7 @@
           <a:p>
             <a:fld id="{2B565E5C-099F-DB4B-B3D4-39EF91E5F10D}" type="datetimeFigureOut">
               <a:rPr lang="en-US" smtClean="0"/>
-              <a:t>9/17/2019</a:t>
+              <a:t>9/18/2019</a:t>
             </a:fld>
             <a:endParaRPr lang="en-US"/>
           </a:p>
@@ -3973,7 +3973,55 @@
                 <a:ea typeface="+mn-ea"/>
                 <a:cs typeface="+mn-cs"/>
               </a:rPr>
-              <a:t>This computation is O(n2) in the number of pixels.</a:t>
+              <a:t>This </a:t>
+            </a:r>
+            <a:r>
+              <a:rPr lang="en-NZ" sz="1200" kern="1200" dirty="0" smtClean="0">
+                <a:solidFill>
+                  <a:schemeClr val="tx1"/>
+                </a:solidFill>
+                <a:effectLst/>
+                <a:latin typeface="+mn-lt"/>
+                <a:ea typeface="+mn-ea"/>
+                <a:cs typeface="+mn-cs"/>
+              </a:rPr>
+              <a:t>computation (double for loop) </a:t>
+            </a:r>
+            <a:r>
+              <a:rPr lang="en-NZ" sz="1200" kern="1200" dirty="0" smtClean="0">
+                <a:solidFill>
+                  <a:schemeClr val="tx1"/>
+                </a:solidFill>
+                <a:effectLst/>
+                <a:latin typeface="+mn-lt"/>
+                <a:ea typeface="+mn-ea"/>
+                <a:cs typeface="+mn-cs"/>
+              </a:rPr>
+              <a:t>is O(n2</a:t>
+            </a:r>
+            <a:r>
+              <a:rPr lang="en-NZ" sz="1200" kern="1200" dirty="0" smtClean="0">
+                <a:solidFill>
+                  <a:schemeClr val="tx1"/>
+                </a:solidFill>
+                <a:effectLst/>
+                <a:latin typeface="+mn-lt"/>
+                <a:ea typeface="+mn-ea"/>
+                <a:cs typeface="+mn-cs"/>
+              </a:rPr>
+              <a:t>) in the </a:t>
+            </a:r>
+            <a:r>
+              <a:rPr lang="en-NZ" sz="1200" kern="1200" dirty="0" smtClean="0">
+                <a:solidFill>
+                  <a:schemeClr val="tx1"/>
+                </a:solidFill>
+                <a:effectLst/>
+                <a:latin typeface="+mn-lt"/>
+                <a:ea typeface="+mn-ea"/>
+                <a:cs typeface="+mn-cs"/>
+              </a:rPr>
+              <a:t>number of pixels.</a:t>
             </a:r>
             <a:r>
               <a:rPr lang="en-NZ" sz="1200" kern="1200" baseline="0" dirty="0" smtClean="0">
@@ -3997,8 +4045,29 @@
                 <a:ea typeface="+mn-ea"/>
                 <a:cs typeface="+mn-cs"/>
               </a:rPr>
-              <a:t>ut it is very accurate</a:t>
-            </a:r>
+              <a:t>ut it is very </a:t>
+            </a:r>
+            <a:r>
+              <a:rPr lang="en-NZ" sz="1200" kern="1200" dirty="0" smtClean="0">
+                <a:solidFill>
+                  <a:schemeClr val="tx1"/>
+                </a:solidFill>
+                <a:effectLst/>
+                <a:latin typeface="+mn-lt"/>
+                <a:ea typeface="+mn-ea"/>
+                <a:cs typeface="+mn-cs"/>
+              </a:rPr>
+              <a:t>accurate</a:t>
+            </a:r>
+            <a:endParaRPr lang="en-NZ" sz="1200" kern="1200" dirty="0" smtClean="0">
+              <a:solidFill>
+                <a:schemeClr val="tx1"/>
+              </a:solidFill>
+              <a:effectLst/>
+              <a:latin typeface="+mn-lt"/>
+              <a:ea typeface="+mn-ea"/>
+              <a:cs typeface="+mn-cs"/>
+            </a:endParaRPr>
           </a:p>
         </p:txBody>
       </p:sp>
@@ -4474,7 +4543,7 @@
           <a:p>
             <a:fld id="{F8166F1F-CE9B-4651-A6AA-CD717754106B}" type="datetimeFigureOut">
               <a:rPr lang="en-US" smtClean="0"/>
-              <a:t>9/17/2019</a:t>
+              <a:t>9/18/2019</a:t>
             </a:fld>
             <a:endParaRPr lang="en-US"/>
           </a:p>
@@ -4639,7 +4708,7 @@
           <a:p>
             <a:fld id="{A76116CE-C4A3-4A05-B2D7-7C2E9A889C0F}" type="datetimeFigureOut">
               <a:rPr lang="en-US" smtClean="0"/>
-              <a:t>9/17/2019</a:t>
+              <a:t>9/18/2019</a:t>
             </a:fld>
             <a:endParaRPr lang="en-US"/>
           </a:p>
@@ -4814,7 +4883,7 @@
           <a:p>
             <a:fld id="{A76116CE-C4A3-4A05-B2D7-7C2E9A889C0F}" type="datetimeFigureOut">
               <a:rPr lang="en-US" smtClean="0"/>
-              <a:t>9/17/2019</a:t>
+              <a:t>9/18/2019</a:t>
             </a:fld>
             <a:endParaRPr lang="en-US"/>
           </a:p>
@@ -4981,7 +5050,7 @@
           <a:p>
             <a:fld id="{A76116CE-C4A3-4A05-B2D7-7C2E9A889C0F}" type="datetimeFigureOut">
               <a:rPr lang="en-US" smtClean="0"/>
-              <a:t>9/17/2019</a:t>
+              <a:t>9/18/2019</a:t>
             </a:fld>
             <a:endParaRPr lang="en-US"/>
           </a:p>
@@ -5222,7 +5291,7 @@
           <a:p>
             <a:fld id="{A76116CE-C4A3-4A05-B2D7-7C2E9A889C0F}" type="datetimeFigureOut">
               <a:rPr lang="en-US" smtClean="0"/>
-              <a:t>9/17/2019</a:t>
+              <a:t>9/18/2019</a:t>
             </a:fld>
             <a:endParaRPr lang="en-US"/>
           </a:p>
@@ -5505,7 +5574,7 @@
           <a:p>
             <a:fld id="{A76116CE-C4A3-4A05-B2D7-7C2E9A889C0F}" type="datetimeFigureOut">
               <a:rPr lang="en-US" smtClean="0"/>
-              <a:t>9/17/2019</a:t>
+              <a:t>9/18/2019</a:t>
             </a:fld>
             <a:endParaRPr lang="en-US"/>
           </a:p>
@@ -5922,7 +5991,7 @@
           <a:p>
             <a:fld id="{A76116CE-C4A3-4A05-B2D7-7C2E9A889C0F}" type="datetimeFigureOut">
               <a:rPr lang="en-US" smtClean="0"/>
-              <a:t>9/17/2019</a:t>
+              <a:t>9/18/2019</a:t>
             </a:fld>
             <a:endParaRPr lang="en-US"/>
           </a:p>
@@ -6035,7 +6104,7 @@
           <a:p>
             <a:fld id="{A76116CE-C4A3-4A05-B2D7-7C2E9A889C0F}" type="datetimeFigureOut">
               <a:rPr lang="en-US" smtClean="0"/>
-              <a:t>9/17/2019</a:t>
+              <a:t>9/18/2019</a:t>
             </a:fld>
             <a:endParaRPr lang="en-US"/>
           </a:p>
@@ -6125,7 +6194,7 @@
           <a:p>
             <a:fld id="{A76116CE-C4A3-4A05-B2D7-7C2E9A889C0F}" type="datetimeFigureOut">
               <a:rPr lang="en-US" smtClean="0"/>
-              <a:t>9/17/2019</a:t>
+              <a:t>9/18/2019</a:t>
             </a:fld>
             <a:endParaRPr lang="en-US"/>
           </a:p>
@@ -6397,7 +6466,7 @@
           <a:p>
             <a:fld id="{A76116CE-C4A3-4A05-B2D7-7C2E9A889C0F}" type="datetimeFigureOut">
               <a:rPr lang="en-US" smtClean="0"/>
-              <a:t>9/17/2019</a:t>
+              <a:t>9/18/2019</a:t>
             </a:fld>
             <a:endParaRPr lang="en-US"/>
           </a:p>
@@ -6645,7 +6714,7 @@
           <a:p>
             <a:fld id="{A76116CE-C4A3-4A05-B2D7-7C2E9A889C0F}" type="datetimeFigureOut">
               <a:rPr lang="en-US" smtClean="0"/>
-              <a:t>9/17/2019</a:t>
+              <a:t>9/18/2019</a:t>
             </a:fld>
             <a:endParaRPr lang="en-US"/>
           </a:p>
@@ -6853,7 +6922,7 @@
           <a:p>
             <a:fld id="{F8166F1F-CE9B-4651-A6AA-CD717754106B}" type="datetimeFigureOut">
               <a:rPr lang="en-US" smtClean="0"/>
-              <a:t>9/17/2019</a:t>
+              <a:t>9/18/2019</a:t>
             </a:fld>
             <a:endParaRPr lang="en-US"/>
           </a:p>
@@ -9850,7 +9919,15 @@
             <a:pPr lvl="1"/>
             <a:r>
               <a:rPr lang="en-AU" sz="3500" b="1" dirty="0" smtClean="0"/>
-              <a:t>A priori vs. a posteriori</a:t>
+              <a:t>Before vs</a:t>
+            </a:r>
+            <a:r>
+              <a:rPr lang="en-AU" sz="3500" b="1" dirty="0" smtClean="0"/>
+              <a:t>. </a:t>
+            </a:r>
+            <a:r>
+              <a:rPr lang="en-NZ" sz="3500" b="1" dirty="0" smtClean="0"/>
+              <a:t>after</a:t>
             </a:r>
             <a:endParaRPr lang="en-US" sz="3500" b="1" dirty="0" smtClean="0"/>
           </a:p>
@@ -9868,8 +9945,9 @@
             </a:pPr>
             <a:r>
               <a:rPr lang="en-US" sz="2500" dirty="0" smtClean="0"/>
-              <a:t>A priori</a:t>
-            </a:r>
+              <a:t>Before</a:t>
+            </a:r>
+            <a:endParaRPr lang="en-US" sz="2500" dirty="0" smtClean="0"/>
           </a:p>
           <a:p>
             <a:pPr marL="2114550" lvl="3" indent="-742950">
@@ -9907,9 +9985,10 @@
               <a:buChar char="•"/>
             </a:pPr>
             <a:r>
-              <a:rPr lang="en-US" sz="2500" dirty="0" smtClean="0"/>
+              <a:rPr lang="en-US" sz="2500" smtClean="0"/>
               <a:t>A posteriori</a:t>
             </a:r>
+            <a:endParaRPr lang="en-US" sz="2500" dirty="0" smtClean="0"/>
           </a:p>
           <a:p>
             <a:pPr marL="2114550" lvl="3" indent="-742950">
@@ -10089,15 +10168,7 @@
             </a:pPr>
             <a:r>
               <a:rPr lang="en-US" sz="2000" dirty="0" smtClean="0"/>
-              <a:t>Three </a:t>
-            </a:r>
-            <a:r>
-              <a:rPr lang="en-US" sz="2000" dirty="0" smtClean="0"/>
-              <a:t>comparisons – </a:t>
-            </a:r>
-            <a:r>
-              <a:rPr lang="en-US" sz="2000" dirty="0" smtClean="0"/>
-              <a:t>AB, AC, BC</a:t>
+              <a:t>Three comparisons – AB, AC, BC</a:t>
             </a:r>
           </a:p>
           <a:p>
@@ -10316,11 +10387,7 @@
             </a:pPr>
             <a:r>
               <a:rPr lang="en-AU" sz="2500" dirty="0" smtClean="0"/>
-              <a:t>Spatial </a:t>
-            </a:r>
-            <a:r>
-              <a:rPr lang="en-AU" sz="2500" dirty="0" smtClean="0"/>
-              <a:t>elimination</a:t>
+              <a:t>Spatial elimination</a:t>
             </a:r>
           </a:p>
           <a:p>

--- a/Programming 4/08.2 NPC Collision/08.2 NPC Collision.pptx
+++ b/Programming 4/08.2 NPC Collision/08.2 NPC Collision.pptx
@@ -225,7 +225,7 @@
           <a:p>
             <a:fld id="{2B565E5C-099F-DB4B-B3D4-39EF91E5F10D}" type="datetimeFigureOut">
               <a:rPr lang="en-US" smtClean="0"/>
-              <a:t>9/18/2019</a:t>
+              <a:t>9/20/2019</a:t>
             </a:fld>
             <a:endParaRPr lang="en-US"/>
           </a:p>
@@ -3973,55 +3973,7 @@
                 <a:ea typeface="+mn-ea"/>
                 <a:cs typeface="+mn-cs"/>
               </a:rPr>
-              <a:t>This </a:t>
-            </a:r>
-            <a:r>
-              <a:rPr lang="en-NZ" sz="1200" kern="1200" dirty="0" smtClean="0">
-                <a:solidFill>
-                  <a:schemeClr val="tx1"/>
-                </a:solidFill>
-                <a:effectLst/>
-                <a:latin typeface="+mn-lt"/>
-                <a:ea typeface="+mn-ea"/>
-                <a:cs typeface="+mn-cs"/>
-              </a:rPr>
-              <a:t>computation (double for loop) </a:t>
-            </a:r>
-            <a:r>
-              <a:rPr lang="en-NZ" sz="1200" kern="1200" dirty="0" smtClean="0">
-                <a:solidFill>
-                  <a:schemeClr val="tx1"/>
-                </a:solidFill>
-                <a:effectLst/>
-                <a:latin typeface="+mn-lt"/>
-                <a:ea typeface="+mn-ea"/>
-                <a:cs typeface="+mn-cs"/>
-              </a:rPr>
-              <a:t>is O(n2</a:t>
-            </a:r>
-            <a:r>
-              <a:rPr lang="en-NZ" sz="1200" kern="1200" dirty="0" smtClean="0">
-                <a:solidFill>
-                  <a:schemeClr val="tx1"/>
-                </a:solidFill>
-                <a:effectLst/>
-                <a:latin typeface="+mn-lt"/>
-                <a:ea typeface="+mn-ea"/>
-                <a:cs typeface="+mn-cs"/>
-              </a:rPr>
-              <a:t>) in the </a:t>
-            </a:r>
-            <a:r>
-              <a:rPr lang="en-NZ" sz="1200" kern="1200" dirty="0" smtClean="0">
-                <a:solidFill>
-                  <a:schemeClr val="tx1"/>
-                </a:solidFill>
-                <a:effectLst/>
-                <a:latin typeface="+mn-lt"/>
-                <a:ea typeface="+mn-ea"/>
-                <a:cs typeface="+mn-cs"/>
-              </a:rPr>
-              <a:t>number of pixels.</a:t>
+              <a:t>This computation (double for loop) is O(n2) in the number of pixels.</a:t>
             </a:r>
             <a:r>
               <a:rPr lang="en-NZ" sz="1200" kern="1200" baseline="0" dirty="0" smtClean="0">
@@ -4045,29 +3997,8 @@
                 <a:ea typeface="+mn-ea"/>
                 <a:cs typeface="+mn-cs"/>
               </a:rPr>
-              <a:t>ut it is very </a:t>
-            </a:r>
-            <a:r>
-              <a:rPr lang="en-NZ" sz="1200" kern="1200" dirty="0" smtClean="0">
-                <a:solidFill>
-                  <a:schemeClr val="tx1"/>
-                </a:solidFill>
-                <a:effectLst/>
-                <a:latin typeface="+mn-lt"/>
-                <a:ea typeface="+mn-ea"/>
-                <a:cs typeface="+mn-cs"/>
-              </a:rPr>
-              <a:t>accurate</a:t>
-            </a:r>
-            <a:endParaRPr lang="en-NZ" sz="1200" kern="1200" dirty="0" smtClean="0">
-              <a:solidFill>
-                <a:schemeClr val="tx1"/>
-              </a:solidFill>
-              <a:effectLst/>
-              <a:latin typeface="+mn-lt"/>
-              <a:ea typeface="+mn-ea"/>
-              <a:cs typeface="+mn-cs"/>
-            </a:endParaRPr>
+              <a:t>ut it is very accurate</a:t>
+            </a:r>
           </a:p>
         </p:txBody>
       </p:sp>
@@ -4543,7 +4474,7 @@
           <a:p>
             <a:fld id="{F8166F1F-CE9B-4651-A6AA-CD717754106B}" type="datetimeFigureOut">
               <a:rPr lang="en-US" smtClean="0"/>
-              <a:t>9/18/2019</a:t>
+              <a:t>9/20/2019</a:t>
             </a:fld>
             <a:endParaRPr lang="en-US"/>
           </a:p>
@@ -4708,7 +4639,7 @@
           <a:p>
             <a:fld id="{A76116CE-C4A3-4A05-B2D7-7C2E9A889C0F}" type="datetimeFigureOut">
               <a:rPr lang="en-US" smtClean="0"/>
-              <a:t>9/18/2019</a:t>
+              <a:t>9/20/2019</a:t>
             </a:fld>
             <a:endParaRPr lang="en-US"/>
           </a:p>
@@ -4883,7 +4814,7 @@
           <a:p>
             <a:fld id="{A76116CE-C4A3-4A05-B2D7-7C2E9A889C0F}" type="datetimeFigureOut">
               <a:rPr lang="en-US" smtClean="0"/>
-              <a:t>9/18/2019</a:t>
+              <a:t>9/20/2019</a:t>
             </a:fld>
             <a:endParaRPr lang="en-US"/>
           </a:p>
@@ -5050,7 +4981,7 @@
           <a:p>
             <a:fld id="{A76116CE-C4A3-4A05-B2D7-7C2E9A889C0F}" type="datetimeFigureOut">
               <a:rPr lang="en-US" smtClean="0"/>
-              <a:t>9/18/2019</a:t>
+              <a:t>9/20/2019</a:t>
             </a:fld>
             <a:endParaRPr lang="en-US"/>
           </a:p>
@@ -5291,7 +5222,7 @@
           <a:p>
             <a:fld id="{A76116CE-C4A3-4A05-B2D7-7C2E9A889C0F}" type="datetimeFigureOut">
               <a:rPr lang="en-US" smtClean="0"/>
-              <a:t>9/18/2019</a:t>
+              <a:t>9/20/2019</a:t>
             </a:fld>
             <a:endParaRPr lang="en-US"/>
           </a:p>
@@ -5574,7 +5505,7 @@
           <a:p>
             <a:fld id="{A76116CE-C4A3-4A05-B2D7-7C2E9A889C0F}" type="datetimeFigureOut">
               <a:rPr lang="en-US" smtClean="0"/>
-              <a:t>9/18/2019</a:t>
+              <a:t>9/20/2019</a:t>
             </a:fld>
             <a:endParaRPr lang="en-US"/>
           </a:p>
@@ -5991,7 +5922,7 @@
           <a:p>
             <a:fld id="{A76116CE-C4A3-4A05-B2D7-7C2E9A889C0F}" type="datetimeFigureOut">
               <a:rPr lang="en-US" smtClean="0"/>
-              <a:t>9/18/2019</a:t>
+              <a:t>9/20/2019</a:t>
             </a:fld>
             <a:endParaRPr lang="en-US"/>
           </a:p>
@@ -6104,7 +6035,7 @@
           <a:p>
             <a:fld id="{A76116CE-C4A3-4A05-B2D7-7C2E9A889C0F}" type="datetimeFigureOut">
               <a:rPr lang="en-US" smtClean="0"/>
-              <a:t>9/18/2019</a:t>
+              <a:t>9/20/2019</a:t>
             </a:fld>
             <a:endParaRPr lang="en-US"/>
           </a:p>
@@ -6194,7 +6125,7 @@
           <a:p>
             <a:fld id="{A76116CE-C4A3-4A05-B2D7-7C2E9A889C0F}" type="datetimeFigureOut">
               <a:rPr lang="en-US" smtClean="0"/>
-              <a:t>9/18/2019</a:t>
+              <a:t>9/20/2019</a:t>
             </a:fld>
             <a:endParaRPr lang="en-US"/>
           </a:p>
@@ -6466,7 +6397,7 @@
           <a:p>
             <a:fld id="{A76116CE-C4A3-4A05-B2D7-7C2E9A889C0F}" type="datetimeFigureOut">
               <a:rPr lang="en-US" smtClean="0"/>
-              <a:t>9/18/2019</a:t>
+              <a:t>9/20/2019</a:t>
             </a:fld>
             <a:endParaRPr lang="en-US"/>
           </a:p>
@@ -6714,7 +6645,7 @@
           <a:p>
             <a:fld id="{A76116CE-C4A3-4A05-B2D7-7C2E9A889C0F}" type="datetimeFigureOut">
               <a:rPr lang="en-US" smtClean="0"/>
-              <a:t>9/18/2019</a:t>
+              <a:t>9/20/2019</a:t>
             </a:fld>
             <a:endParaRPr lang="en-US"/>
           </a:p>
@@ -6922,7 +6853,7 @@
           <a:p>
             <a:fld id="{F8166F1F-CE9B-4651-A6AA-CD717754106B}" type="datetimeFigureOut">
               <a:rPr lang="en-US" smtClean="0"/>
-              <a:t>9/18/2019</a:t>
+              <a:t>9/20/2019</a:t>
             </a:fld>
             <a:endParaRPr lang="en-US"/>
           </a:p>
@@ -9919,11 +9850,7 @@
             <a:pPr lvl="1"/>
             <a:r>
               <a:rPr lang="en-AU" sz="3500" b="1" dirty="0" smtClean="0"/>
-              <a:t>Before vs</a:t>
-            </a:r>
-            <a:r>
-              <a:rPr lang="en-AU" sz="3500" b="1" dirty="0" smtClean="0"/>
-              <a:t>. </a:t>
+              <a:t>Before vs. </a:t>
             </a:r>
             <a:r>
               <a:rPr lang="en-NZ" sz="3500" b="1" dirty="0" smtClean="0"/>
@@ -9947,7 +9874,6 @@
               <a:rPr lang="en-US" sz="2500" dirty="0" smtClean="0"/>
               <a:t>Before</a:t>
             </a:r>
-            <a:endParaRPr lang="en-US" sz="2500" dirty="0" smtClean="0"/>
           </a:p>
           <a:p>
             <a:pPr marL="2114550" lvl="3" indent="-742950">
@@ -9985,8 +9911,8 @@
               <a:buChar char="•"/>
             </a:pPr>
             <a:r>
-              <a:rPr lang="en-US" sz="2500" smtClean="0"/>
-              <a:t>A posteriori</a:t>
+              <a:rPr lang="en-US" sz="2500" dirty="0" smtClean="0"/>
+              <a:t>After</a:t>
             </a:r>
             <a:endParaRPr lang="en-US" sz="2500" dirty="0" smtClean="0"/>
           </a:p>
